--- a/presentation_tetrisé.pptx
+++ b/presentation_tetrisé.pptx
@@ -3,29 +3,30 @@
 <p:presentation xmlns:a="http://schemas.openxmlformats.org/drawingml/2006/main" xmlns:r="http://schemas.openxmlformats.org/officeDocument/2006/relationships" xmlns:p="http://schemas.openxmlformats.org/presentationml/2006/main" saveSubsetFonts="1">
   <p:sldMasterIdLst>
     <p:sldMasterId id="2147483648" r:id="rId1"/>
+    <p:sldMasterId id="2147483660" r:id="rId2"/>
   </p:sldMasterIdLst>
   <p:sldIdLst>
-    <p:sldId id="256" r:id="rId2"/>
-    <p:sldId id="257" r:id="rId3"/>
-    <p:sldId id="258" r:id="rId4"/>
-    <p:sldId id="259" r:id="rId5"/>
-    <p:sldId id="261" r:id="rId6"/>
-    <p:sldId id="260" r:id="rId7"/>
-    <p:sldId id="262" r:id="rId8"/>
-    <p:sldId id="263" r:id="rId9"/>
-    <p:sldId id="264" r:id="rId10"/>
-    <p:sldId id="266" r:id="rId11"/>
-    <p:sldId id="275" r:id="rId12"/>
-    <p:sldId id="265" r:id="rId13"/>
-    <p:sldId id="267" r:id="rId14"/>
-    <p:sldId id="269" r:id="rId15"/>
-    <p:sldId id="272" r:id="rId16"/>
-    <p:sldId id="268" r:id="rId17"/>
-    <p:sldId id="270" r:id="rId18"/>
-    <p:sldId id="276" r:id="rId19"/>
-    <p:sldId id="271" r:id="rId20"/>
-    <p:sldId id="273" r:id="rId21"/>
-    <p:sldId id="278" r:id="rId22"/>
+    <p:sldId id="256" r:id="rId3"/>
+    <p:sldId id="257" r:id="rId4"/>
+    <p:sldId id="258" r:id="rId5"/>
+    <p:sldId id="259" r:id="rId6"/>
+    <p:sldId id="261" r:id="rId7"/>
+    <p:sldId id="260" r:id="rId8"/>
+    <p:sldId id="262" r:id="rId9"/>
+    <p:sldId id="263" r:id="rId10"/>
+    <p:sldId id="264" r:id="rId11"/>
+    <p:sldId id="266" r:id="rId12"/>
+    <p:sldId id="275" r:id="rId13"/>
+    <p:sldId id="265" r:id="rId14"/>
+    <p:sldId id="267" r:id="rId15"/>
+    <p:sldId id="269" r:id="rId16"/>
+    <p:sldId id="279" r:id="rId17"/>
+    <p:sldId id="268" r:id="rId18"/>
+    <p:sldId id="270" r:id="rId19"/>
+    <p:sldId id="276" r:id="rId20"/>
+    <p:sldId id="271" r:id="rId21"/>
+    <p:sldId id="273" r:id="rId22"/>
+    <p:sldId id="278" r:id="rId23"/>
   </p:sldIdLst>
   <p:sldSz cx="12192000" cy="6858000"/>
   <p:notesSz cx="6858000" cy="9144000"/>
@@ -758,6 +759,1491 @@
 </p:sldLayout>
 </file>
 
+<file path=ppt/slideLayouts/slideLayout12.xml><?xml version="1.0" encoding="utf-8"?>
+<p:sldLayout xmlns:a="http://schemas.openxmlformats.org/drawingml/2006/main" xmlns:r="http://schemas.openxmlformats.org/officeDocument/2006/relationships" xmlns:p="http://schemas.openxmlformats.org/presentationml/2006/main" type="blank" preserve="1">
+  <p:cSld name="Blank Slide">
+    <p:spTree>
+      <p:nvGrpSpPr>
+        <p:cNvPr id="1" name=""/>
+        <p:cNvGrpSpPr/>
+        <p:nvPr/>
+      </p:nvGrpSpPr>
+      <p:grpSpPr>
+        <a:xfrm>
+          <a:off x="0" y="0"/>
+          <a:ext cx="0" cy="0"/>
+          <a:chOff x="0" y="0"/>
+          <a:chExt cx="0" cy="0"/>
+        </a:xfrm>
+      </p:grpSpPr>
+      <p:sp>
+        <p:nvSpPr>
+          <p:cNvPr id="2" name="PlaceHolder 1"/>
+          <p:cNvSpPr>
+            <a:spLocks noGrp="1"/>
+          </p:cNvSpPr>
+          <p:nvPr>
+            <p:ph type="ftr" idx="5"/>
+          </p:nvPr>
+        </p:nvSpPr>
+        <p:spPr/>
+        <p:txBody>
+          <a:bodyPr/>
+          <a:lstStyle/>
+          <a:p>
+            <a:r>
+              <a:t>Footer</a:t>
+            </a:r>
+          </a:p>
+        </p:txBody>
+      </p:sp>
+      <p:sp>
+        <p:nvSpPr>
+          <p:cNvPr id="3" name="PlaceHolder 2"/>
+          <p:cNvSpPr>
+            <a:spLocks noGrp="1"/>
+          </p:cNvSpPr>
+          <p:nvPr>
+            <p:ph type="sldNum" idx="6"/>
+          </p:nvPr>
+        </p:nvSpPr>
+        <p:spPr/>
+        <p:txBody>
+          <a:bodyPr/>
+          <a:lstStyle/>
+          <a:p>
+            <a:fld id="{91329A1B-F45E-4616-BA44-E7AE7FE4742C}" type="slidenum">
+              <a:t>‹N°›</a:t>
+            </a:fld>
+            <a:endParaRPr/>
+          </a:p>
+        </p:txBody>
+      </p:sp>
+      <p:sp>
+        <p:nvSpPr>
+          <p:cNvPr id="4" name="PlaceHolder 3"/>
+          <p:cNvSpPr>
+            <a:spLocks noGrp="1"/>
+          </p:cNvSpPr>
+          <p:nvPr>
+            <p:ph type="dt" idx="4"/>
+          </p:nvPr>
+        </p:nvSpPr>
+        <p:spPr/>
+        <p:txBody>
+          <a:bodyPr/>
+          <a:lstStyle/>
+          <a:p>
+            <a:endParaRPr/>
+          </a:p>
+        </p:txBody>
+      </p:sp>
+    </p:spTree>
+    <p:extLst>
+      <p:ext uri="{BB962C8B-B14F-4D97-AF65-F5344CB8AC3E}">
+        <p14:creationId xmlns:p14="http://schemas.microsoft.com/office/powerpoint/2010/main" val="2057234238"/>
+      </p:ext>
+    </p:extLst>
+  </p:cSld>
+  <p:clrMapOvr>
+    <a:masterClrMapping/>
+  </p:clrMapOvr>
+</p:sldLayout>
+</file>
+
+<file path=ppt/slideLayouts/slideLayout13.xml><?xml version="1.0" encoding="utf-8"?>
+<p:sldLayout xmlns:a="http://schemas.openxmlformats.org/drawingml/2006/main" xmlns:r="http://schemas.openxmlformats.org/officeDocument/2006/relationships" xmlns:p="http://schemas.openxmlformats.org/presentationml/2006/main" type="tx" preserve="1">
+  <p:cSld name="Title Slide">
+    <p:spTree>
+      <p:nvGrpSpPr>
+        <p:cNvPr id="1" name=""/>
+        <p:cNvGrpSpPr/>
+        <p:nvPr/>
+      </p:nvGrpSpPr>
+      <p:grpSpPr>
+        <a:xfrm>
+          <a:off x="0" y="0"/>
+          <a:ext cx="0" cy="0"/>
+          <a:chOff x="0" y="0"/>
+          <a:chExt cx="0" cy="0"/>
+        </a:xfrm>
+      </p:grpSpPr>
+      <p:sp>
+        <p:nvSpPr>
+          <p:cNvPr id="46" name="PlaceHolder 1"/>
+          <p:cNvSpPr>
+            <a:spLocks noGrp="1"/>
+          </p:cNvSpPr>
+          <p:nvPr>
+            <p:ph type="title"/>
+          </p:nvPr>
+        </p:nvSpPr>
+        <p:spPr>
+          <a:xfrm>
+            <a:off x="1523880" y="1122480"/>
+            <a:ext cx="9143640" cy="2387160"/>
+          </a:xfrm>
+          <a:prstGeom prst="rect">
+            <a:avLst/>
+          </a:prstGeom>
+          <a:noFill/>
+          <a:ln w="0">
+            <a:noFill/>
+          </a:ln>
+        </p:spPr>
+        <p:txBody>
+          <a:bodyPr lIns="0" tIns="0" rIns="0" bIns="0" anchor="ctr">
+            <a:noAutofit/>
+          </a:bodyPr>
+          <a:lstStyle/>
+          <a:p>
+            <a:pPr indent="0">
+              <a:buNone/>
+            </a:pPr>
+            <a:endParaRPr lang="fr-FR" sz="1800" b="0" strike="noStrike" spc="-1">
+              <a:solidFill>
+                <a:schemeClr val="dk1"/>
+              </a:solidFill>
+              <a:latin typeface="Calibri"/>
+            </a:endParaRPr>
+          </a:p>
+        </p:txBody>
+      </p:sp>
+      <p:sp>
+        <p:nvSpPr>
+          <p:cNvPr id="47" name="PlaceHolder 2"/>
+          <p:cNvSpPr>
+            <a:spLocks noGrp="1"/>
+          </p:cNvSpPr>
+          <p:nvPr>
+            <p:ph type="subTitle"/>
+          </p:nvPr>
+        </p:nvSpPr>
+        <p:spPr>
+          <a:xfrm>
+            <a:off x="609480" y="1604520"/>
+            <a:ext cx="10972440" cy="3977280"/>
+          </a:xfrm>
+          <a:prstGeom prst="rect">
+            <a:avLst/>
+          </a:prstGeom>
+          <a:noFill/>
+          <a:ln w="0">
+            <a:noFill/>
+          </a:ln>
+        </p:spPr>
+        <p:txBody>
+          <a:bodyPr lIns="0" tIns="0" rIns="0" bIns="0" anchor="ctr">
+            <a:noAutofit/>
+          </a:bodyPr>
+          <a:lstStyle/>
+          <a:p>
+            <a:pPr indent="0" algn="ctr">
+              <a:buNone/>
+            </a:pPr>
+            <a:endParaRPr lang="fr-FR" sz="3200" b="0" strike="noStrike" spc="-1">
+              <a:solidFill>
+                <a:srgbClr val="FFFFFF"/>
+              </a:solidFill>
+              <a:latin typeface="Arial"/>
+            </a:endParaRPr>
+          </a:p>
+        </p:txBody>
+      </p:sp>
+      <p:sp>
+        <p:nvSpPr>
+          <p:cNvPr id="4" name="PlaceHolder 3"/>
+          <p:cNvSpPr>
+            <a:spLocks noGrp="1"/>
+          </p:cNvSpPr>
+          <p:nvPr>
+            <p:ph type="ftr" idx="5"/>
+          </p:nvPr>
+        </p:nvSpPr>
+        <p:spPr/>
+        <p:txBody>
+          <a:bodyPr/>
+          <a:lstStyle/>
+          <a:p>
+            <a:r>
+              <a:t>Footer</a:t>
+            </a:r>
+          </a:p>
+        </p:txBody>
+      </p:sp>
+      <p:sp>
+        <p:nvSpPr>
+          <p:cNvPr id="5" name="PlaceHolder 4"/>
+          <p:cNvSpPr>
+            <a:spLocks noGrp="1"/>
+          </p:cNvSpPr>
+          <p:nvPr>
+            <p:ph type="sldNum" idx="6"/>
+          </p:nvPr>
+        </p:nvSpPr>
+        <p:spPr/>
+        <p:txBody>
+          <a:bodyPr/>
+          <a:lstStyle/>
+          <a:p>
+            <a:fld id="{23502699-9F35-4554-BBB9-53337FE38565}" type="slidenum">
+              <a:t>‹N°›</a:t>
+            </a:fld>
+            <a:endParaRPr/>
+          </a:p>
+        </p:txBody>
+      </p:sp>
+      <p:sp>
+        <p:nvSpPr>
+          <p:cNvPr id="6" name="PlaceHolder 5"/>
+          <p:cNvSpPr>
+            <a:spLocks noGrp="1"/>
+          </p:cNvSpPr>
+          <p:nvPr>
+            <p:ph type="dt" idx="4"/>
+          </p:nvPr>
+        </p:nvSpPr>
+        <p:spPr/>
+        <p:txBody>
+          <a:bodyPr/>
+          <a:lstStyle/>
+          <a:p>
+            <a:endParaRPr/>
+          </a:p>
+        </p:txBody>
+      </p:sp>
+    </p:spTree>
+    <p:extLst>
+      <p:ext uri="{BB962C8B-B14F-4D97-AF65-F5344CB8AC3E}">
+        <p14:creationId xmlns:p14="http://schemas.microsoft.com/office/powerpoint/2010/main" val="2142924698"/>
+      </p:ext>
+    </p:extLst>
+  </p:cSld>
+  <p:clrMapOvr>
+    <a:masterClrMapping/>
+  </p:clrMapOvr>
+</p:sldLayout>
+</file>
+
+<file path=ppt/slideLayouts/slideLayout14.xml><?xml version="1.0" encoding="utf-8"?>
+<p:sldLayout xmlns:a="http://schemas.openxmlformats.org/drawingml/2006/main" xmlns:r="http://schemas.openxmlformats.org/officeDocument/2006/relationships" xmlns:p="http://schemas.openxmlformats.org/presentationml/2006/main" type="obj" preserve="1">
+  <p:cSld name="Title, Content">
+    <p:spTree>
+      <p:nvGrpSpPr>
+        <p:cNvPr id="1" name=""/>
+        <p:cNvGrpSpPr/>
+        <p:nvPr/>
+      </p:nvGrpSpPr>
+      <p:grpSpPr>
+        <a:xfrm>
+          <a:off x="0" y="0"/>
+          <a:ext cx="0" cy="0"/>
+          <a:chOff x="0" y="0"/>
+          <a:chExt cx="0" cy="0"/>
+        </a:xfrm>
+      </p:grpSpPr>
+      <p:sp>
+        <p:nvSpPr>
+          <p:cNvPr id="48" name="PlaceHolder 1"/>
+          <p:cNvSpPr>
+            <a:spLocks noGrp="1"/>
+          </p:cNvSpPr>
+          <p:nvPr>
+            <p:ph type="title"/>
+          </p:nvPr>
+        </p:nvSpPr>
+        <p:spPr>
+          <a:xfrm>
+            <a:off x="1523880" y="1122480"/>
+            <a:ext cx="9143640" cy="2387160"/>
+          </a:xfrm>
+          <a:prstGeom prst="rect">
+            <a:avLst/>
+          </a:prstGeom>
+          <a:noFill/>
+          <a:ln w="0">
+            <a:noFill/>
+          </a:ln>
+        </p:spPr>
+        <p:txBody>
+          <a:bodyPr lIns="0" tIns="0" rIns="0" bIns="0" anchor="ctr">
+            <a:noAutofit/>
+          </a:bodyPr>
+          <a:lstStyle/>
+          <a:p>
+            <a:pPr indent="0">
+              <a:buNone/>
+            </a:pPr>
+            <a:endParaRPr lang="fr-FR" sz="1800" b="0" strike="noStrike" spc="-1">
+              <a:solidFill>
+                <a:schemeClr val="dk1"/>
+              </a:solidFill>
+              <a:latin typeface="Calibri"/>
+            </a:endParaRPr>
+          </a:p>
+        </p:txBody>
+      </p:sp>
+      <p:sp>
+        <p:nvSpPr>
+          <p:cNvPr id="49" name="PlaceHolder 2"/>
+          <p:cNvSpPr>
+            <a:spLocks noGrp="1"/>
+          </p:cNvSpPr>
+          <p:nvPr>
+            <p:ph/>
+          </p:nvPr>
+        </p:nvSpPr>
+        <p:spPr>
+          <a:xfrm>
+            <a:off x="609480" y="1604520"/>
+            <a:ext cx="10972440" cy="3977280"/>
+          </a:xfrm>
+          <a:prstGeom prst="rect">
+            <a:avLst/>
+          </a:prstGeom>
+          <a:noFill/>
+          <a:ln w="0">
+            <a:noFill/>
+          </a:ln>
+        </p:spPr>
+        <p:txBody>
+          <a:bodyPr lIns="0" tIns="0" rIns="0" bIns="0" anchor="t">
+            <a:normAutofit/>
+          </a:bodyPr>
+          <a:lstStyle/>
+          <a:p>
+            <a:pPr indent="0">
+              <a:lnSpc>
+                <a:spcPct val="90000"/>
+              </a:lnSpc>
+              <a:spcBef>
+                <a:spcPts val="1417"/>
+              </a:spcBef>
+              <a:buNone/>
+            </a:pPr>
+            <a:endParaRPr lang="fr-FR" sz="2800" b="0" strike="noStrike" spc="-1">
+              <a:solidFill>
+                <a:schemeClr val="dk1"/>
+              </a:solidFill>
+              <a:latin typeface="Calibri"/>
+            </a:endParaRPr>
+          </a:p>
+        </p:txBody>
+      </p:sp>
+      <p:sp>
+        <p:nvSpPr>
+          <p:cNvPr id="4" name="PlaceHolder 3"/>
+          <p:cNvSpPr>
+            <a:spLocks noGrp="1"/>
+          </p:cNvSpPr>
+          <p:nvPr>
+            <p:ph type="ftr" idx="5"/>
+          </p:nvPr>
+        </p:nvSpPr>
+        <p:spPr/>
+        <p:txBody>
+          <a:bodyPr/>
+          <a:lstStyle/>
+          <a:p>
+            <a:r>
+              <a:t>Footer</a:t>
+            </a:r>
+          </a:p>
+        </p:txBody>
+      </p:sp>
+      <p:sp>
+        <p:nvSpPr>
+          <p:cNvPr id="5" name="PlaceHolder 4"/>
+          <p:cNvSpPr>
+            <a:spLocks noGrp="1"/>
+          </p:cNvSpPr>
+          <p:nvPr>
+            <p:ph type="sldNum" idx="6"/>
+          </p:nvPr>
+        </p:nvSpPr>
+        <p:spPr/>
+        <p:txBody>
+          <a:bodyPr/>
+          <a:lstStyle/>
+          <a:p>
+            <a:fld id="{750D57BA-FF8A-4CE0-B827-1DB02F3D87AE}" type="slidenum">
+              <a:t>‹N°›</a:t>
+            </a:fld>
+            <a:endParaRPr/>
+          </a:p>
+        </p:txBody>
+      </p:sp>
+      <p:sp>
+        <p:nvSpPr>
+          <p:cNvPr id="6" name="PlaceHolder 5"/>
+          <p:cNvSpPr>
+            <a:spLocks noGrp="1"/>
+          </p:cNvSpPr>
+          <p:nvPr>
+            <p:ph type="dt" idx="4"/>
+          </p:nvPr>
+        </p:nvSpPr>
+        <p:spPr/>
+        <p:txBody>
+          <a:bodyPr/>
+          <a:lstStyle/>
+          <a:p>
+            <a:endParaRPr/>
+          </a:p>
+        </p:txBody>
+      </p:sp>
+    </p:spTree>
+    <p:extLst>
+      <p:ext uri="{BB962C8B-B14F-4D97-AF65-F5344CB8AC3E}">
+        <p14:creationId xmlns:p14="http://schemas.microsoft.com/office/powerpoint/2010/main" val="2213615117"/>
+      </p:ext>
+    </p:extLst>
+  </p:cSld>
+  <p:clrMapOvr>
+    <a:masterClrMapping/>
+  </p:clrMapOvr>
+</p:sldLayout>
+</file>
+
+<file path=ppt/slideLayouts/slideLayout15.xml><?xml version="1.0" encoding="utf-8"?>
+<p:sldLayout xmlns:a="http://schemas.openxmlformats.org/drawingml/2006/main" xmlns:r="http://schemas.openxmlformats.org/officeDocument/2006/relationships" xmlns:p="http://schemas.openxmlformats.org/presentationml/2006/main" type="twoObj" preserve="1">
+  <p:cSld name="Title, 2 Content">
+    <p:spTree>
+      <p:nvGrpSpPr>
+        <p:cNvPr id="1" name=""/>
+        <p:cNvGrpSpPr/>
+        <p:nvPr/>
+      </p:nvGrpSpPr>
+      <p:grpSpPr>
+        <a:xfrm>
+          <a:off x="0" y="0"/>
+          <a:ext cx="0" cy="0"/>
+          <a:chOff x="0" y="0"/>
+          <a:chExt cx="0" cy="0"/>
+        </a:xfrm>
+      </p:grpSpPr>
+      <p:sp>
+        <p:nvSpPr>
+          <p:cNvPr id="50" name="PlaceHolder 1"/>
+          <p:cNvSpPr>
+            <a:spLocks noGrp="1"/>
+          </p:cNvSpPr>
+          <p:nvPr>
+            <p:ph type="title"/>
+          </p:nvPr>
+        </p:nvSpPr>
+        <p:spPr>
+          <a:xfrm>
+            <a:off x="1523880" y="1122480"/>
+            <a:ext cx="9143640" cy="2387160"/>
+          </a:xfrm>
+          <a:prstGeom prst="rect">
+            <a:avLst/>
+          </a:prstGeom>
+          <a:noFill/>
+          <a:ln w="0">
+            <a:noFill/>
+          </a:ln>
+        </p:spPr>
+        <p:txBody>
+          <a:bodyPr lIns="0" tIns="0" rIns="0" bIns="0" anchor="ctr">
+            <a:noAutofit/>
+          </a:bodyPr>
+          <a:lstStyle/>
+          <a:p>
+            <a:pPr indent="0">
+              <a:buNone/>
+            </a:pPr>
+            <a:endParaRPr lang="fr-FR" sz="1800" b="0" strike="noStrike" spc="-1">
+              <a:solidFill>
+                <a:schemeClr val="dk1"/>
+              </a:solidFill>
+              <a:latin typeface="Calibri"/>
+            </a:endParaRPr>
+          </a:p>
+        </p:txBody>
+      </p:sp>
+      <p:sp>
+        <p:nvSpPr>
+          <p:cNvPr id="51" name="PlaceHolder 2"/>
+          <p:cNvSpPr>
+            <a:spLocks noGrp="1"/>
+          </p:cNvSpPr>
+          <p:nvPr>
+            <p:ph/>
+          </p:nvPr>
+        </p:nvSpPr>
+        <p:spPr>
+          <a:xfrm>
+            <a:off x="609480" y="1604520"/>
+            <a:ext cx="5354280" cy="3977280"/>
+          </a:xfrm>
+          <a:prstGeom prst="rect">
+            <a:avLst/>
+          </a:prstGeom>
+          <a:noFill/>
+          <a:ln w="0">
+            <a:noFill/>
+          </a:ln>
+        </p:spPr>
+        <p:txBody>
+          <a:bodyPr lIns="0" tIns="0" rIns="0" bIns="0" anchor="t">
+            <a:normAutofit/>
+          </a:bodyPr>
+          <a:lstStyle/>
+          <a:p>
+            <a:pPr indent="0">
+              <a:lnSpc>
+                <a:spcPct val="90000"/>
+              </a:lnSpc>
+              <a:spcBef>
+                <a:spcPts val="1417"/>
+              </a:spcBef>
+              <a:buNone/>
+            </a:pPr>
+            <a:endParaRPr lang="fr-FR" sz="2800" b="0" strike="noStrike" spc="-1">
+              <a:solidFill>
+                <a:schemeClr val="dk1"/>
+              </a:solidFill>
+              <a:latin typeface="Calibri"/>
+            </a:endParaRPr>
+          </a:p>
+        </p:txBody>
+      </p:sp>
+      <p:sp>
+        <p:nvSpPr>
+          <p:cNvPr id="52" name="PlaceHolder 3"/>
+          <p:cNvSpPr>
+            <a:spLocks noGrp="1"/>
+          </p:cNvSpPr>
+          <p:nvPr>
+            <p:ph/>
+          </p:nvPr>
+        </p:nvSpPr>
+        <p:spPr>
+          <a:xfrm>
+            <a:off x="6231960" y="1604520"/>
+            <a:ext cx="5354280" cy="3977280"/>
+          </a:xfrm>
+          <a:prstGeom prst="rect">
+            <a:avLst/>
+          </a:prstGeom>
+          <a:noFill/>
+          <a:ln w="0">
+            <a:noFill/>
+          </a:ln>
+        </p:spPr>
+        <p:txBody>
+          <a:bodyPr lIns="0" tIns="0" rIns="0" bIns="0" anchor="t">
+            <a:normAutofit/>
+          </a:bodyPr>
+          <a:lstStyle/>
+          <a:p>
+            <a:pPr indent="0">
+              <a:lnSpc>
+                <a:spcPct val="90000"/>
+              </a:lnSpc>
+              <a:spcBef>
+                <a:spcPts val="1417"/>
+              </a:spcBef>
+              <a:buNone/>
+            </a:pPr>
+            <a:endParaRPr lang="fr-FR" sz="2800" b="0" strike="noStrike" spc="-1">
+              <a:solidFill>
+                <a:schemeClr val="dk1"/>
+              </a:solidFill>
+              <a:latin typeface="Calibri"/>
+            </a:endParaRPr>
+          </a:p>
+        </p:txBody>
+      </p:sp>
+      <p:sp>
+        <p:nvSpPr>
+          <p:cNvPr id="5" name="PlaceHolder 4"/>
+          <p:cNvSpPr>
+            <a:spLocks noGrp="1"/>
+          </p:cNvSpPr>
+          <p:nvPr>
+            <p:ph type="ftr" idx="5"/>
+          </p:nvPr>
+        </p:nvSpPr>
+        <p:spPr/>
+        <p:txBody>
+          <a:bodyPr/>
+          <a:lstStyle/>
+          <a:p>
+            <a:r>
+              <a:t>Footer</a:t>
+            </a:r>
+          </a:p>
+        </p:txBody>
+      </p:sp>
+      <p:sp>
+        <p:nvSpPr>
+          <p:cNvPr id="6" name="PlaceHolder 5"/>
+          <p:cNvSpPr>
+            <a:spLocks noGrp="1"/>
+          </p:cNvSpPr>
+          <p:nvPr>
+            <p:ph type="sldNum" idx="6"/>
+          </p:nvPr>
+        </p:nvSpPr>
+        <p:spPr/>
+        <p:txBody>
+          <a:bodyPr/>
+          <a:lstStyle/>
+          <a:p>
+            <a:fld id="{1B56E0F9-FD8D-40ED-ABBB-A72641EA2057}" type="slidenum">
+              <a:t>‹N°›</a:t>
+            </a:fld>
+            <a:endParaRPr/>
+          </a:p>
+        </p:txBody>
+      </p:sp>
+      <p:sp>
+        <p:nvSpPr>
+          <p:cNvPr id="7" name="PlaceHolder 6"/>
+          <p:cNvSpPr>
+            <a:spLocks noGrp="1"/>
+          </p:cNvSpPr>
+          <p:nvPr>
+            <p:ph type="dt" idx="4"/>
+          </p:nvPr>
+        </p:nvSpPr>
+        <p:spPr/>
+        <p:txBody>
+          <a:bodyPr/>
+          <a:lstStyle/>
+          <a:p>
+            <a:endParaRPr/>
+          </a:p>
+        </p:txBody>
+      </p:sp>
+    </p:spTree>
+    <p:extLst>
+      <p:ext uri="{BB962C8B-B14F-4D97-AF65-F5344CB8AC3E}">
+        <p14:creationId xmlns:p14="http://schemas.microsoft.com/office/powerpoint/2010/main" val="1573718655"/>
+      </p:ext>
+    </p:extLst>
+  </p:cSld>
+  <p:clrMapOvr>
+    <a:masterClrMapping/>
+  </p:clrMapOvr>
+</p:sldLayout>
+</file>
+
+<file path=ppt/slideLayouts/slideLayout16.xml><?xml version="1.0" encoding="utf-8"?>
+<p:sldLayout xmlns:a="http://schemas.openxmlformats.org/drawingml/2006/main" xmlns:r="http://schemas.openxmlformats.org/officeDocument/2006/relationships" xmlns:p="http://schemas.openxmlformats.org/presentationml/2006/main" type="titleOnly" preserve="1">
+  <p:cSld name="Title Only">
+    <p:spTree>
+      <p:nvGrpSpPr>
+        <p:cNvPr id="1" name=""/>
+        <p:cNvGrpSpPr/>
+        <p:nvPr/>
+      </p:nvGrpSpPr>
+      <p:grpSpPr>
+        <a:xfrm>
+          <a:off x="0" y="0"/>
+          <a:ext cx="0" cy="0"/>
+          <a:chOff x="0" y="0"/>
+          <a:chExt cx="0" cy="0"/>
+        </a:xfrm>
+      </p:grpSpPr>
+      <p:sp>
+        <p:nvSpPr>
+          <p:cNvPr id="53" name="PlaceHolder 1"/>
+          <p:cNvSpPr>
+            <a:spLocks noGrp="1"/>
+          </p:cNvSpPr>
+          <p:nvPr>
+            <p:ph type="title"/>
+          </p:nvPr>
+        </p:nvSpPr>
+        <p:spPr>
+          <a:xfrm>
+            <a:off x="1523880" y="1122480"/>
+            <a:ext cx="9143640" cy="2387160"/>
+          </a:xfrm>
+          <a:prstGeom prst="rect">
+            <a:avLst/>
+          </a:prstGeom>
+          <a:noFill/>
+          <a:ln w="0">
+            <a:noFill/>
+          </a:ln>
+        </p:spPr>
+        <p:txBody>
+          <a:bodyPr lIns="0" tIns="0" rIns="0" bIns="0" anchor="ctr">
+            <a:noAutofit/>
+          </a:bodyPr>
+          <a:lstStyle/>
+          <a:p>
+            <a:pPr indent="0">
+              <a:buNone/>
+            </a:pPr>
+            <a:endParaRPr lang="fr-FR" sz="1800" b="0" strike="noStrike" spc="-1">
+              <a:solidFill>
+                <a:schemeClr val="dk1"/>
+              </a:solidFill>
+              <a:latin typeface="Calibri"/>
+            </a:endParaRPr>
+          </a:p>
+        </p:txBody>
+      </p:sp>
+      <p:sp>
+        <p:nvSpPr>
+          <p:cNvPr id="3" name="PlaceHolder 2"/>
+          <p:cNvSpPr>
+            <a:spLocks noGrp="1"/>
+          </p:cNvSpPr>
+          <p:nvPr>
+            <p:ph type="ftr" idx="5"/>
+          </p:nvPr>
+        </p:nvSpPr>
+        <p:spPr/>
+        <p:txBody>
+          <a:bodyPr/>
+          <a:lstStyle/>
+          <a:p>
+            <a:r>
+              <a:t>Footer</a:t>
+            </a:r>
+          </a:p>
+        </p:txBody>
+      </p:sp>
+      <p:sp>
+        <p:nvSpPr>
+          <p:cNvPr id="4" name="PlaceHolder 3"/>
+          <p:cNvSpPr>
+            <a:spLocks noGrp="1"/>
+          </p:cNvSpPr>
+          <p:nvPr>
+            <p:ph type="sldNum" idx="6"/>
+          </p:nvPr>
+        </p:nvSpPr>
+        <p:spPr/>
+        <p:txBody>
+          <a:bodyPr/>
+          <a:lstStyle/>
+          <a:p>
+            <a:fld id="{A8BF01AA-7E10-4090-9AF1-99779298F0EC}" type="slidenum">
+              <a:t>‹N°›</a:t>
+            </a:fld>
+            <a:endParaRPr/>
+          </a:p>
+        </p:txBody>
+      </p:sp>
+      <p:sp>
+        <p:nvSpPr>
+          <p:cNvPr id="5" name="PlaceHolder 4"/>
+          <p:cNvSpPr>
+            <a:spLocks noGrp="1"/>
+          </p:cNvSpPr>
+          <p:nvPr>
+            <p:ph type="dt" idx="4"/>
+          </p:nvPr>
+        </p:nvSpPr>
+        <p:spPr/>
+        <p:txBody>
+          <a:bodyPr/>
+          <a:lstStyle/>
+          <a:p>
+            <a:endParaRPr/>
+          </a:p>
+        </p:txBody>
+      </p:sp>
+    </p:spTree>
+    <p:extLst>
+      <p:ext uri="{BB962C8B-B14F-4D97-AF65-F5344CB8AC3E}">
+        <p14:creationId xmlns:p14="http://schemas.microsoft.com/office/powerpoint/2010/main" val="3701759308"/>
+      </p:ext>
+    </p:extLst>
+  </p:cSld>
+  <p:clrMapOvr>
+    <a:masterClrMapping/>
+  </p:clrMapOvr>
+</p:sldLayout>
+</file>
+
+<file path=ppt/slideLayouts/slideLayout17.xml><?xml version="1.0" encoding="utf-8"?>
+<p:sldLayout xmlns:a="http://schemas.openxmlformats.org/drawingml/2006/main" xmlns:r="http://schemas.openxmlformats.org/officeDocument/2006/relationships" xmlns:p="http://schemas.openxmlformats.org/presentationml/2006/main" type="objOnly" preserve="1">
+  <p:cSld name="Centered Text">
+    <p:spTree>
+      <p:nvGrpSpPr>
+        <p:cNvPr id="1" name=""/>
+        <p:cNvGrpSpPr/>
+        <p:nvPr/>
+      </p:nvGrpSpPr>
+      <p:grpSpPr>
+        <a:xfrm>
+          <a:off x="0" y="0"/>
+          <a:ext cx="0" cy="0"/>
+          <a:chOff x="0" y="0"/>
+          <a:chExt cx="0" cy="0"/>
+        </a:xfrm>
+      </p:grpSpPr>
+      <p:sp>
+        <p:nvSpPr>
+          <p:cNvPr id="54" name="PlaceHolder 1"/>
+          <p:cNvSpPr>
+            <a:spLocks noGrp="1"/>
+          </p:cNvSpPr>
+          <p:nvPr>
+            <p:ph type="subTitle"/>
+          </p:nvPr>
+        </p:nvSpPr>
+        <p:spPr>
+          <a:xfrm>
+            <a:off x="1523880" y="1122480"/>
+            <a:ext cx="9143640" cy="11066760"/>
+          </a:xfrm>
+          <a:prstGeom prst="rect">
+            <a:avLst/>
+          </a:prstGeom>
+          <a:noFill/>
+          <a:ln w="0">
+            <a:noFill/>
+          </a:ln>
+        </p:spPr>
+        <p:txBody>
+          <a:bodyPr lIns="0" tIns="0" rIns="0" bIns="0" anchor="ctr">
+            <a:noAutofit/>
+          </a:bodyPr>
+          <a:lstStyle/>
+          <a:p>
+            <a:pPr algn="ctr"/>
+            <a:endParaRPr lang="fr-FR" sz="3200" b="0" strike="noStrike" spc="-1">
+              <a:solidFill>
+                <a:srgbClr val="FFFFFF"/>
+              </a:solidFill>
+              <a:latin typeface="Arial"/>
+            </a:endParaRPr>
+          </a:p>
+        </p:txBody>
+      </p:sp>
+      <p:sp>
+        <p:nvSpPr>
+          <p:cNvPr id="3" name="PlaceHolder 2"/>
+          <p:cNvSpPr>
+            <a:spLocks noGrp="1"/>
+          </p:cNvSpPr>
+          <p:nvPr>
+            <p:ph type="ftr" idx="5"/>
+          </p:nvPr>
+        </p:nvSpPr>
+        <p:spPr/>
+        <p:txBody>
+          <a:bodyPr/>
+          <a:lstStyle/>
+          <a:p>
+            <a:r>
+              <a:t>Footer</a:t>
+            </a:r>
+          </a:p>
+        </p:txBody>
+      </p:sp>
+      <p:sp>
+        <p:nvSpPr>
+          <p:cNvPr id="4" name="PlaceHolder 3"/>
+          <p:cNvSpPr>
+            <a:spLocks noGrp="1"/>
+          </p:cNvSpPr>
+          <p:nvPr>
+            <p:ph type="sldNum" idx="6"/>
+          </p:nvPr>
+        </p:nvSpPr>
+        <p:spPr/>
+        <p:txBody>
+          <a:bodyPr/>
+          <a:lstStyle/>
+          <a:p>
+            <a:fld id="{1FB6EABC-6F19-480F-835C-206B8FD84793}" type="slidenum">
+              <a:t>‹N°›</a:t>
+            </a:fld>
+            <a:endParaRPr/>
+          </a:p>
+        </p:txBody>
+      </p:sp>
+      <p:sp>
+        <p:nvSpPr>
+          <p:cNvPr id="5" name="PlaceHolder 4"/>
+          <p:cNvSpPr>
+            <a:spLocks noGrp="1"/>
+          </p:cNvSpPr>
+          <p:nvPr>
+            <p:ph type="dt" idx="4"/>
+          </p:nvPr>
+        </p:nvSpPr>
+        <p:spPr/>
+        <p:txBody>
+          <a:bodyPr/>
+          <a:lstStyle/>
+          <a:p>
+            <a:endParaRPr/>
+          </a:p>
+        </p:txBody>
+      </p:sp>
+    </p:spTree>
+    <p:extLst>
+      <p:ext uri="{BB962C8B-B14F-4D97-AF65-F5344CB8AC3E}">
+        <p14:creationId xmlns:p14="http://schemas.microsoft.com/office/powerpoint/2010/main" val="3737753730"/>
+      </p:ext>
+    </p:extLst>
+  </p:cSld>
+  <p:clrMapOvr>
+    <a:masterClrMapping/>
+  </p:clrMapOvr>
+</p:sldLayout>
+</file>
+
+<file path=ppt/slideLayouts/slideLayout18.xml><?xml version="1.0" encoding="utf-8"?>
+<p:sldLayout xmlns:a="http://schemas.openxmlformats.org/drawingml/2006/main" xmlns:r="http://schemas.openxmlformats.org/officeDocument/2006/relationships" xmlns:p="http://schemas.openxmlformats.org/presentationml/2006/main" type="twoObjAndObj" preserve="1">
+  <p:cSld name="Title, 2 Content and Content">
+    <p:spTree>
+      <p:nvGrpSpPr>
+        <p:cNvPr id="1" name=""/>
+        <p:cNvGrpSpPr/>
+        <p:nvPr/>
+      </p:nvGrpSpPr>
+      <p:grpSpPr>
+        <a:xfrm>
+          <a:off x="0" y="0"/>
+          <a:ext cx="0" cy="0"/>
+          <a:chOff x="0" y="0"/>
+          <a:chExt cx="0" cy="0"/>
+        </a:xfrm>
+      </p:grpSpPr>
+      <p:sp>
+        <p:nvSpPr>
+          <p:cNvPr id="55" name="PlaceHolder 1"/>
+          <p:cNvSpPr>
+            <a:spLocks noGrp="1"/>
+          </p:cNvSpPr>
+          <p:nvPr>
+            <p:ph type="title"/>
+          </p:nvPr>
+        </p:nvSpPr>
+        <p:spPr>
+          <a:xfrm>
+            <a:off x="1523880" y="1122480"/>
+            <a:ext cx="9143640" cy="2387160"/>
+          </a:xfrm>
+          <a:prstGeom prst="rect">
+            <a:avLst/>
+          </a:prstGeom>
+          <a:noFill/>
+          <a:ln w="0">
+            <a:noFill/>
+          </a:ln>
+        </p:spPr>
+        <p:txBody>
+          <a:bodyPr lIns="0" tIns="0" rIns="0" bIns="0" anchor="ctr">
+            <a:noAutofit/>
+          </a:bodyPr>
+          <a:lstStyle/>
+          <a:p>
+            <a:pPr indent="0">
+              <a:buNone/>
+            </a:pPr>
+            <a:endParaRPr lang="fr-FR" sz="1800" b="0" strike="noStrike" spc="-1">
+              <a:solidFill>
+                <a:schemeClr val="dk1"/>
+              </a:solidFill>
+              <a:latin typeface="Calibri"/>
+            </a:endParaRPr>
+          </a:p>
+        </p:txBody>
+      </p:sp>
+      <p:sp>
+        <p:nvSpPr>
+          <p:cNvPr id="56" name="PlaceHolder 2"/>
+          <p:cNvSpPr>
+            <a:spLocks noGrp="1"/>
+          </p:cNvSpPr>
+          <p:nvPr>
+            <p:ph/>
+          </p:nvPr>
+        </p:nvSpPr>
+        <p:spPr>
+          <a:xfrm>
+            <a:off x="609480" y="1604520"/>
+            <a:ext cx="5354280" cy="1896840"/>
+          </a:xfrm>
+          <a:prstGeom prst="rect">
+            <a:avLst/>
+          </a:prstGeom>
+          <a:noFill/>
+          <a:ln w="0">
+            <a:noFill/>
+          </a:ln>
+        </p:spPr>
+        <p:txBody>
+          <a:bodyPr lIns="0" tIns="0" rIns="0" bIns="0" anchor="t">
+            <a:normAutofit/>
+          </a:bodyPr>
+          <a:lstStyle/>
+          <a:p>
+            <a:pPr indent="0">
+              <a:lnSpc>
+                <a:spcPct val="90000"/>
+              </a:lnSpc>
+              <a:spcBef>
+                <a:spcPts val="1417"/>
+              </a:spcBef>
+              <a:buNone/>
+            </a:pPr>
+            <a:endParaRPr lang="fr-FR" sz="2800" b="0" strike="noStrike" spc="-1">
+              <a:solidFill>
+                <a:schemeClr val="dk1"/>
+              </a:solidFill>
+              <a:latin typeface="Calibri"/>
+            </a:endParaRPr>
+          </a:p>
+        </p:txBody>
+      </p:sp>
+      <p:sp>
+        <p:nvSpPr>
+          <p:cNvPr id="57" name="PlaceHolder 3"/>
+          <p:cNvSpPr>
+            <a:spLocks noGrp="1"/>
+          </p:cNvSpPr>
+          <p:nvPr>
+            <p:ph/>
+          </p:nvPr>
+        </p:nvSpPr>
+        <p:spPr>
+          <a:xfrm>
+            <a:off x="6231960" y="1604520"/>
+            <a:ext cx="5354280" cy="3977280"/>
+          </a:xfrm>
+          <a:prstGeom prst="rect">
+            <a:avLst/>
+          </a:prstGeom>
+          <a:noFill/>
+          <a:ln w="0">
+            <a:noFill/>
+          </a:ln>
+        </p:spPr>
+        <p:txBody>
+          <a:bodyPr lIns="0" tIns="0" rIns="0" bIns="0" anchor="t">
+            <a:normAutofit/>
+          </a:bodyPr>
+          <a:lstStyle/>
+          <a:p>
+            <a:pPr indent="0">
+              <a:lnSpc>
+                <a:spcPct val="90000"/>
+              </a:lnSpc>
+              <a:spcBef>
+                <a:spcPts val="1417"/>
+              </a:spcBef>
+              <a:buNone/>
+            </a:pPr>
+            <a:endParaRPr lang="fr-FR" sz="2800" b="0" strike="noStrike" spc="-1">
+              <a:solidFill>
+                <a:schemeClr val="dk1"/>
+              </a:solidFill>
+              <a:latin typeface="Calibri"/>
+            </a:endParaRPr>
+          </a:p>
+        </p:txBody>
+      </p:sp>
+      <p:sp>
+        <p:nvSpPr>
+          <p:cNvPr id="58" name="PlaceHolder 4"/>
+          <p:cNvSpPr>
+            <a:spLocks noGrp="1"/>
+          </p:cNvSpPr>
+          <p:nvPr>
+            <p:ph/>
+          </p:nvPr>
+        </p:nvSpPr>
+        <p:spPr>
+          <a:xfrm>
+            <a:off x="609480" y="3682080"/>
+            <a:ext cx="5354280" cy="1896840"/>
+          </a:xfrm>
+          <a:prstGeom prst="rect">
+            <a:avLst/>
+          </a:prstGeom>
+          <a:noFill/>
+          <a:ln w="0">
+            <a:noFill/>
+          </a:ln>
+        </p:spPr>
+        <p:txBody>
+          <a:bodyPr lIns="0" tIns="0" rIns="0" bIns="0" anchor="t">
+            <a:normAutofit/>
+          </a:bodyPr>
+          <a:lstStyle/>
+          <a:p>
+            <a:pPr indent="0">
+              <a:lnSpc>
+                <a:spcPct val="90000"/>
+              </a:lnSpc>
+              <a:spcBef>
+                <a:spcPts val="1417"/>
+              </a:spcBef>
+              <a:buNone/>
+            </a:pPr>
+            <a:endParaRPr lang="fr-FR" sz="2800" b="0" strike="noStrike" spc="-1">
+              <a:solidFill>
+                <a:schemeClr val="dk1"/>
+              </a:solidFill>
+              <a:latin typeface="Calibri"/>
+            </a:endParaRPr>
+          </a:p>
+        </p:txBody>
+      </p:sp>
+      <p:sp>
+        <p:nvSpPr>
+          <p:cNvPr id="6" name="PlaceHolder 5"/>
+          <p:cNvSpPr>
+            <a:spLocks noGrp="1"/>
+          </p:cNvSpPr>
+          <p:nvPr>
+            <p:ph type="ftr" idx="5"/>
+          </p:nvPr>
+        </p:nvSpPr>
+        <p:spPr/>
+        <p:txBody>
+          <a:bodyPr/>
+          <a:lstStyle/>
+          <a:p>
+            <a:r>
+              <a:t>Footer</a:t>
+            </a:r>
+          </a:p>
+        </p:txBody>
+      </p:sp>
+      <p:sp>
+        <p:nvSpPr>
+          <p:cNvPr id="7" name="PlaceHolder 6"/>
+          <p:cNvSpPr>
+            <a:spLocks noGrp="1"/>
+          </p:cNvSpPr>
+          <p:nvPr>
+            <p:ph type="sldNum" idx="6"/>
+          </p:nvPr>
+        </p:nvSpPr>
+        <p:spPr/>
+        <p:txBody>
+          <a:bodyPr/>
+          <a:lstStyle/>
+          <a:p>
+            <a:fld id="{B72E72D5-4257-4486-A72A-4E56C254DB64}" type="slidenum">
+              <a:t>‹N°›</a:t>
+            </a:fld>
+            <a:endParaRPr/>
+          </a:p>
+        </p:txBody>
+      </p:sp>
+      <p:sp>
+        <p:nvSpPr>
+          <p:cNvPr id="8" name="PlaceHolder 7"/>
+          <p:cNvSpPr>
+            <a:spLocks noGrp="1"/>
+          </p:cNvSpPr>
+          <p:nvPr>
+            <p:ph type="dt" idx="4"/>
+          </p:nvPr>
+        </p:nvSpPr>
+        <p:spPr/>
+        <p:txBody>
+          <a:bodyPr/>
+          <a:lstStyle/>
+          <a:p>
+            <a:endParaRPr/>
+          </a:p>
+        </p:txBody>
+      </p:sp>
+    </p:spTree>
+    <p:extLst>
+      <p:ext uri="{BB962C8B-B14F-4D97-AF65-F5344CB8AC3E}">
+        <p14:creationId xmlns:p14="http://schemas.microsoft.com/office/powerpoint/2010/main" val="244504182"/>
+      </p:ext>
+    </p:extLst>
+  </p:cSld>
+  <p:clrMapOvr>
+    <a:masterClrMapping/>
+  </p:clrMapOvr>
+</p:sldLayout>
+</file>
+
+<file path=ppt/slideLayouts/slideLayout19.xml><?xml version="1.0" encoding="utf-8"?>
+<p:sldLayout xmlns:a="http://schemas.openxmlformats.org/drawingml/2006/main" xmlns:r="http://schemas.openxmlformats.org/officeDocument/2006/relationships" xmlns:p="http://schemas.openxmlformats.org/presentationml/2006/main" type="objAndTwoObj" preserve="1">
+  <p:cSld name="Title Content and 2 Content">
+    <p:spTree>
+      <p:nvGrpSpPr>
+        <p:cNvPr id="1" name=""/>
+        <p:cNvGrpSpPr/>
+        <p:nvPr/>
+      </p:nvGrpSpPr>
+      <p:grpSpPr>
+        <a:xfrm>
+          <a:off x="0" y="0"/>
+          <a:ext cx="0" cy="0"/>
+          <a:chOff x="0" y="0"/>
+          <a:chExt cx="0" cy="0"/>
+        </a:xfrm>
+      </p:grpSpPr>
+      <p:sp>
+        <p:nvSpPr>
+          <p:cNvPr id="59" name="PlaceHolder 1"/>
+          <p:cNvSpPr>
+            <a:spLocks noGrp="1"/>
+          </p:cNvSpPr>
+          <p:nvPr>
+            <p:ph type="title"/>
+          </p:nvPr>
+        </p:nvSpPr>
+        <p:spPr>
+          <a:xfrm>
+            <a:off x="1523880" y="1122480"/>
+            <a:ext cx="9143640" cy="2387160"/>
+          </a:xfrm>
+          <a:prstGeom prst="rect">
+            <a:avLst/>
+          </a:prstGeom>
+          <a:noFill/>
+          <a:ln w="0">
+            <a:noFill/>
+          </a:ln>
+        </p:spPr>
+        <p:txBody>
+          <a:bodyPr lIns="0" tIns="0" rIns="0" bIns="0" anchor="ctr">
+            <a:noAutofit/>
+          </a:bodyPr>
+          <a:lstStyle/>
+          <a:p>
+            <a:pPr indent="0">
+              <a:buNone/>
+            </a:pPr>
+            <a:endParaRPr lang="fr-FR" sz="1800" b="0" strike="noStrike" spc="-1">
+              <a:solidFill>
+                <a:schemeClr val="dk1"/>
+              </a:solidFill>
+              <a:latin typeface="Calibri"/>
+            </a:endParaRPr>
+          </a:p>
+        </p:txBody>
+      </p:sp>
+      <p:sp>
+        <p:nvSpPr>
+          <p:cNvPr id="60" name="PlaceHolder 2"/>
+          <p:cNvSpPr>
+            <a:spLocks noGrp="1"/>
+          </p:cNvSpPr>
+          <p:nvPr>
+            <p:ph/>
+          </p:nvPr>
+        </p:nvSpPr>
+        <p:spPr>
+          <a:xfrm>
+            <a:off x="609480" y="1604520"/>
+            <a:ext cx="5354280" cy="3977280"/>
+          </a:xfrm>
+          <a:prstGeom prst="rect">
+            <a:avLst/>
+          </a:prstGeom>
+          <a:noFill/>
+          <a:ln w="0">
+            <a:noFill/>
+          </a:ln>
+        </p:spPr>
+        <p:txBody>
+          <a:bodyPr lIns="0" tIns="0" rIns="0" bIns="0" anchor="t">
+            <a:normAutofit/>
+          </a:bodyPr>
+          <a:lstStyle/>
+          <a:p>
+            <a:pPr indent="0">
+              <a:lnSpc>
+                <a:spcPct val="90000"/>
+              </a:lnSpc>
+              <a:spcBef>
+                <a:spcPts val="1417"/>
+              </a:spcBef>
+              <a:buNone/>
+            </a:pPr>
+            <a:endParaRPr lang="fr-FR" sz="2800" b="0" strike="noStrike" spc="-1">
+              <a:solidFill>
+                <a:schemeClr val="dk1"/>
+              </a:solidFill>
+              <a:latin typeface="Calibri"/>
+            </a:endParaRPr>
+          </a:p>
+        </p:txBody>
+      </p:sp>
+      <p:sp>
+        <p:nvSpPr>
+          <p:cNvPr id="61" name="PlaceHolder 3"/>
+          <p:cNvSpPr>
+            <a:spLocks noGrp="1"/>
+          </p:cNvSpPr>
+          <p:nvPr>
+            <p:ph/>
+          </p:nvPr>
+        </p:nvSpPr>
+        <p:spPr>
+          <a:xfrm>
+            <a:off x="6231960" y="1604520"/>
+            <a:ext cx="5354280" cy="1896840"/>
+          </a:xfrm>
+          <a:prstGeom prst="rect">
+            <a:avLst/>
+          </a:prstGeom>
+          <a:noFill/>
+          <a:ln w="0">
+            <a:noFill/>
+          </a:ln>
+        </p:spPr>
+        <p:txBody>
+          <a:bodyPr lIns="0" tIns="0" rIns="0" bIns="0" anchor="t">
+            <a:normAutofit/>
+          </a:bodyPr>
+          <a:lstStyle/>
+          <a:p>
+            <a:pPr indent="0">
+              <a:lnSpc>
+                <a:spcPct val="90000"/>
+              </a:lnSpc>
+              <a:spcBef>
+                <a:spcPts val="1417"/>
+              </a:spcBef>
+              <a:buNone/>
+            </a:pPr>
+            <a:endParaRPr lang="fr-FR" sz="2800" b="0" strike="noStrike" spc="-1">
+              <a:solidFill>
+                <a:schemeClr val="dk1"/>
+              </a:solidFill>
+              <a:latin typeface="Calibri"/>
+            </a:endParaRPr>
+          </a:p>
+        </p:txBody>
+      </p:sp>
+      <p:sp>
+        <p:nvSpPr>
+          <p:cNvPr id="62" name="PlaceHolder 4"/>
+          <p:cNvSpPr>
+            <a:spLocks noGrp="1"/>
+          </p:cNvSpPr>
+          <p:nvPr>
+            <p:ph/>
+          </p:nvPr>
+        </p:nvSpPr>
+        <p:spPr>
+          <a:xfrm>
+            <a:off x="6231960" y="3682080"/>
+            <a:ext cx="5354280" cy="1896840"/>
+          </a:xfrm>
+          <a:prstGeom prst="rect">
+            <a:avLst/>
+          </a:prstGeom>
+          <a:noFill/>
+          <a:ln w="0">
+            <a:noFill/>
+          </a:ln>
+        </p:spPr>
+        <p:txBody>
+          <a:bodyPr lIns="0" tIns="0" rIns="0" bIns="0" anchor="t">
+            <a:normAutofit/>
+          </a:bodyPr>
+          <a:lstStyle/>
+          <a:p>
+            <a:pPr indent="0">
+              <a:lnSpc>
+                <a:spcPct val="90000"/>
+              </a:lnSpc>
+              <a:spcBef>
+                <a:spcPts val="1417"/>
+              </a:spcBef>
+              <a:buNone/>
+            </a:pPr>
+            <a:endParaRPr lang="fr-FR" sz="2800" b="0" strike="noStrike" spc="-1">
+              <a:solidFill>
+                <a:schemeClr val="dk1"/>
+              </a:solidFill>
+              <a:latin typeface="Calibri"/>
+            </a:endParaRPr>
+          </a:p>
+        </p:txBody>
+      </p:sp>
+      <p:sp>
+        <p:nvSpPr>
+          <p:cNvPr id="6" name="PlaceHolder 5"/>
+          <p:cNvSpPr>
+            <a:spLocks noGrp="1"/>
+          </p:cNvSpPr>
+          <p:nvPr>
+            <p:ph type="ftr" idx="5"/>
+          </p:nvPr>
+        </p:nvSpPr>
+        <p:spPr/>
+        <p:txBody>
+          <a:bodyPr/>
+          <a:lstStyle/>
+          <a:p>
+            <a:r>
+              <a:t>Footer</a:t>
+            </a:r>
+          </a:p>
+        </p:txBody>
+      </p:sp>
+      <p:sp>
+        <p:nvSpPr>
+          <p:cNvPr id="7" name="PlaceHolder 6"/>
+          <p:cNvSpPr>
+            <a:spLocks noGrp="1"/>
+          </p:cNvSpPr>
+          <p:nvPr>
+            <p:ph type="sldNum" idx="6"/>
+          </p:nvPr>
+        </p:nvSpPr>
+        <p:spPr/>
+        <p:txBody>
+          <a:bodyPr/>
+          <a:lstStyle/>
+          <a:p>
+            <a:fld id="{78AFFB75-0646-42A0-BC72-5A32DE41FE68}" type="slidenum">
+              <a:t>‹N°›</a:t>
+            </a:fld>
+            <a:endParaRPr/>
+          </a:p>
+        </p:txBody>
+      </p:sp>
+      <p:sp>
+        <p:nvSpPr>
+          <p:cNvPr id="8" name="PlaceHolder 7"/>
+          <p:cNvSpPr>
+            <a:spLocks noGrp="1"/>
+          </p:cNvSpPr>
+          <p:nvPr>
+            <p:ph type="dt" idx="4"/>
+          </p:nvPr>
+        </p:nvSpPr>
+        <p:spPr/>
+        <p:txBody>
+          <a:bodyPr/>
+          <a:lstStyle/>
+          <a:p>
+            <a:endParaRPr/>
+          </a:p>
+        </p:txBody>
+      </p:sp>
+    </p:spTree>
+    <p:extLst>
+      <p:ext uri="{BB962C8B-B14F-4D97-AF65-F5344CB8AC3E}">
+        <p14:creationId xmlns:p14="http://schemas.microsoft.com/office/powerpoint/2010/main" val="550140455"/>
+      </p:ext>
+    </p:extLst>
+  </p:cSld>
+  <p:clrMapOvr>
+    <a:masterClrMapping/>
+  </p:clrMapOvr>
+</p:sldLayout>
+</file>
+
 <file path=ppt/slideLayouts/slideLayout2.xml><?xml version="1.0" encoding="utf-8"?>
 <p:sldLayout xmlns:a="http://schemas.openxmlformats.org/drawingml/2006/main" xmlns:r="http://schemas.openxmlformats.org/officeDocument/2006/relationships" xmlns:p="http://schemas.openxmlformats.org/presentationml/2006/main" type="obj" preserve="1">
   <p:cSld name="Titre et contenu">
@@ -947,6 +2433,1243 @@
     <p:extLst>
       <p:ext uri="{BB962C8B-B14F-4D97-AF65-F5344CB8AC3E}">
         <p14:creationId xmlns:p14="http://schemas.microsoft.com/office/powerpoint/2010/main" val="2508070383"/>
+      </p:ext>
+    </p:extLst>
+  </p:cSld>
+  <p:clrMapOvr>
+    <a:masterClrMapping/>
+  </p:clrMapOvr>
+</p:sldLayout>
+</file>
+
+<file path=ppt/slideLayouts/slideLayout20.xml><?xml version="1.0" encoding="utf-8"?>
+<p:sldLayout xmlns:a="http://schemas.openxmlformats.org/drawingml/2006/main" xmlns:r="http://schemas.openxmlformats.org/officeDocument/2006/relationships" xmlns:p="http://schemas.openxmlformats.org/presentationml/2006/main" type="twoObjOverTx" preserve="1">
+  <p:cSld name="Title, 2 Content over Content">
+    <p:spTree>
+      <p:nvGrpSpPr>
+        <p:cNvPr id="1" name=""/>
+        <p:cNvGrpSpPr/>
+        <p:nvPr/>
+      </p:nvGrpSpPr>
+      <p:grpSpPr>
+        <a:xfrm>
+          <a:off x="0" y="0"/>
+          <a:ext cx="0" cy="0"/>
+          <a:chOff x="0" y="0"/>
+          <a:chExt cx="0" cy="0"/>
+        </a:xfrm>
+      </p:grpSpPr>
+      <p:sp>
+        <p:nvSpPr>
+          <p:cNvPr id="63" name="PlaceHolder 1"/>
+          <p:cNvSpPr>
+            <a:spLocks noGrp="1"/>
+          </p:cNvSpPr>
+          <p:nvPr>
+            <p:ph type="title"/>
+          </p:nvPr>
+        </p:nvSpPr>
+        <p:spPr>
+          <a:xfrm>
+            <a:off x="1523880" y="1122480"/>
+            <a:ext cx="9143640" cy="2387160"/>
+          </a:xfrm>
+          <a:prstGeom prst="rect">
+            <a:avLst/>
+          </a:prstGeom>
+          <a:noFill/>
+          <a:ln w="0">
+            <a:noFill/>
+          </a:ln>
+        </p:spPr>
+        <p:txBody>
+          <a:bodyPr lIns="0" tIns="0" rIns="0" bIns="0" anchor="ctr">
+            <a:noAutofit/>
+          </a:bodyPr>
+          <a:lstStyle/>
+          <a:p>
+            <a:pPr indent="0">
+              <a:buNone/>
+            </a:pPr>
+            <a:endParaRPr lang="fr-FR" sz="1800" b="0" strike="noStrike" spc="-1">
+              <a:solidFill>
+                <a:schemeClr val="dk1"/>
+              </a:solidFill>
+              <a:latin typeface="Calibri"/>
+            </a:endParaRPr>
+          </a:p>
+        </p:txBody>
+      </p:sp>
+      <p:sp>
+        <p:nvSpPr>
+          <p:cNvPr id="64" name="PlaceHolder 2"/>
+          <p:cNvSpPr>
+            <a:spLocks noGrp="1"/>
+          </p:cNvSpPr>
+          <p:nvPr>
+            <p:ph/>
+          </p:nvPr>
+        </p:nvSpPr>
+        <p:spPr>
+          <a:xfrm>
+            <a:off x="609480" y="1604520"/>
+            <a:ext cx="5354280" cy="1896840"/>
+          </a:xfrm>
+          <a:prstGeom prst="rect">
+            <a:avLst/>
+          </a:prstGeom>
+          <a:noFill/>
+          <a:ln w="0">
+            <a:noFill/>
+          </a:ln>
+        </p:spPr>
+        <p:txBody>
+          <a:bodyPr lIns="0" tIns="0" rIns="0" bIns="0" anchor="t">
+            <a:normAutofit/>
+          </a:bodyPr>
+          <a:lstStyle/>
+          <a:p>
+            <a:pPr indent="0">
+              <a:lnSpc>
+                <a:spcPct val="90000"/>
+              </a:lnSpc>
+              <a:spcBef>
+                <a:spcPts val="1417"/>
+              </a:spcBef>
+              <a:buNone/>
+            </a:pPr>
+            <a:endParaRPr lang="fr-FR" sz="2800" b="0" strike="noStrike" spc="-1">
+              <a:solidFill>
+                <a:schemeClr val="dk1"/>
+              </a:solidFill>
+              <a:latin typeface="Calibri"/>
+            </a:endParaRPr>
+          </a:p>
+        </p:txBody>
+      </p:sp>
+      <p:sp>
+        <p:nvSpPr>
+          <p:cNvPr id="65" name="PlaceHolder 3"/>
+          <p:cNvSpPr>
+            <a:spLocks noGrp="1"/>
+          </p:cNvSpPr>
+          <p:nvPr>
+            <p:ph/>
+          </p:nvPr>
+        </p:nvSpPr>
+        <p:spPr>
+          <a:xfrm>
+            <a:off x="6231960" y="1604520"/>
+            <a:ext cx="5354280" cy="1896840"/>
+          </a:xfrm>
+          <a:prstGeom prst="rect">
+            <a:avLst/>
+          </a:prstGeom>
+          <a:noFill/>
+          <a:ln w="0">
+            <a:noFill/>
+          </a:ln>
+        </p:spPr>
+        <p:txBody>
+          <a:bodyPr lIns="0" tIns="0" rIns="0" bIns="0" anchor="t">
+            <a:normAutofit/>
+          </a:bodyPr>
+          <a:lstStyle/>
+          <a:p>
+            <a:pPr indent="0">
+              <a:lnSpc>
+                <a:spcPct val="90000"/>
+              </a:lnSpc>
+              <a:spcBef>
+                <a:spcPts val="1417"/>
+              </a:spcBef>
+              <a:buNone/>
+            </a:pPr>
+            <a:endParaRPr lang="fr-FR" sz="2800" b="0" strike="noStrike" spc="-1">
+              <a:solidFill>
+                <a:schemeClr val="dk1"/>
+              </a:solidFill>
+              <a:latin typeface="Calibri"/>
+            </a:endParaRPr>
+          </a:p>
+        </p:txBody>
+      </p:sp>
+      <p:sp>
+        <p:nvSpPr>
+          <p:cNvPr id="66" name="PlaceHolder 4"/>
+          <p:cNvSpPr>
+            <a:spLocks noGrp="1"/>
+          </p:cNvSpPr>
+          <p:nvPr>
+            <p:ph/>
+          </p:nvPr>
+        </p:nvSpPr>
+        <p:spPr>
+          <a:xfrm>
+            <a:off x="609480" y="3682080"/>
+            <a:ext cx="10972440" cy="1896840"/>
+          </a:xfrm>
+          <a:prstGeom prst="rect">
+            <a:avLst/>
+          </a:prstGeom>
+          <a:noFill/>
+          <a:ln w="0">
+            <a:noFill/>
+          </a:ln>
+        </p:spPr>
+        <p:txBody>
+          <a:bodyPr lIns="0" tIns="0" rIns="0" bIns="0" anchor="t">
+            <a:normAutofit/>
+          </a:bodyPr>
+          <a:lstStyle/>
+          <a:p>
+            <a:pPr indent="0">
+              <a:lnSpc>
+                <a:spcPct val="90000"/>
+              </a:lnSpc>
+              <a:spcBef>
+                <a:spcPts val="1417"/>
+              </a:spcBef>
+              <a:buNone/>
+            </a:pPr>
+            <a:endParaRPr lang="fr-FR" sz="2800" b="0" strike="noStrike" spc="-1">
+              <a:solidFill>
+                <a:schemeClr val="dk1"/>
+              </a:solidFill>
+              <a:latin typeface="Calibri"/>
+            </a:endParaRPr>
+          </a:p>
+        </p:txBody>
+      </p:sp>
+      <p:sp>
+        <p:nvSpPr>
+          <p:cNvPr id="6" name="PlaceHolder 5"/>
+          <p:cNvSpPr>
+            <a:spLocks noGrp="1"/>
+          </p:cNvSpPr>
+          <p:nvPr>
+            <p:ph type="ftr" idx="5"/>
+          </p:nvPr>
+        </p:nvSpPr>
+        <p:spPr/>
+        <p:txBody>
+          <a:bodyPr/>
+          <a:lstStyle/>
+          <a:p>
+            <a:r>
+              <a:t>Footer</a:t>
+            </a:r>
+          </a:p>
+        </p:txBody>
+      </p:sp>
+      <p:sp>
+        <p:nvSpPr>
+          <p:cNvPr id="7" name="PlaceHolder 6"/>
+          <p:cNvSpPr>
+            <a:spLocks noGrp="1"/>
+          </p:cNvSpPr>
+          <p:nvPr>
+            <p:ph type="sldNum" idx="6"/>
+          </p:nvPr>
+        </p:nvSpPr>
+        <p:spPr/>
+        <p:txBody>
+          <a:bodyPr/>
+          <a:lstStyle/>
+          <a:p>
+            <a:fld id="{A88A82D1-81E1-4E2E-9762-9FF578ABE7E8}" type="slidenum">
+              <a:t>‹N°›</a:t>
+            </a:fld>
+            <a:endParaRPr/>
+          </a:p>
+        </p:txBody>
+      </p:sp>
+      <p:sp>
+        <p:nvSpPr>
+          <p:cNvPr id="8" name="PlaceHolder 7"/>
+          <p:cNvSpPr>
+            <a:spLocks noGrp="1"/>
+          </p:cNvSpPr>
+          <p:nvPr>
+            <p:ph type="dt" idx="4"/>
+          </p:nvPr>
+        </p:nvSpPr>
+        <p:spPr/>
+        <p:txBody>
+          <a:bodyPr/>
+          <a:lstStyle/>
+          <a:p>
+            <a:endParaRPr/>
+          </a:p>
+        </p:txBody>
+      </p:sp>
+    </p:spTree>
+    <p:extLst>
+      <p:ext uri="{BB962C8B-B14F-4D97-AF65-F5344CB8AC3E}">
+        <p14:creationId xmlns:p14="http://schemas.microsoft.com/office/powerpoint/2010/main" val="3695698918"/>
+      </p:ext>
+    </p:extLst>
+  </p:cSld>
+  <p:clrMapOvr>
+    <a:masterClrMapping/>
+  </p:clrMapOvr>
+</p:sldLayout>
+</file>
+
+<file path=ppt/slideLayouts/slideLayout21.xml><?xml version="1.0" encoding="utf-8"?>
+<p:sldLayout xmlns:a="http://schemas.openxmlformats.org/drawingml/2006/main" xmlns:r="http://schemas.openxmlformats.org/officeDocument/2006/relationships" xmlns:p="http://schemas.openxmlformats.org/presentationml/2006/main" type="objOverTx" preserve="1">
+  <p:cSld name="Title, Content over Content">
+    <p:spTree>
+      <p:nvGrpSpPr>
+        <p:cNvPr id="1" name=""/>
+        <p:cNvGrpSpPr/>
+        <p:nvPr/>
+      </p:nvGrpSpPr>
+      <p:grpSpPr>
+        <a:xfrm>
+          <a:off x="0" y="0"/>
+          <a:ext cx="0" cy="0"/>
+          <a:chOff x="0" y="0"/>
+          <a:chExt cx="0" cy="0"/>
+        </a:xfrm>
+      </p:grpSpPr>
+      <p:sp>
+        <p:nvSpPr>
+          <p:cNvPr id="67" name="PlaceHolder 1"/>
+          <p:cNvSpPr>
+            <a:spLocks noGrp="1"/>
+          </p:cNvSpPr>
+          <p:nvPr>
+            <p:ph type="title"/>
+          </p:nvPr>
+        </p:nvSpPr>
+        <p:spPr>
+          <a:xfrm>
+            <a:off x="1523880" y="1122480"/>
+            <a:ext cx="9143640" cy="2387160"/>
+          </a:xfrm>
+          <a:prstGeom prst="rect">
+            <a:avLst/>
+          </a:prstGeom>
+          <a:noFill/>
+          <a:ln w="0">
+            <a:noFill/>
+          </a:ln>
+        </p:spPr>
+        <p:txBody>
+          <a:bodyPr lIns="0" tIns="0" rIns="0" bIns="0" anchor="ctr">
+            <a:noAutofit/>
+          </a:bodyPr>
+          <a:lstStyle/>
+          <a:p>
+            <a:pPr indent="0">
+              <a:buNone/>
+            </a:pPr>
+            <a:endParaRPr lang="fr-FR" sz="1800" b="0" strike="noStrike" spc="-1">
+              <a:solidFill>
+                <a:schemeClr val="dk1"/>
+              </a:solidFill>
+              <a:latin typeface="Calibri"/>
+            </a:endParaRPr>
+          </a:p>
+        </p:txBody>
+      </p:sp>
+      <p:sp>
+        <p:nvSpPr>
+          <p:cNvPr id="68" name="PlaceHolder 2"/>
+          <p:cNvSpPr>
+            <a:spLocks noGrp="1"/>
+          </p:cNvSpPr>
+          <p:nvPr>
+            <p:ph/>
+          </p:nvPr>
+        </p:nvSpPr>
+        <p:spPr>
+          <a:xfrm>
+            <a:off x="609480" y="1604520"/>
+            <a:ext cx="10972440" cy="1896840"/>
+          </a:xfrm>
+          <a:prstGeom prst="rect">
+            <a:avLst/>
+          </a:prstGeom>
+          <a:noFill/>
+          <a:ln w="0">
+            <a:noFill/>
+          </a:ln>
+        </p:spPr>
+        <p:txBody>
+          <a:bodyPr lIns="0" tIns="0" rIns="0" bIns="0" anchor="t">
+            <a:normAutofit/>
+          </a:bodyPr>
+          <a:lstStyle/>
+          <a:p>
+            <a:pPr indent="0">
+              <a:lnSpc>
+                <a:spcPct val="90000"/>
+              </a:lnSpc>
+              <a:spcBef>
+                <a:spcPts val="1417"/>
+              </a:spcBef>
+              <a:buNone/>
+            </a:pPr>
+            <a:endParaRPr lang="fr-FR" sz="2800" b="0" strike="noStrike" spc="-1">
+              <a:solidFill>
+                <a:schemeClr val="dk1"/>
+              </a:solidFill>
+              <a:latin typeface="Calibri"/>
+            </a:endParaRPr>
+          </a:p>
+        </p:txBody>
+      </p:sp>
+      <p:sp>
+        <p:nvSpPr>
+          <p:cNvPr id="69" name="PlaceHolder 3"/>
+          <p:cNvSpPr>
+            <a:spLocks noGrp="1"/>
+          </p:cNvSpPr>
+          <p:nvPr>
+            <p:ph/>
+          </p:nvPr>
+        </p:nvSpPr>
+        <p:spPr>
+          <a:xfrm>
+            <a:off x="609480" y="3682080"/>
+            <a:ext cx="10972440" cy="1896840"/>
+          </a:xfrm>
+          <a:prstGeom prst="rect">
+            <a:avLst/>
+          </a:prstGeom>
+          <a:noFill/>
+          <a:ln w="0">
+            <a:noFill/>
+          </a:ln>
+        </p:spPr>
+        <p:txBody>
+          <a:bodyPr lIns="0" tIns="0" rIns="0" bIns="0" anchor="t">
+            <a:normAutofit/>
+          </a:bodyPr>
+          <a:lstStyle/>
+          <a:p>
+            <a:pPr indent="0">
+              <a:lnSpc>
+                <a:spcPct val="90000"/>
+              </a:lnSpc>
+              <a:spcBef>
+                <a:spcPts val="1417"/>
+              </a:spcBef>
+              <a:buNone/>
+            </a:pPr>
+            <a:endParaRPr lang="fr-FR" sz="2800" b="0" strike="noStrike" spc="-1">
+              <a:solidFill>
+                <a:schemeClr val="dk1"/>
+              </a:solidFill>
+              <a:latin typeface="Calibri"/>
+            </a:endParaRPr>
+          </a:p>
+        </p:txBody>
+      </p:sp>
+      <p:sp>
+        <p:nvSpPr>
+          <p:cNvPr id="5" name="PlaceHolder 4"/>
+          <p:cNvSpPr>
+            <a:spLocks noGrp="1"/>
+          </p:cNvSpPr>
+          <p:nvPr>
+            <p:ph type="ftr" idx="5"/>
+          </p:nvPr>
+        </p:nvSpPr>
+        <p:spPr/>
+        <p:txBody>
+          <a:bodyPr/>
+          <a:lstStyle/>
+          <a:p>
+            <a:r>
+              <a:t>Footer</a:t>
+            </a:r>
+          </a:p>
+        </p:txBody>
+      </p:sp>
+      <p:sp>
+        <p:nvSpPr>
+          <p:cNvPr id="6" name="PlaceHolder 5"/>
+          <p:cNvSpPr>
+            <a:spLocks noGrp="1"/>
+          </p:cNvSpPr>
+          <p:nvPr>
+            <p:ph type="sldNum" idx="6"/>
+          </p:nvPr>
+        </p:nvSpPr>
+        <p:spPr/>
+        <p:txBody>
+          <a:bodyPr/>
+          <a:lstStyle/>
+          <a:p>
+            <a:fld id="{A0F40137-E36A-4474-B908-01C6B31F55CB}" type="slidenum">
+              <a:t>‹N°›</a:t>
+            </a:fld>
+            <a:endParaRPr/>
+          </a:p>
+        </p:txBody>
+      </p:sp>
+      <p:sp>
+        <p:nvSpPr>
+          <p:cNvPr id="7" name="PlaceHolder 6"/>
+          <p:cNvSpPr>
+            <a:spLocks noGrp="1"/>
+          </p:cNvSpPr>
+          <p:nvPr>
+            <p:ph type="dt" idx="4"/>
+          </p:nvPr>
+        </p:nvSpPr>
+        <p:spPr/>
+        <p:txBody>
+          <a:bodyPr/>
+          <a:lstStyle/>
+          <a:p>
+            <a:endParaRPr/>
+          </a:p>
+        </p:txBody>
+      </p:sp>
+    </p:spTree>
+    <p:extLst>
+      <p:ext uri="{BB962C8B-B14F-4D97-AF65-F5344CB8AC3E}">
+        <p14:creationId xmlns:p14="http://schemas.microsoft.com/office/powerpoint/2010/main" val="2761754050"/>
+      </p:ext>
+    </p:extLst>
+  </p:cSld>
+  <p:clrMapOvr>
+    <a:masterClrMapping/>
+  </p:clrMapOvr>
+</p:sldLayout>
+</file>
+
+<file path=ppt/slideLayouts/slideLayout22.xml><?xml version="1.0" encoding="utf-8"?>
+<p:sldLayout xmlns:a="http://schemas.openxmlformats.org/drawingml/2006/main" xmlns:r="http://schemas.openxmlformats.org/officeDocument/2006/relationships" xmlns:p="http://schemas.openxmlformats.org/presentationml/2006/main" type="fourObj" preserve="1">
+  <p:cSld name="Title, 4 Content">
+    <p:spTree>
+      <p:nvGrpSpPr>
+        <p:cNvPr id="1" name=""/>
+        <p:cNvGrpSpPr/>
+        <p:nvPr/>
+      </p:nvGrpSpPr>
+      <p:grpSpPr>
+        <a:xfrm>
+          <a:off x="0" y="0"/>
+          <a:ext cx="0" cy="0"/>
+          <a:chOff x="0" y="0"/>
+          <a:chExt cx="0" cy="0"/>
+        </a:xfrm>
+      </p:grpSpPr>
+      <p:sp>
+        <p:nvSpPr>
+          <p:cNvPr id="70" name="PlaceHolder 1"/>
+          <p:cNvSpPr>
+            <a:spLocks noGrp="1"/>
+          </p:cNvSpPr>
+          <p:nvPr>
+            <p:ph type="title"/>
+          </p:nvPr>
+        </p:nvSpPr>
+        <p:spPr>
+          <a:xfrm>
+            <a:off x="1523880" y="1122480"/>
+            <a:ext cx="9143640" cy="2387160"/>
+          </a:xfrm>
+          <a:prstGeom prst="rect">
+            <a:avLst/>
+          </a:prstGeom>
+          <a:noFill/>
+          <a:ln w="0">
+            <a:noFill/>
+          </a:ln>
+        </p:spPr>
+        <p:txBody>
+          <a:bodyPr lIns="0" tIns="0" rIns="0" bIns="0" anchor="ctr">
+            <a:noAutofit/>
+          </a:bodyPr>
+          <a:lstStyle/>
+          <a:p>
+            <a:pPr indent="0">
+              <a:buNone/>
+            </a:pPr>
+            <a:endParaRPr lang="fr-FR" sz="1800" b="0" strike="noStrike" spc="-1">
+              <a:solidFill>
+                <a:schemeClr val="dk1"/>
+              </a:solidFill>
+              <a:latin typeface="Calibri"/>
+            </a:endParaRPr>
+          </a:p>
+        </p:txBody>
+      </p:sp>
+      <p:sp>
+        <p:nvSpPr>
+          <p:cNvPr id="71" name="PlaceHolder 2"/>
+          <p:cNvSpPr>
+            <a:spLocks noGrp="1"/>
+          </p:cNvSpPr>
+          <p:nvPr>
+            <p:ph/>
+          </p:nvPr>
+        </p:nvSpPr>
+        <p:spPr>
+          <a:xfrm>
+            <a:off x="609480" y="1604520"/>
+            <a:ext cx="5354280" cy="1896840"/>
+          </a:xfrm>
+          <a:prstGeom prst="rect">
+            <a:avLst/>
+          </a:prstGeom>
+          <a:noFill/>
+          <a:ln w="0">
+            <a:noFill/>
+          </a:ln>
+        </p:spPr>
+        <p:txBody>
+          <a:bodyPr lIns="0" tIns="0" rIns="0" bIns="0" anchor="t">
+            <a:normAutofit/>
+          </a:bodyPr>
+          <a:lstStyle/>
+          <a:p>
+            <a:pPr indent="0">
+              <a:lnSpc>
+                <a:spcPct val="90000"/>
+              </a:lnSpc>
+              <a:spcBef>
+                <a:spcPts val="1417"/>
+              </a:spcBef>
+              <a:buNone/>
+            </a:pPr>
+            <a:endParaRPr lang="fr-FR" sz="2800" b="0" strike="noStrike" spc="-1">
+              <a:solidFill>
+                <a:schemeClr val="dk1"/>
+              </a:solidFill>
+              <a:latin typeface="Calibri"/>
+            </a:endParaRPr>
+          </a:p>
+        </p:txBody>
+      </p:sp>
+      <p:sp>
+        <p:nvSpPr>
+          <p:cNvPr id="72" name="PlaceHolder 3"/>
+          <p:cNvSpPr>
+            <a:spLocks noGrp="1"/>
+          </p:cNvSpPr>
+          <p:nvPr>
+            <p:ph/>
+          </p:nvPr>
+        </p:nvSpPr>
+        <p:spPr>
+          <a:xfrm>
+            <a:off x="6231960" y="1604520"/>
+            <a:ext cx="5354280" cy="1896840"/>
+          </a:xfrm>
+          <a:prstGeom prst="rect">
+            <a:avLst/>
+          </a:prstGeom>
+          <a:noFill/>
+          <a:ln w="0">
+            <a:noFill/>
+          </a:ln>
+        </p:spPr>
+        <p:txBody>
+          <a:bodyPr lIns="0" tIns="0" rIns="0" bIns="0" anchor="t">
+            <a:normAutofit/>
+          </a:bodyPr>
+          <a:lstStyle/>
+          <a:p>
+            <a:pPr indent="0">
+              <a:lnSpc>
+                <a:spcPct val="90000"/>
+              </a:lnSpc>
+              <a:spcBef>
+                <a:spcPts val="1417"/>
+              </a:spcBef>
+              <a:buNone/>
+            </a:pPr>
+            <a:endParaRPr lang="fr-FR" sz="2800" b="0" strike="noStrike" spc="-1">
+              <a:solidFill>
+                <a:schemeClr val="dk1"/>
+              </a:solidFill>
+              <a:latin typeface="Calibri"/>
+            </a:endParaRPr>
+          </a:p>
+        </p:txBody>
+      </p:sp>
+      <p:sp>
+        <p:nvSpPr>
+          <p:cNvPr id="73" name="PlaceHolder 4"/>
+          <p:cNvSpPr>
+            <a:spLocks noGrp="1"/>
+          </p:cNvSpPr>
+          <p:nvPr>
+            <p:ph/>
+          </p:nvPr>
+        </p:nvSpPr>
+        <p:spPr>
+          <a:xfrm>
+            <a:off x="609480" y="3682080"/>
+            <a:ext cx="5354280" cy="1896840"/>
+          </a:xfrm>
+          <a:prstGeom prst="rect">
+            <a:avLst/>
+          </a:prstGeom>
+          <a:noFill/>
+          <a:ln w="0">
+            <a:noFill/>
+          </a:ln>
+        </p:spPr>
+        <p:txBody>
+          <a:bodyPr lIns="0" tIns="0" rIns="0" bIns="0" anchor="t">
+            <a:normAutofit/>
+          </a:bodyPr>
+          <a:lstStyle/>
+          <a:p>
+            <a:pPr indent="0">
+              <a:lnSpc>
+                <a:spcPct val="90000"/>
+              </a:lnSpc>
+              <a:spcBef>
+                <a:spcPts val="1417"/>
+              </a:spcBef>
+              <a:buNone/>
+            </a:pPr>
+            <a:endParaRPr lang="fr-FR" sz="2800" b="0" strike="noStrike" spc="-1">
+              <a:solidFill>
+                <a:schemeClr val="dk1"/>
+              </a:solidFill>
+              <a:latin typeface="Calibri"/>
+            </a:endParaRPr>
+          </a:p>
+        </p:txBody>
+      </p:sp>
+      <p:sp>
+        <p:nvSpPr>
+          <p:cNvPr id="74" name="PlaceHolder 5"/>
+          <p:cNvSpPr>
+            <a:spLocks noGrp="1"/>
+          </p:cNvSpPr>
+          <p:nvPr>
+            <p:ph/>
+          </p:nvPr>
+        </p:nvSpPr>
+        <p:spPr>
+          <a:xfrm>
+            <a:off x="6231960" y="3682080"/>
+            <a:ext cx="5354280" cy="1896840"/>
+          </a:xfrm>
+          <a:prstGeom prst="rect">
+            <a:avLst/>
+          </a:prstGeom>
+          <a:noFill/>
+          <a:ln w="0">
+            <a:noFill/>
+          </a:ln>
+        </p:spPr>
+        <p:txBody>
+          <a:bodyPr lIns="0" tIns="0" rIns="0" bIns="0" anchor="t">
+            <a:normAutofit/>
+          </a:bodyPr>
+          <a:lstStyle/>
+          <a:p>
+            <a:pPr indent="0">
+              <a:lnSpc>
+                <a:spcPct val="90000"/>
+              </a:lnSpc>
+              <a:spcBef>
+                <a:spcPts val="1417"/>
+              </a:spcBef>
+              <a:buNone/>
+            </a:pPr>
+            <a:endParaRPr lang="fr-FR" sz="2800" b="0" strike="noStrike" spc="-1">
+              <a:solidFill>
+                <a:schemeClr val="dk1"/>
+              </a:solidFill>
+              <a:latin typeface="Calibri"/>
+            </a:endParaRPr>
+          </a:p>
+        </p:txBody>
+      </p:sp>
+      <p:sp>
+        <p:nvSpPr>
+          <p:cNvPr id="7" name="PlaceHolder 6"/>
+          <p:cNvSpPr>
+            <a:spLocks noGrp="1"/>
+          </p:cNvSpPr>
+          <p:nvPr>
+            <p:ph type="ftr" idx="5"/>
+          </p:nvPr>
+        </p:nvSpPr>
+        <p:spPr/>
+        <p:txBody>
+          <a:bodyPr/>
+          <a:lstStyle/>
+          <a:p>
+            <a:r>
+              <a:t>Footer</a:t>
+            </a:r>
+          </a:p>
+        </p:txBody>
+      </p:sp>
+      <p:sp>
+        <p:nvSpPr>
+          <p:cNvPr id="8" name="PlaceHolder 7"/>
+          <p:cNvSpPr>
+            <a:spLocks noGrp="1"/>
+          </p:cNvSpPr>
+          <p:nvPr>
+            <p:ph type="sldNum" idx="6"/>
+          </p:nvPr>
+        </p:nvSpPr>
+        <p:spPr/>
+        <p:txBody>
+          <a:bodyPr/>
+          <a:lstStyle/>
+          <a:p>
+            <a:fld id="{1DCD46FA-C1AE-485D-BCD3-B34115135806}" type="slidenum">
+              <a:t>‹N°›</a:t>
+            </a:fld>
+            <a:endParaRPr/>
+          </a:p>
+        </p:txBody>
+      </p:sp>
+      <p:sp>
+        <p:nvSpPr>
+          <p:cNvPr id="9" name="PlaceHolder 8"/>
+          <p:cNvSpPr>
+            <a:spLocks noGrp="1"/>
+          </p:cNvSpPr>
+          <p:nvPr>
+            <p:ph type="dt" idx="4"/>
+          </p:nvPr>
+        </p:nvSpPr>
+        <p:spPr/>
+        <p:txBody>
+          <a:bodyPr/>
+          <a:lstStyle/>
+          <a:p>
+            <a:endParaRPr/>
+          </a:p>
+        </p:txBody>
+      </p:sp>
+    </p:spTree>
+    <p:extLst>
+      <p:ext uri="{BB962C8B-B14F-4D97-AF65-F5344CB8AC3E}">
+        <p14:creationId xmlns:p14="http://schemas.microsoft.com/office/powerpoint/2010/main" val="2985128248"/>
+      </p:ext>
+    </p:extLst>
+  </p:cSld>
+  <p:clrMapOvr>
+    <a:masterClrMapping/>
+  </p:clrMapOvr>
+</p:sldLayout>
+</file>
+
+<file path=ppt/slideLayouts/slideLayout23.xml><?xml version="1.0" encoding="utf-8"?>
+<p:sldLayout xmlns:a="http://schemas.openxmlformats.org/drawingml/2006/main" xmlns:r="http://schemas.openxmlformats.org/officeDocument/2006/relationships" xmlns:p="http://schemas.openxmlformats.org/presentationml/2006/main" type="blank" preserve="1">
+  <p:cSld name="Title, 6 Content">
+    <p:spTree>
+      <p:nvGrpSpPr>
+        <p:cNvPr id="1" name=""/>
+        <p:cNvGrpSpPr/>
+        <p:nvPr/>
+      </p:nvGrpSpPr>
+      <p:grpSpPr>
+        <a:xfrm>
+          <a:off x="0" y="0"/>
+          <a:ext cx="0" cy="0"/>
+          <a:chOff x="0" y="0"/>
+          <a:chExt cx="0" cy="0"/>
+        </a:xfrm>
+      </p:grpSpPr>
+      <p:sp>
+        <p:nvSpPr>
+          <p:cNvPr id="75" name="PlaceHolder 1"/>
+          <p:cNvSpPr>
+            <a:spLocks noGrp="1"/>
+          </p:cNvSpPr>
+          <p:nvPr>
+            <p:ph type="title"/>
+          </p:nvPr>
+        </p:nvSpPr>
+        <p:spPr>
+          <a:xfrm>
+            <a:off x="1523880" y="1122480"/>
+            <a:ext cx="9143640" cy="2387160"/>
+          </a:xfrm>
+          <a:prstGeom prst="rect">
+            <a:avLst/>
+          </a:prstGeom>
+          <a:noFill/>
+          <a:ln w="0">
+            <a:noFill/>
+          </a:ln>
+        </p:spPr>
+        <p:txBody>
+          <a:bodyPr lIns="0" tIns="0" rIns="0" bIns="0" anchor="ctr">
+            <a:noAutofit/>
+          </a:bodyPr>
+          <a:lstStyle/>
+          <a:p>
+            <a:pPr indent="0">
+              <a:buNone/>
+            </a:pPr>
+            <a:endParaRPr lang="fr-FR" sz="1800" b="0" strike="noStrike" spc="-1">
+              <a:solidFill>
+                <a:schemeClr val="dk1"/>
+              </a:solidFill>
+              <a:latin typeface="Calibri"/>
+            </a:endParaRPr>
+          </a:p>
+        </p:txBody>
+      </p:sp>
+      <p:sp>
+        <p:nvSpPr>
+          <p:cNvPr id="76" name="PlaceHolder 2"/>
+          <p:cNvSpPr>
+            <a:spLocks noGrp="1"/>
+          </p:cNvSpPr>
+          <p:nvPr>
+            <p:ph/>
+          </p:nvPr>
+        </p:nvSpPr>
+        <p:spPr>
+          <a:xfrm>
+            <a:off x="609480" y="1604520"/>
+            <a:ext cx="3533040" cy="1896840"/>
+          </a:xfrm>
+          <a:prstGeom prst="rect">
+            <a:avLst/>
+          </a:prstGeom>
+          <a:noFill/>
+          <a:ln w="0">
+            <a:noFill/>
+          </a:ln>
+        </p:spPr>
+        <p:txBody>
+          <a:bodyPr lIns="0" tIns="0" rIns="0" bIns="0" anchor="t">
+            <a:normAutofit/>
+          </a:bodyPr>
+          <a:lstStyle/>
+          <a:p>
+            <a:pPr indent="0">
+              <a:lnSpc>
+                <a:spcPct val="90000"/>
+              </a:lnSpc>
+              <a:spcBef>
+                <a:spcPts val="1417"/>
+              </a:spcBef>
+              <a:buNone/>
+            </a:pPr>
+            <a:endParaRPr lang="fr-FR" sz="2800" b="0" strike="noStrike" spc="-1">
+              <a:solidFill>
+                <a:schemeClr val="dk1"/>
+              </a:solidFill>
+              <a:latin typeface="Calibri"/>
+            </a:endParaRPr>
+          </a:p>
+        </p:txBody>
+      </p:sp>
+      <p:sp>
+        <p:nvSpPr>
+          <p:cNvPr id="77" name="PlaceHolder 3"/>
+          <p:cNvSpPr>
+            <a:spLocks noGrp="1"/>
+          </p:cNvSpPr>
+          <p:nvPr>
+            <p:ph/>
+          </p:nvPr>
+        </p:nvSpPr>
+        <p:spPr>
+          <a:xfrm>
+            <a:off x="4319640" y="1604520"/>
+            <a:ext cx="3533040" cy="1896840"/>
+          </a:xfrm>
+          <a:prstGeom prst="rect">
+            <a:avLst/>
+          </a:prstGeom>
+          <a:noFill/>
+          <a:ln w="0">
+            <a:noFill/>
+          </a:ln>
+        </p:spPr>
+        <p:txBody>
+          <a:bodyPr lIns="0" tIns="0" rIns="0" bIns="0" anchor="t">
+            <a:normAutofit/>
+          </a:bodyPr>
+          <a:lstStyle/>
+          <a:p>
+            <a:pPr indent="0">
+              <a:lnSpc>
+                <a:spcPct val="90000"/>
+              </a:lnSpc>
+              <a:spcBef>
+                <a:spcPts val="1417"/>
+              </a:spcBef>
+              <a:buNone/>
+            </a:pPr>
+            <a:endParaRPr lang="fr-FR" sz="2800" b="0" strike="noStrike" spc="-1">
+              <a:solidFill>
+                <a:schemeClr val="dk1"/>
+              </a:solidFill>
+              <a:latin typeface="Calibri"/>
+            </a:endParaRPr>
+          </a:p>
+        </p:txBody>
+      </p:sp>
+      <p:sp>
+        <p:nvSpPr>
+          <p:cNvPr id="78" name="PlaceHolder 4"/>
+          <p:cNvSpPr>
+            <a:spLocks noGrp="1"/>
+          </p:cNvSpPr>
+          <p:nvPr>
+            <p:ph/>
+          </p:nvPr>
+        </p:nvSpPr>
+        <p:spPr>
+          <a:xfrm>
+            <a:off x="8029800" y="1604520"/>
+            <a:ext cx="3533040" cy="1896840"/>
+          </a:xfrm>
+          <a:prstGeom prst="rect">
+            <a:avLst/>
+          </a:prstGeom>
+          <a:noFill/>
+          <a:ln w="0">
+            <a:noFill/>
+          </a:ln>
+        </p:spPr>
+        <p:txBody>
+          <a:bodyPr lIns="0" tIns="0" rIns="0" bIns="0" anchor="t">
+            <a:normAutofit/>
+          </a:bodyPr>
+          <a:lstStyle/>
+          <a:p>
+            <a:pPr indent="0">
+              <a:lnSpc>
+                <a:spcPct val="90000"/>
+              </a:lnSpc>
+              <a:spcBef>
+                <a:spcPts val="1417"/>
+              </a:spcBef>
+              <a:buNone/>
+            </a:pPr>
+            <a:endParaRPr lang="fr-FR" sz="2800" b="0" strike="noStrike" spc="-1">
+              <a:solidFill>
+                <a:schemeClr val="dk1"/>
+              </a:solidFill>
+              <a:latin typeface="Calibri"/>
+            </a:endParaRPr>
+          </a:p>
+        </p:txBody>
+      </p:sp>
+      <p:sp>
+        <p:nvSpPr>
+          <p:cNvPr id="79" name="PlaceHolder 5"/>
+          <p:cNvSpPr>
+            <a:spLocks noGrp="1"/>
+          </p:cNvSpPr>
+          <p:nvPr>
+            <p:ph/>
+          </p:nvPr>
+        </p:nvSpPr>
+        <p:spPr>
+          <a:xfrm>
+            <a:off x="609480" y="3682080"/>
+            <a:ext cx="3533040" cy="1896840"/>
+          </a:xfrm>
+          <a:prstGeom prst="rect">
+            <a:avLst/>
+          </a:prstGeom>
+          <a:noFill/>
+          <a:ln w="0">
+            <a:noFill/>
+          </a:ln>
+        </p:spPr>
+        <p:txBody>
+          <a:bodyPr lIns="0" tIns="0" rIns="0" bIns="0" anchor="t">
+            <a:normAutofit/>
+          </a:bodyPr>
+          <a:lstStyle/>
+          <a:p>
+            <a:pPr indent="0">
+              <a:lnSpc>
+                <a:spcPct val="90000"/>
+              </a:lnSpc>
+              <a:spcBef>
+                <a:spcPts val="1417"/>
+              </a:spcBef>
+              <a:buNone/>
+            </a:pPr>
+            <a:endParaRPr lang="fr-FR" sz="2800" b="0" strike="noStrike" spc="-1">
+              <a:solidFill>
+                <a:schemeClr val="dk1"/>
+              </a:solidFill>
+              <a:latin typeface="Calibri"/>
+            </a:endParaRPr>
+          </a:p>
+        </p:txBody>
+      </p:sp>
+      <p:sp>
+        <p:nvSpPr>
+          <p:cNvPr id="80" name="PlaceHolder 6"/>
+          <p:cNvSpPr>
+            <a:spLocks noGrp="1"/>
+          </p:cNvSpPr>
+          <p:nvPr>
+            <p:ph/>
+          </p:nvPr>
+        </p:nvSpPr>
+        <p:spPr>
+          <a:xfrm>
+            <a:off x="4319640" y="3682080"/>
+            <a:ext cx="3533040" cy="1896840"/>
+          </a:xfrm>
+          <a:prstGeom prst="rect">
+            <a:avLst/>
+          </a:prstGeom>
+          <a:noFill/>
+          <a:ln w="0">
+            <a:noFill/>
+          </a:ln>
+        </p:spPr>
+        <p:txBody>
+          <a:bodyPr lIns="0" tIns="0" rIns="0" bIns="0" anchor="t">
+            <a:normAutofit/>
+          </a:bodyPr>
+          <a:lstStyle/>
+          <a:p>
+            <a:pPr indent="0">
+              <a:lnSpc>
+                <a:spcPct val="90000"/>
+              </a:lnSpc>
+              <a:spcBef>
+                <a:spcPts val="1417"/>
+              </a:spcBef>
+              <a:buNone/>
+            </a:pPr>
+            <a:endParaRPr lang="fr-FR" sz="2800" b="0" strike="noStrike" spc="-1">
+              <a:solidFill>
+                <a:schemeClr val="dk1"/>
+              </a:solidFill>
+              <a:latin typeface="Calibri"/>
+            </a:endParaRPr>
+          </a:p>
+        </p:txBody>
+      </p:sp>
+      <p:sp>
+        <p:nvSpPr>
+          <p:cNvPr id="81" name="PlaceHolder 7"/>
+          <p:cNvSpPr>
+            <a:spLocks noGrp="1"/>
+          </p:cNvSpPr>
+          <p:nvPr>
+            <p:ph/>
+          </p:nvPr>
+        </p:nvSpPr>
+        <p:spPr>
+          <a:xfrm>
+            <a:off x="8029800" y="3682080"/>
+            <a:ext cx="3533040" cy="1896840"/>
+          </a:xfrm>
+          <a:prstGeom prst="rect">
+            <a:avLst/>
+          </a:prstGeom>
+          <a:noFill/>
+          <a:ln w="0">
+            <a:noFill/>
+          </a:ln>
+        </p:spPr>
+        <p:txBody>
+          <a:bodyPr lIns="0" tIns="0" rIns="0" bIns="0" anchor="t">
+            <a:normAutofit/>
+          </a:bodyPr>
+          <a:lstStyle/>
+          <a:p>
+            <a:pPr indent="0">
+              <a:lnSpc>
+                <a:spcPct val="90000"/>
+              </a:lnSpc>
+              <a:spcBef>
+                <a:spcPts val="1417"/>
+              </a:spcBef>
+              <a:buNone/>
+            </a:pPr>
+            <a:endParaRPr lang="fr-FR" sz="2800" b="0" strike="noStrike" spc="-1">
+              <a:solidFill>
+                <a:schemeClr val="dk1"/>
+              </a:solidFill>
+              <a:latin typeface="Calibri"/>
+            </a:endParaRPr>
+          </a:p>
+        </p:txBody>
+      </p:sp>
+      <p:sp>
+        <p:nvSpPr>
+          <p:cNvPr id="9" name="PlaceHolder 8"/>
+          <p:cNvSpPr>
+            <a:spLocks noGrp="1"/>
+          </p:cNvSpPr>
+          <p:nvPr>
+            <p:ph type="ftr" idx="5"/>
+          </p:nvPr>
+        </p:nvSpPr>
+        <p:spPr/>
+        <p:txBody>
+          <a:bodyPr/>
+          <a:lstStyle/>
+          <a:p>
+            <a:r>
+              <a:t>Footer</a:t>
+            </a:r>
+          </a:p>
+        </p:txBody>
+      </p:sp>
+      <p:sp>
+        <p:nvSpPr>
+          <p:cNvPr id="10" name="PlaceHolder 9"/>
+          <p:cNvSpPr>
+            <a:spLocks noGrp="1"/>
+          </p:cNvSpPr>
+          <p:nvPr>
+            <p:ph type="sldNum" idx="6"/>
+          </p:nvPr>
+        </p:nvSpPr>
+        <p:spPr/>
+        <p:txBody>
+          <a:bodyPr/>
+          <a:lstStyle/>
+          <a:p>
+            <a:fld id="{52909347-6224-4118-A2AF-A8098950423B}" type="slidenum">
+              <a:t>‹N°›</a:t>
+            </a:fld>
+            <a:endParaRPr/>
+          </a:p>
+        </p:txBody>
+      </p:sp>
+      <p:sp>
+        <p:nvSpPr>
+          <p:cNvPr id="11" name="PlaceHolder 10"/>
+          <p:cNvSpPr>
+            <a:spLocks noGrp="1"/>
+          </p:cNvSpPr>
+          <p:nvPr>
+            <p:ph type="dt" idx="4"/>
+          </p:nvPr>
+        </p:nvSpPr>
+        <p:spPr/>
+        <p:txBody>
+          <a:bodyPr/>
+          <a:lstStyle/>
+          <a:p>
+            <a:endParaRPr/>
+          </a:p>
+        </p:txBody>
+      </p:sp>
+    </p:spTree>
+    <p:extLst>
+      <p:ext uri="{BB962C8B-B14F-4D97-AF65-F5344CB8AC3E}">
+        <p14:creationId xmlns:p14="http://schemas.microsoft.com/office/powerpoint/2010/main" val="2734292820"/>
       </p:ext>
     </p:extLst>
   </p:cSld>
@@ -3332,6 +6055,733 @@
 </p:sldMaster>
 </file>
 
+<file path=ppt/slideMasters/slideMaster2.xml><?xml version="1.0" encoding="utf-8"?>
+<p:sldMaster xmlns:a="http://schemas.openxmlformats.org/drawingml/2006/main" xmlns:r="http://schemas.openxmlformats.org/officeDocument/2006/relationships" xmlns:p="http://schemas.openxmlformats.org/presentationml/2006/main">
+  <p:cSld>
+    <p:bg>
+      <p:bgPr>
+        <a:solidFill>
+          <a:srgbClr val="000000"/>
+        </a:solidFill>
+        <a:effectLst/>
+      </p:bgPr>
+    </p:bg>
+    <p:spTree>
+      <p:nvGrpSpPr>
+        <p:cNvPr id="1" name=""/>
+        <p:cNvGrpSpPr/>
+        <p:nvPr/>
+      </p:nvGrpSpPr>
+      <p:grpSpPr>
+        <a:xfrm>
+          <a:off x="0" y="0"/>
+          <a:ext cx="0" cy="0"/>
+          <a:chOff x="0" y="0"/>
+          <a:chExt cx="0" cy="0"/>
+        </a:xfrm>
+      </p:grpSpPr>
+      <p:sp>
+        <p:nvSpPr>
+          <p:cNvPr id="41" name="PlaceHolder 1"/>
+          <p:cNvSpPr>
+            <a:spLocks noGrp="1"/>
+          </p:cNvSpPr>
+          <p:nvPr>
+            <p:ph type="title"/>
+          </p:nvPr>
+        </p:nvSpPr>
+        <p:spPr>
+          <a:xfrm>
+            <a:off x="838080" y="365040"/>
+            <a:ext cx="10515240" cy="1325160"/>
+          </a:xfrm>
+          <a:prstGeom prst="rect">
+            <a:avLst/>
+          </a:prstGeom>
+          <a:noFill/>
+          <a:ln w="0">
+            <a:noFill/>
+          </a:ln>
+        </p:spPr>
+        <p:txBody>
+          <a:bodyPr lIns="91440" tIns="45720" rIns="91440" bIns="45720" anchor="ctr">
+            <a:noAutofit/>
+          </a:bodyPr>
+          <a:lstStyle/>
+          <a:p>
+            <a:pPr indent="0" defTabSz="914400">
+              <a:lnSpc>
+                <a:spcPct val="90000"/>
+              </a:lnSpc>
+              <a:buNone/>
+            </a:pPr>
+            <a:r>
+              <a:rPr lang="fr-FR" sz="4400" b="0" strike="noStrike" spc="-1">
+                <a:solidFill>
+                  <a:schemeClr val="dk1"/>
+                </a:solidFill>
+                <a:latin typeface="Calibri Light"/>
+              </a:rPr>
+              <a:t>Modifiez le style du titre</a:t>
+            </a:r>
+            <a:endParaRPr lang="fr-FR" sz="4400" b="0" strike="noStrike" spc="-1">
+              <a:solidFill>
+                <a:schemeClr val="dk1"/>
+              </a:solidFill>
+              <a:latin typeface="Calibri"/>
+            </a:endParaRPr>
+          </a:p>
+        </p:txBody>
+      </p:sp>
+      <p:sp>
+        <p:nvSpPr>
+          <p:cNvPr id="42" name="PlaceHolder 2"/>
+          <p:cNvSpPr>
+            <a:spLocks noGrp="1"/>
+          </p:cNvSpPr>
+          <p:nvPr>
+            <p:ph type="body"/>
+          </p:nvPr>
+        </p:nvSpPr>
+        <p:spPr>
+          <a:xfrm>
+            <a:off x="838080" y="1825560"/>
+            <a:ext cx="10515240" cy="4350960"/>
+          </a:xfrm>
+          <a:prstGeom prst="rect">
+            <a:avLst/>
+          </a:prstGeom>
+          <a:noFill/>
+          <a:ln w="0">
+            <a:noFill/>
+          </a:ln>
+        </p:spPr>
+        <p:txBody>
+          <a:bodyPr lIns="91440" tIns="45720" rIns="91440" bIns="45720" anchor="t">
+            <a:noAutofit/>
+          </a:bodyPr>
+          <a:lstStyle/>
+          <a:p>
+            <a:pPr marL="228600" indent="-228600" defTabSz="914400">
+              <a:lnSpc>
+                <a:spcPct val="90000"/>
+              </a:lnSpc>
+              <a:spcBef>
+                <a:spcPts val="1001"/>
+              </a:spcBef>
+              <a:buClr>
+                <a:srgbClr val="000000"/>
+              </a:buClr>
+              <a:buFont typeface="Arial"/>
+              <a:buChar char="•"/>
+            </a:pPr>
+            <a:r>
+              <a:rPr lang="fr-FR" sz="2800" b="0" strike="noStrike" spc="-1">
+                <a:solidFill>
+                  <a:schemeClr val="dk1"/>
+                </a:solidFill>
+                <a:latin typeface="Calibri"/>
+              </a:rPr>
+              <a:t>Cliquez pour modifier les styles du texte du masque</a:t>
+            </a:r>
+          </a:p>
+          <a:p>
+            <a:pPr marL="685800" lvl="1" indent="-228600" defTabSz="914400">
+              <a:lnSpc>
+                <a:spcPct val="90000"/>
+              </a:lnSpc>
+              <a:spcBef>
+                <a:spcPts val="499"/>
+              </a:spcBef>
+              <a:buClr>
+                <a:srgbClr val="000000"/>
+              </a:buClr>
+              <a:buFont typeface="Arial"/>
+              <a:buChar char="•"/>
+            </a:pPr>
+            <a:r>
+              <a:rPr lang="fr-FR" sz="2400" b="0" strike="noStrike" spc="-1">
+                <a:solidFill>
+                  <a:schemeClr val="dk1"/>
+                </a:solidFill>
+                <a:latin typeface="Calibri"/>
+              </a:rPr>
+              <a:t>Deuxième niveau</a:t>
+            </a:r>
+          </a:p>
+          <a:p>
+            <a:pPr marL="1143000" lvl="2" indent="-228600" defTabSz="914400">
+              <a:lnSpc>
+                <a:spcPct val="90000"/>
+              </a:lnSpc>
+              <a:spcBef>
+                <a:spcPts val="499"/>
+              </a:spcBef>
+              <a:buClr>
+                <a:srgbClr val="000000"/>
+              </a:buClr>
+              <a:buFont typeface="Arial"/>
+              <a:buChar char="•"/>
+            </a:pPr>
+            <a:r>
+              <a:rPr lang="fr-FR" sz="2000" b="0" strike="noStrike" spc="-1">
+                <a:solidFill>
+                  <a:schemeClr val="dk1"/>
+                </a:solidFill>
+                <a:latin typeface="Calibri"/>
+              </a:rPr>
+              <a:t>Troisième niveau</a:t>
+            </a:r>
+          </a:p>
+          <a:p>
+            <a:pPr marL="1600200" lvl="3" indent="-228600" defTabSz="914400">
+              <a:lnSpc>
+                <a:spcPct val="90000"/>
+              </a:lnSpc>
+              <a:spcBef>
+                <a:spcPts val="499"/>
+              </a:spcBef>
+              <a:buClr>
+                <a:srgbClr val="000000"/>
+              </a:buClr>
+              <a:buFont typeface="Arial"/>
+              <a:buChar char="•"/>
+            </a:pPr>
+            <a:r>
+              <a:rPr lang="fr-FR" sz="1800" b="0" strike="noStrike" spc="-1">
+                <a:solidFill>
+                  <a:schemeClr val="dk1"/>
+                </a:solidFill>
+                <a:latin typeface="Calibri"/>
+              </a:rPr>
+              <a:t>Quatrième niveau</a:t>
+            </a:r>
+          </a:p>
+          <a:p>
+            <a:pPr marL="2057400" lvl="4" indent="-228600" defTabSz="914400">
+              <a:lnSpc>
+                <a:spcPct val="90000"/>
+              </a:lnSpc>
+              <a:spcBef>
+                <a:spcPts val="499"/>
+              </a:spcBef>
+              <a:buClr>
+                <a:srgbClr val="000000"/>
+              </a:buClr>
+              <a:buFont typeface="Arial"/>
+              <a:buChar char="•"/>
+            </a:pPr>
+            <a:r>
+              <a:rPr lang="fr-FR" sz="1800" b="0" strike="noStrike" spc="-1">
+                <a:solidFill>
+                  <a:schemeClr val="dk1"/>
+                </a:solidFill>
+                <a:latin typeface="Calibri"/>
+              </a:rPr>
+              <a:t>Cinquième niveau</a:t>
+            </a:r>
+          </a:p>
+        </p:txBody>
+      </p:sp>
+      <p:sp>
+        <p:nvSpPr>
+          <p:cNvPr id="43" name="PlaceHolder 3"/>
+          <p:cNvSpPr>
+            <a:spLocks noGrp="1"/>
+          </p:cNvSpPr>
+          <p:nvPr>
+            <p:ph type="dt" idx="4"/>
+          </p:nvPr>
+        </p:nvSpPr>
+        <p:spPr>
+          <a:xfrm>
+            <a:off x="838080" y="6356520"/>
+            <a:ext cx="2742840" cy="364680"/>
+          </a:xfrm>
+          <a:prstGeom prst="rect">
+            <a:avLst/>
+          </a:prstGeom>
+          <a:noFill/>
+          <a:ln w="0">
+            <a:noFill/>
+          </a:ln>
+        </p:spPr>
+        <p:txBody>
+          <a:bodyPr lIns="91440" tIns="45720" rIns="91440" bIns="45720" anchor="ctr">
+            <a:noAutofit/>
+          </a:bodyPr>
+          <a:lstStyle>
+            <a:lvl1pPr indent="0" defTabSz="914400">
+              <a:lnSpc>
+                <a:spcPct val="100000"/>
+              </a:lnSpc>
+              <a:buNone/>
+              <a:defRPr lang="fr-FR" sz="1200" b="0" strike="noStrike" spc="-1">
+                <a:solidFill>
+                  <a:schemeClr val="dk1">
+                    <a:tint val="75000"/>
+                  </a:schemeClr>
+                </a:solidFill>
+                <a:latin typeface="Calibri"/>
+              </a:defRPr>
+            </a:lvl1pPr>
+          </a:lstStyle>
+          <a:p>
+            <a:pPr indent="0" defTabSz="914400">
+              <a:lnSpc>
+                <a:spcPct val="100000"/>
+              </a:lnSpc>
+              <a:buNone/>
+            </a:pPr>
+            <a:r>
+              <a:rPr lang="fr-FR" sz="1200" b="0" strike="noStrike" spc="-1">
+                <a:solidFill>
+                  <a:schemeClr val="dk1">
+                    <a:tint val="75000"/>
+                  </a:schemeClr>
+                </a:solidFill>
+                <a:latin typeface="Calibri"/>
+              </a:rPr>
+              <a:t>&lt;date/heure&gt;</a:t>
+            </a:r>
+            <a:endParaRPr lang="fr-FR" sz="1200" b="0" strike="noStrike" spc="-1">
+              <a:solidFill>
+                <a:srgbClr val="FFFFFF"/>
+              </a:solidFill>
+              <a:latin typeface="Times New Roman"/>
+            </a:endParaRPr>
+          </a:p>
+        </p:txBody>
+      </p:sp>
+      <p:sp>
+        <p:nvSpPr>
+          <p:cNvPr id="44" name="PlaceHolder 4"/>
+          <p:cNvSpPr>
+            <a:spLocks noGrp="1"/>
+          </p:cNvSpPr>
+          <p:nvPr>
+            <p:ph type="ftr" idx="5"/>
+          </p:nvPr>
+        </p:nvSpPr>
+        <p:spPr>
+          <a:xfrm>
+            <a:off x="4038480" y="6356520"/>
+            <a:ext cx="4114440" cy="364680"/>
+          </a:xfrm>
+          <a:prstGeom prst="rect">
+            <a:avLst/>
+          </a:prstGeom>
+          <a:noFill/>
+          <a:ln w="0">
+            <a:noFill/>
+          </a:ln>
+        </p:spPr>
+        <p:txBody>
+          <a:bodyPr lIns="91440" tIns="45720" rIns="91440" bIns="45720" anchor="ctr">
+            <a:noAutofit/>
+          </a:bodyPr>
+          <a:lstStyle>
+            <a:lvl1pPr indent="0" algn="ctr">
+              <a:buNone/>
+              <a:defRPr lang="fr-FR" sz="1400" b="0" strike="noStrike" spc="-1">
+                <a:solidFill>
+                  <a:srgbClr val="FFFFFF"/>
+                </a:solidFill>
+                <a:latin typeface="Times New Roman"/>
+              </a:defRPr>
+            </a:lvl1pPr>
+          </a:lstStyle>
+          <a:p>
+            <a:pPr indent="0" algn="ctr">
+              <a:buNone/>
+            </a:pPr>
+            <a:r>
+              <a:rPr lang="fr-FR" sz="1400" b="0" strike="noStrike" spc="-1">
+                <a:solidFill>
+                  <a:srgbClr val="FFFFFF"/>
+                </a:solidFill>
+                <a:latin typeface="Times New Roman"/>
+              </a:rPr>
+              <a:t>&lt;pied de page&gt;</a:t>
+            </a:r>
+          </a:p>
+        </p:txBody>
+      </p:sp>
+      <p:sp>
+        <p:nvSpPr>
+          <p:cNvPr id="45" name="PlaceHolder 5"/>
+          <p:cNvSpPr>
+            <a:spLocks noGrp="1"/>
+          </p:cNvSpPr>
+          <p:nvPr>
+            <p:ph type="sldNum" idx="6"/>
+          </p:nvPr>
+        </p:nvSpPr>
+        <p:spPr>
+          <a:xfrm>
+            <a:off x="8610480" y="6356520"/>
+            <a:ext cx="2742840" cy="364680"/>
+          </a:xfrm>
+          <a:prstGeom prst="rect">
+            <a:avLst/>
+          </a:prstGeom>
+          <a:noFill/>
+          <a:ln w="0">
+            <a:noFill/>
+          </a:ln>
+        </p:spPr>
+        <p:txBody>
+          <a:bodyPr lIns="91440" tIns="45720" rIns="91440" bIns="45720" anchor="ctr">
+            <a:noAutofit/>
+          </a:bodyPr>
+          <a:lstStyle>
+            <a:lvl1pPr indent="0" algn="r" defTabSz="914400">
+              <a:lnSpc>
+                <a:spcPct val="100000"/>
+              </a:lnSpc>
+              <a:buNone/>
+              <a:defRPr lang="fr-FR" sz="1200" b="0" strike="noStrike" spc="-1">
+                <a:solidFill>
+                  <a:schemeClr val="dk1">
+                    <a:tint val="75000"/>
+                  </a:schemeClr>
+                </a:solidFill>
+                <a:latin typeface="Calibri"/>
+              </a:defRPr>
+            </a:lvl1pPr>
+          </a:lstStyle>
+          <a:p>
+            <a:pPr indent="0" algn="r" defTabSz="914400">
+              <a:lnSpc>
+                <a:spcPct val="100000"/>
+              </a:lnSpc>
+              <a:buNone/>
+            </a:pPr>
+            <a:fld id="{C177856F-9969-4B7C-8853-F5CA39293D7E}" type="slidenum">
+              <a:rPr lang="fr-FR" sz="1200" b="0" strike="noStrike" spc="-1">
+                <a:solidFill>
+                  <a:schemeClr val="dk1">
+                    <a:tint val="75000"/>
+                  </a:schemeClr>
+                </a:solidFill>
+                <a:latin typeface="Calibri"/>
+              </a:rPr>
+              <a:t>‹N°›</a:t>
+            </a:fld>
+            <a:endParaRPr lang="fr-FR" sz="1200" b="0" strike="noStrike" spc="-1">
+              <a:solidFill>
+                <a:srgbClr val="FFFFFF"/>
+              </a:solidFill>
+              <a:latin typeface="Times New Roman"/>
+            </a:endParaRPr>
+          </a:p>
+        </p:txBody>
+      </p:sp>
+    </p:spTree>
+    <p:extLst>
+      <p:ext uri="{BB962C8B-B14F-4D97-AF65-F5344CB8AC3E}">
+        <p14:creationId xmlns:p14="http://schemas.microsoft.com/office/powerpoint/2010/main" val="327726564"/>
+      </p:ext>
+    </p:extLst>
+  </p:cSld>
+  <p:clrMap bg1="lt1" tx1="dk1" bg2="lt2" tx2="dk2" accent1="accent1" accent2="accent2" accent3="accent3" accent4="accent4" accent5="accent5" accent6="accent6" hlink="hlink" folHlink="folHlink"/>
+  <p:sldLayoutIdLst>
+    <p:sldLayoutId id="2147483661" r:id="rId1"/>
+    <p:sldLayoutId id="2147483662" r:id="rId2"/>
+    <p:sldLayoutId id="2147483663" r:id="rId3"/>
+    <p:sldLayoutId id="2147483664" r:id="rId4"/>
+    <p:sldLayoutId id="2147483665" r:id="rId5"/>
+    <p:sldLayoutId id="2147483666" r:id="rId6"/>
+    <p:sldLayoutId id="2147483667" r:id="rId7"/>
+    <p:sldLayoutId id="2147483668" r:id="rId8"/>
+    <p:sldLayoutId id="2147483669" r:id="rId9"/>
+    <p:sldLayoutId id="2147483670" r:id="rId10"/>
+    <p:sldLayoutId id="2147483671" r:id="rId11"/>
+    <p:sldLayoutId id="2147483672" r:id="rId12"/>
+  </p:sldLayoutIdLst>
+  <p:txStyles>
+    <p:titleStyle>
+      <a:lvl1pPr algn="l" defTabSz="914400" rtl="0" eaLnBrk="1" latinLnBrk="0" hangingPunct="1">
+        <a:lnSpc>
+          <a:spcPct val="90000"/>
+        </a:lnSpc>
+        <a:spcBef>
+          <a:spcPct val="0"/>
+        </a:spcBef>
+        <a:buNone/>
+        <a:defRPr sz="4400" kern="1200">
+          <a:solidFill>
+            <a:schemeClr val="tx1"/>
+          </a:solidFill>
+          <a:latin typeface="+mj-lt"/>
+          <a:ea typeface="+mj-ea"/>
+          <a:cs typeface="+mj-cs"/>
+        </a:defRPr>
+      </a:lvl1pPr>
+    </p:titleStyle>
+    <p:bodyStyle>
+      <a:lvl1pPr marL="228600" indent="-228600" algn="l" defTabSz="914400" rtl="0" eaLnBrk="1" latinLnBrk="0" hangingPunct="1">
+        <a:lnSpc>
+          <a:spcPct val="90000"/>
+        </a:lnSpc>
+        <a:spcBef>
+          <a:spcPts val="1000"/>
+        </a:spcBef>
+        <a:buFont typeface="Arial" panose="020B0604020202020204" pitchFamily="34" charset="0"/>
+        <a:buChar char="•"/>
+        <a:defRPr sz="2800" kern="1200">
+          <a:solidFill>
+            <a:schemeClr val="tx1"/>
+          </a:solidFill>
+          <a:latin typeface="+mn-lt"/>
+          <a:ea typeface="+mn-ea"/>
+          <a:cs typeface="+mn-cs"/>
+        </a:defRPr>
+      </a:lvl1pPr>
+      <a:lvl2pPr marL="685800" indent="-228600" algn="l" defTabSz="914400" rtl="0" eaLnBrk="1" latinLnBrk="0" hangingPunct="1">
+        <a:lnSpc>
+          <a:spcPct val="90000"/>
+        </a:lnSpc>
+        <a:spcBef>
+          <a:spcPts val="500"/>
+        </a:spcBef>
+        <a:buFont typeface="Arial" panose="020B0604020202020204" pitchFamily="34" charset="0"/>
+        <a:buChar char="•"/>
+        <a:defRPr sz="2400" kern="1200">
+          <a:solidFill>
+            <a:schemeClr val="tx1"/>
+          </a:solidFill>
+          <a:latin typeface="+mn-lt"/>
+          <a:ea typeface="+mn-ea"/>
+          <a:cs typeface="+mn-cs"/>
+        </a:defRPr>
+      </a:lvl2pPr>
+      <a:lvl3pPr marL="1143000" indent="-228600" algn="l" defTabSz="914400" rtl="0" eaLnBrk="1" latinLnBrk="0" hangingPunct="1">
+        <a:lnSpc>
+          <a:spcPct val="90000"/>
+        </a:lnSpc>
+        <a:spcBef>
+          <a:spcPts val="500"/>
+        </a:spcBef>
+        <a:buFont typeface="Arial" panose="020B0604020202020204" pitchFamily="34" charset="0"/>
+        <a:buChar char="•"/>
+        <a:defRPr sz="2000" kern="1200">
+          <a:solidFill>
+            <a:schemeClr val="tx1"/>
+          </a:solidFill>
+          <a:latin typeface="+mn-lt"/>
+          <a:ea typeface="+mn-ea"/>
+          <a:cs typeface="+mn-cs"/>
+        </a:defRPr>
+      </a:lvl3pPr>
+      <a:lvl4pPr marL="1600200" indent="-228600" algn="l" defTabSz="914400" rtl="0" eaLnBrk="1" latinLnBrk="0" hangingPunct="1">
+        <a:lnSpc>
+          <a:spcPct val="90000"/>
+        </a:lnSpc>
+        <a:spcBef>
+          <a:spcPts val="500"/>
+        </a:spcBef>
+        <a:buFont typeface="Arial" panose="020B0604020202020204" pitchFamily="34" charset="0"/>
+        <a:buChar char="•"/>
+        <a:defRPr sz="1800" kern="1200">
+          <a:solidFill>
+            <a:schemeClr val="tx1"/>
+          </a:solidFill>
+          <a:latin typeface="+mn-lt"/>
+          <a:ea typeface="+mn-ea"/>
+          <a:cs typeface="+mn-cs"/>
+        </a:defRPr>
+      </a:lvl4pPr>
+      <a:lvl5pPr marL="2057400" indent="-228600" algn="l" defTabSz="914400" rtl="0" eaLnBrk="1" latinLnBrk="0" hangingPunct="1">
+        <a:lnSpc>
+          <a:spcPct val="90000"/>
+        </a:lnSpc>
+        <a:spcBef>
+          <a:spcPts val="500"/>
+        </a:spcBef>
+        <a:buFont typeface="Arial" panose="020B0604020202020204" pitchFamily="34" charset="0"/>
+        <a:buChar char="•"/>
+        <a:defRPr sz="1800" kern="1200">
+          <a:solidFill>
+            <a:schemeClr val="tx1"/>
+          </a:solidFill>
+          <a:latin typeface="+mn-lt"/>
+          <a:ea typeface="+mn-ea"/>
+          <a:cs typeface="+mn-cs"/>
+        </a:defRPr>
+      </a:lvl5pPr>
+      <a:lvl6pPr marL="2514600" indent="-228600" algn="l" defTabSz="914400" rtl="0" eaLnBrk="1" latinLnBrk="0" hangingPunct="1">
+        <a:lnSpc>
+          <a:spcPct val="90000"/>
+        </a:lnSpc>
+        <a:spcBef>
+          <a:spcPts val="500"/>
+        </a:spcBef>
+        <a:buFont typeface="Arial" panose="020B0604020202020204" pitchFamily="34" charset="0"/>
+        <a:buChar char="•"/>
+        <a:defRPr sz="1800" kern="1200">
+          <a:solidFill>
+            <a:schemeClr val="tx1"/>
+          </a:solidFill>
+          <a:latin typeface="+mn-lt"/>
+          <a:ea typeface="+mn-ea"/>
+          <a:cs typeface="+mn-cs"/>
+        </a:defRPr>
+      </a:lvl6pPr>
+      <a:lvl7pPr marL="2971800" indent="-228600" algn="l" defTabSz="914400" rtl="0" eaLnBrk="1" latinLnBrk="0" hangingPunct="1">
+        <a:lnSpc>
+          <a:spcPct val="90000"/>
+        </a:lnSpc>
+        <a:spcBef>
+          <a:spcPts val="500"/>
+        </a:spcBef>
+        <a:buFont typeface="Arial" panose="020B0604020202020204" pitchFamily="34" charset="0"/>
+        <a:buChar char="•"/>
+        <a:defRPr sz="1800" kern="1200">
+          <a:solidFill>
+            <a:schemeClr val="tx1"/>
+          </a:solidFill>
+          <a:latin typeface="+mn-lt"/>
+          <a:ea typeface="+mn-ea"/>
+          <a:cs typeface="+mn-cs"/>
+        </a:defRPr>
+      </a:lvl7pPr>
+      <a:lvl8pPr marL="3429000" indent="-228600" algn="l" defTabSz="914400" rtl="0" eaLnBrk="1" latinLnBrk="0" hangingPunct="1">
+        <a:lnSpc>
+          <a:spcPct val="90000"/>
+        </a:lnSpc>
+        <a:spcBef>
+          <a:spcPts val="500"/>
+        </a:spcBef>
+        <a:buFont typeface="Arial" panose="020B0604020202020204" pitchFamily="34" charset="0"/>
+        <a:buChar char="•"/>
+        <a:defRPr sz="1800" kern="1200">
+          <a:solidFill>
+            <a:schemeClr val="tx1"/>
+          </a:solidFill>
+          <a:latin typeface="+mn-lt"/>
+          <a:ea typeface="+mn-ea"/>
+          <a:cs typeface="+mn-cs"/>
+        </a:defRPr>
+      </a:lvl8pPr>
+      <a:lvl9pPr marL="3886200" indent="-228600" algn="l" defTabSz="914400" rtl="0" eaLnBrk="1" latinLnBrk="0" hangingPunct="1">
+        <a:lnSpc>
+          <a:spcPct val="90000"/>
+        </a:lnSpc>
+        <a:spcBef>
+          <a:spcPts val="500"/>
+        </a:spcBef>
+        <a:buFont typeface="Arial" panose="020B0604020202020204" pitchFamily="34" charset="0"/>
+        <a:buChar char="•"/>
+        <a:defRPr sz="1800" kern="1200">
+          <a:solidFill>
+            <a:schemeClr val="tx1"/>
+          </a:solidFill>
+          <a:latin typeface="+mn-lt"/>
+          <a:ea typeface="+mn-ea"/>
+          <a:cs typeface="+mn-cs"/>
+        </a:defRPr>
+      </a:lvl9pPr>
+    </p:bodyStyle>
+    <p:otherStyle>
+      <a:defPPr>
+        <a:defRPr lang="fr-FR"/>
+      </a:defPPr>
+      <a:lvl1pPr marL="0" algn="l" defTabSz="914400" rtl="0" eaLnBrk="1" latinLnBrk="0" hangingPunct="1">
+        <a:defRPr sz="1800" kern="1200">
+          <a:solidFill>
+            <a:schemeClr val="tx1"/>
+          </a:solidFill>
+          <a:latin typeface="+mn-lt"/>
+          <a:ea typeface="+mn-ea"/>
+          <a:cs typeface="+mn-cs"/>
+        </a:defRPr>
+      </a:lvl1pPr>
+      <a:lvl2pPr marL="457200" algn="l" defTabSz="914400" rtl="0" eaLnBrk="1" latinLnBrk="0" hangingPunct="1">
+        <a:defRPr sz="1800" kern="1200">
+          <a:solidFill>
+            <a:schemeClr val="tx1"/>
+          </a:solidFill>
+          <a:latin typeface="+mn-lt"/>
+          <a:ea typeface="+mn-ea"/>
+          <a:cs typeface="+mn-cs"/>
+        </a:defRPr>
+      </a:lvl2pPr>
+      <a:lvl3pPr marL="914400" algn="l" defTabSz="914400" rtl="0" eaLnBrk="1" latinLnBrk="0" hangingPunct="1">
+        <a:defRPr sz="1800" kern="1200">
+          <a:solidFill>
+            <a:schemeClr val="tx1"/>
+          </a:solidFill>
+          <a:latin typeface="+mn-lt"/>
+          <a:ea typeface="+mn-ea"/>
+          <a:cs typeface="+mn-cs"/>
+        </a:defRPr>
+      </a:lvl3pPr>
+      <a:lvl4pPr marL="1371600" algn="l" defTabSz="914400" rtl="0" eaLnBrk="1" latinLnBrk="0" hangingPunct="1">
+        <a:defRPr sz="1800" kern="1200">
+          <a:solidFill>
+            <a:schemeClr val="tx1"/>
+          </a:solidFill>
+          <a:latin typeface="+mn-lt"/>
+          <a:ea typeface="+mn-ea"/>
+          <a:cs typeface="+mn-cs"/>
+        </a:defRPr>
+      </a:lvl4pPr>
+      <a:lvl5pPr marL="1828800" algn="l" defTabSz="914400" rtl="0" eaLnBrk="1" latinLnBrk="0" hangingPunct="1">
+        <a:defRPr sz="1800" kern="1200">
+          <a:solidFill>
+            <a:schemeClr val="tx1"/>
+          </a:solidFill>
+          <a:latin typeface="+mn-lt"/>
+          <a:ea typeface="+mn-ea"/>
+          <a:cs typeface="+mn-cs"/>
+        </a:defRPr>
+      </a:lvl5pPr>
+      <a:lvl6pPr marL="2286000" algn="l" defTabSz="914400" rtl="0" eaLnBrk="1" latinLnBrk="0" hangingPunct="1">
+        <a:defRPr sz="1800" kern="1200">
+          <a:solidFill>
+            <a:schemeClr val="tx1"/>
+          </a:solidFill>
+          <a:latin typeface="+mn-lt"/>
+          <a:ea typeface="+mn-ea"/>
+          <a:cs typeface="+mn-cs"/>
+        </a:defRPr>
+      </a:lvl6pPr>
+      <a:lvl7pPr marL="2743200" algn="l" defTabSz="914400" rtl="0" eaLnBrk="1" latinLnBrk="0" hangingPunct="1">
+        <a:defRPr sz="1800" kern="1200">
+          <a:solidFill>
+            <a:schemeClr val="tx1"/>
+          </a:solidFill>
+          <a:latin typeface="+mn-lt"/>
+          <a:ea typeface="+mn-ea"/>
+          <a:cs typeface="+mn-cs"/>
+        </a:defRPr>
+      </a:lvl7pPr>
+      <a:lvl8pPr marL="3200400" algn="l" defTabSz="914400" rtl="0" eaLnBrk="1" latinLnBrk="0" hangingPunct="1">
+        <a:defRPr sz="1800" kern="1200">
+          <a:solidFill>
+            <a:schemeClr val="tx1"/>
+          </a:solidFill>
+          <a:latin typeface="+mn-lt"/>
+          <a:ea typeface="+mn-ea"/>
+          <a:cs typeface="+mn-cs"/>
+        </a:defRPr>
+      </a:lvl8pPr>
+      <a:lvl9pPr marL="3657600" algn="l" defTabSz="914400" rtl="0" eaLnBrk="1" latinLnBrk="0" hangingPunct="1">
+        <a:defRPr sz="1800" kern="1200">
+          <a:solidFill>
+            <a:schemeClr val="tx1"/>
+          </a:solidFill>
+          <a:latin typeface="+mn-lt"/>
+          <a:ea typeface="+mn-ea"/>
+          <a:cs typeface="+mn-cs"/>
+        </a:defRPr>
+      </a:lvl9pPr>
+    </p:otherStyle>
+  </p:txStyles>
+</p:sldMaster>
+</file>
+
 <file path=ppt/slides/slide1.xml><?xml version="1.0" encoding="utf-8"?>
 <p:sld xmlns:a="http://schemas.openxmlformats.org/drawingml/2006/main" xmlns:r="http://schemas.openxmlformats.org/officeDocument/2006/relationships" xmlns:p="http://schemas.openxmlformats.org/presentationml/2006/main">
   <p:cSld>
@@ -8642,7 +12092,7 @@
                               <p:par>
                                 <p:cTn id="32" presetID="2" presetClass="entr" presetSubtype="1" fill="hold" nodeType="afterEffect">
                                   <p:stCondLst>
-                                    <p:cond delay="500"/>
+                                    <p:cond delay="0"/>
                                   </p:stCondLst>
                                   <p:childTnLst>
                                     <p:set>
@@ -8718,7 +12168,7 @@
                         <p:par>
                           <p:cTn id="36" fill="hold">
                             <p:stCondLst>
-                              <p:cond delay="4500"/>
+                              <p:cond delay="4000"/>
                             </p:stCondLst>
                             <p:childTnLst>
                               <p:par>
@@ -9482,6 +12932,92 @@
   <p:transition spd="slow">
     <p:cover dir="u"/>
   </p:transition>
+  <p:timing>
+    <p:tnLst>
+      <p:par>
+        <p:cTn id="1" dur="indefinite" restart="never" nodeType="tmRoot">
+          <p:childTnLst>
+            <p:seq concurrent="1" nextAc="seek">
+              <p:cTn id="2" dur="indefinite" nodeType="mainSeq">
+                <p:childTnLst>
+                  <p:par>
+                    <p:cTn id="3" fill="hold">
+                      <p:stCondLst>
+                        <p:cond delay="indefinite"/>
+                        <p:cond evt="onBegin" delay="0">
+                          <p:tn val="2"/>
+                        </p:cond>
+                      </p:stCondLst>
+                      <p:childTnLst>
+                        <p:par>
+                          <p:cTn id="4" fill="hold">
+                            <p:stCondLst>
+                              <p:cond delay="0"/>
+                            </p:stCondLst>
+                            <p:childTnLst>
+                              <p:par>
+                                <p:cTn id="5" presetID="14" presetClass="entr" presetSubtype="10" fill="hold" nodeType="withEffect">
+                                  <p:stCondLst>
+                                    <p:cond delay="0"/>
+                                  </p:stCondLst>
+                                  <p:childTnLst>
+                                    <p:set>
+                                      <p:cBhvr>
+                                        <p:cTn id="6" dur="1" fill="hold">
+                                          <p:stCondLst>
+                                            <p:cond delay="0"/>
+                                          </p:stCondLst>
+                                        </p:cTn>
+                                        <p:tgtEl>
+                                          <p:spTgt spid="28"/>
+                                        </p:tgtEl>
+                                        <p:attrNameLst>
+                                          <p:attrName>style.visibility</p:attrName>
+                                        </p:attrNameLst>
+                                      </p:cBhvr>
+                                      <p:to>
+                                        <p:strVal val="visible"/>
+                                      </p:to>
+                                    </p:set>
+                                    <p:animEffect transition="in" filter="randombar(horizontal)">
+                                      <p:cBhvr>
+                                        <p:cTn id="7" dur="1500"/>
+                                        <p:tgtEl>
+                                          <p:spTgt spid="28"/>
+                                        </p:tgtEl>
+                                      </p:cBhvr>
+                                    </p:animEffect>
+                                  </p:childTnLst>
+                                </p:cTn>
+                              </p:par>
+                            </p:childTnLst>
+                          </p:cTn>
+                        </p:par>
+                      </p:childTnLst>
+                    </p:cTn>
+                  </p:par>
+                </p:childTnLst>
+              </p:cTn>
+              <p:prevCondLst>
+                <p:cond evt="onPrev" delay="0">
+                  <p:tgtEl>
+                    <p:sldTgt/>
+                  </p:tgtEl>
+                </p:cond>
+              </p:prevCondLst>
+              <p:nextCondLst>
+                <p:cond evt="onNext" delay="0">
+                  <p:tgtEl>
+                    <p:sldTgt/>
+                  </p:tgtEl>
+                </p:cond>
+              </p:nextCondLst>
+            </p:seq>
+          </p:childTnLst>
+        </p:cTn>
+      </p:par>
+    </p:tnLst>
+  </p:timing>
 </p:sld>
 </file>
 
@@ -10089,6 +13625,9 @@
                     <p:cTn id="3" fill="hold">
                       <p:stCondLst>
                         <p:cond delay="indefinite"/>
+                        <p:cond evt="onBegin" delay="0">
+                          <p:tn val="2"/>
+                        </p:cond>
                       </p:stCondLst>
                       <p:childTnLst>
                         <p:par>
@@ -10098,7 +13637,7 @@
                             </p:stCondLst>
                             <p:childTnLst>
                               <p:par>
-                                <p:cTn id="5" presetID="16" presetClass="entr" presetSubtype="21" fill="hold" nodeType="clickEffect">
+                                <p:cTn id="5" presetID="16" presetClass="entr" presetSubtype="21" fill="hold" nodeType="afterEffect">
                                   <p:stCondLst>
                                     <p:cond delay="0"/>
                                   </p:stCondLst>
@@ -10135,30 +13674,21 @@
                             </p:childTnLst>
                           </p:cTn>
                         </p:par>
-                      </p:childTnLst>
-                    </p:cTn>
-                  </p:par>
-                  <p:par>
-                    <p:cTn id="8" fill="hold">
-                      <p:stCondLst>
-                        <p:cond delay="indefinite"/>
-                      </p:stCondLst>
-                      <p:childTnLst>
                         <p:par>
-                          <p:cTn id="9" fill="hold">
+                          <p:cTn id="8" fill="hold">
                             <p:stCondLst>
-                              <p:cond delay="0"/>
+                              <p:cond delay="500"/>
                             </p:stCondLst>
                             <p:childTnLst>
                               <p:par>
-                                <p:cTn id="10" presetID="37" presetClass="entr" presetSubtype="0" fill="hold" nodeType="clickEffect">
+                                <p:cTn id="9" presetID="37" presetClass="entr" presetSubtype="0" fill="hold" nodeType="afterEffect">
                                   <p:stCondLst>
                                     <p:cond delay="0"/>
                                   </p:stCondLst>
                                   <p:childTnLst>
                                     <p:set>
                                       <p:cBhvr>
-                                        <p:cTn id="11" dur="1" fill="hold">
+                                        <p:cTn id="10" dur="1" fill="hold">
                                           <p:stCondLst>
                                             <p:cond delay="0"/>
                                           </p:stCondLst>
@@ -10176,7 +13706,7 @@
                                     </p:set>
                                     <p:animEffect transition="in" filter="fade">
                                       <p:cBhvr>
-                                        <p:cTn id="12" dur="1000"/>
+                                        <p:cTn id="11" dur="1000"/>
                                         <p:tgtEl>
                                           <p:spTgt spid="4"/>
                                         </p:tgtEl>
@@ -10184,7 +13714,7 @@
                                     </p:animEffect>
                                     <p:anim calcmode="lin" valueType="num">
                                       <p:cBhvr>
-                                        <p:cTn id="13" dur="1000" fill="hold"/>
+                                        <p:cTn id="12" dur="1000" fill="hold"/>
                                         <p:tgtEl>
                                           <p:spTgt spid="4"/>
                                         </p:tgtEl>
@@ -10207,7 +13737,7 @@
                                     </p:anim>
                                     <p:anim calcmode="lin" valueType="num">
                                       <p:cBhvr>
-                                        <p:cTn id="14" dur="900" decel="100000" fill="hold"/>
+                                        <p:cTn id="13" dur="900" decel="100000" fill="hold"/>
                                         <p:tgtEl>
                                           <p:spTgt spid="4"/>
                                         </p:tgtEl>
@@ -10230,7 +13760,7 @@
                                     </p:anim>
                                     <p:anim calcmode="lin" valueType="num">
                                       <p:cBhvr>
-                                        <p:cTn id="15" dur="100" accel="100000" fill="hold">
+                                        <p:cTn id="14" dur="100" accel="100000" fill="hold">
                                           <p:stCondLst>
                                             <p:cond delay="900"/>
                                           </p:stCondLst>
@@ -12337,596 +15867,578 @@
       </p:grpSpPr>
       <p:grpSp>
         <p:nvGrpSpPr>
-          <p:cNvPr id="27" name="Groupe 26">
-            <a:extLst>
-              <a:ext uri="{FF2B5EF4-FFF2-40B4-BE49-F238E27FC236}">
-                <a16:creationId xmlns:a16="http://schemas.microsoft.com/office/drawing/2014/main" id="{8444FFEC-D789-591B-EFB9-82DF1E9A58E9}"/>
-              </a:ext>
-            </a:extLst>
-          </p:cNvPr>
+          <p:cNvPr id="413" name="Groupe 26"/>
           <p:cNvGrpSpPr/>
           <p:nvPr/>
         </p:nvGrpSpPr>
         <p:grpSpPr>
           <a:xfrm>
-            <a:off x="-693651" y="14595"/>
-            <a:ext cx="13579302" cy="1742936"/>
-            <a:chOff x="0" y="-23680"/>
-            <a:chExt cx="13579302" cy="1742936"/>
+            <a:off x="-693720" y="14760"/>
+            <a:ext cx="13579200" cy="1742760"/>
+            <a:chOff x="-693720" y="14760"/>
+            <a:chExt cx="13579200" cy="1742760"/>
           </a:xfrm>
-          <a:solidFill>
-            <a:srgbClr val="00B0F0"/>
-          </a:solidFill>
         </p:grpSpPr>
         <p:pic>
           <p:nvPicPr>
-            <p:cNvPr id="17" name="Image 16" descr="Une image contenant Rectangle, vert, tissu&#10;&#10;Description générée automatiquement">
-              <a:extLst>
-                <a:ext uri="{FF2B5EF4-FFF2-40B4-BE49-F238E27FC236}">
-                  <a16:creationId xmlns:a16="http://schemas.microsoft.com/office/drawing/2014/main" id="{166A69F4-E739-71D8-1158-86836F8BED4F}"/>
-                </a:ext>
-              </a:extLst>
-            </p:cNvPr>
-            <p:cNvPicPr>
-              <a:picLocks noChangeAspect="1"/>
-            </p:cNvPicPr>
+            <p:cNvPr id="414" name="Image 16" descr="Une image contenant Rectangle, vert, tissu&#10;&#10;Description générée automatiquement"/>
+            <p:cNvPicPr/>
             <p:nvPr/>
           </p:nvPicPr>
           <p:blipFill>
-            <a:blip r:embed="rId3">
-              <a:duotone>
-                <a:prstClr val="black"/>
-                <a:srgbClr val="FF7605">
-                  <a:tint val="45000"/>
-                  <a:satMod val="400000"/>
-                </a:srgbClr>
-              </a:duotone>
-              <a:extLst>
-                <a:ext uri="{28A0092B-C50C-407E-A947-70E740481C1C}">
-                  <a14:useLocalDpi xmlns:a14="http://schemas.microsoft.com/office/drawing/2010/main" val="0"/>
-                </a:ext>
-              </a:extLst>
-            </a:blip>
-            <a:stretch>
-              <a:fillRect/>
-            </a:stretch>
+            <a:blip r:embed="rId2"/>
+            <a:stretch/>
           </p:blipFill>
           <p:spPr>
             <a:xfrm rot="16200000">
-              <a:off x="0" y="0"/>
-              <a:ext cx="1719256" cy="1719256"/>
+              <a:off x="-693360" y="38520"/>
+              <a:ext cx="1719000" cy="1719000"/>
             </a:xfrm>
             <a:prstGeom prst="rect">
               <a:avLst/>
             </a:prstGeom>
-            <a:grpFill/>
+            <a:ln w="0">
+              <a:noFill/>
+            </a:ln>
           </p:spPr>
         </p:pic>
         <p:pic>
           <p:nvPicPr>
-            <p:cNvPr id="20" name="Image 19" descr="Une image contenant Rectangle, vert, tissu&#10;&#10;Description générée automatiquement">
-              <a:extLst>
-                <a:ext uri="{FF2B5EF4-FFF2-40B4-BE49-F238E27FC236}">
-                  <a16:creationId xmlns:a16="http://schemas.microsoft.com/office/drawing/2014/main" id="{A525672F-BB8B-1AFC-DB23-A4EA0055F42C}"/>
-                </a:ext>
-              </a:extLst>
-            </p:cNvPr>
-            <p:cNvPicPr>
-              <a:picLocks noChangeAspect="1"/>
-            </p:cNvPicPr>
+            <p:cNvPr id="415" name="Image 19" descr="Une image contenant Rectangle, vert, tissu&#10;&#10;Description générée automatiquement"/>
+            <p:cNvPicPr/>
             <p:nvPr/>
           </p:nvPicPr>
           <p:blipFill>
-            <a:blip r:embed="rId3">
-              <a:duotone>
-                <a:prstClr val="black"/>
-                <a:srgbClr val="FF7605">
-                  <a:tint val="45000"/>
-                  <a:satMod val="400000"/>
-                </a:srgbClr>
-              </a:duotone>
-              <a:extLst>
-                <a:ext uri="{28A0092B-C50C-407E-A947-70E740481C1C}">
-                  <a14:useLocalDpi xmlns:a14="http://schemas.microsoft.com/office/drawing/2010/main" val="0"/>
-                </a:ext>
-              </a:extLst>
-            </a:blip>
-            <a:stretch>
-              <a:fillRect/>
-            </a:stretch>
+            <a:blip r:embed="rId2"/>
+            <a:stretch/>
           </p:blipFill>
           <p:spPr>
             <a:xfrm rot="16200000">
-              <a:off x="10138156" y="-4888"/>
-              <a:ext cx="1719256" cy="1719256"/>
+              <a:off x="9444600" y="33480"/>
+              <a:ext cx="1719000" cy="1719000"/>
             </a:xfrm>
             <a:prstGeom prst="rect">
               <a:avLst/>
             </a:prstGeom>
-            <a:grpFill/>
+            <a:ln w="0">
+              <a:noFill/>
+            </a:ln>
           </p:spPr>
         </p:pic>
         <p:pic>
           <p:nvPicPr>
-            <p:cNvPr id="21" name="Image 20" descr="Une image contenant Rectangle, vert, tissu&#10;&#10;Description générée automatiquement">
-              <a:extLst>
-                <a:ext uri="{FF2B5EF4-FFF2-40B4-BE49-F238E27FC236}">
-                  <a16:creationId xmlns:a16="http://schemas.microsoft.com/office/drawing/2014/main" id="{CA2C0D63-8C28-CEB8-E4BA-1E2A2174059C}"/>
-                </a:ext>
-              </a:extLst>
-            </p:cNvPr>
-            <p:cNvPicPr>
-              <a:picLocks noChangeAspect="1"/>
-            </p:cNvPicPr>
+            <p:cNvPr id="416" name="Image 20" descr="Une image contenant Rectangle, vert, tissu&#10;&#10;Description générée automatiquement"/>
+            <p:cNvPicPr/>
             <p:nvPr/>
           </p:nvPicPr>
           <p:blipFill>
-            <a:blip r:embed="rId3">
-              <a:duotone>
-                <a:prstClr val="black"/>
-                <a:srgbClr val="FF7605">
-                  <a:tint val="45000"/>
-                  <a:satMod val="400000"/>
-                </a:srgbClr>
-              </a:duotone>
-              <a:extLst>
-                <a:ext uri="{28A0092B-C50C-407E-A947-70E740481C1C}">
-                  <a14:useLocalDpi xmlns:a14="http://schemas.microsoft.com/office/drawing/2010/main" val="0"/>
-                </a:ext>
-              </a:extLst>
-            </a:blip>
-            <a:stretch>
-              <a:fillRect/>
-            </a:stretch>
+            <a:blip r:embed="rId2"/>
+            <a:stretch/>
           </p:blipFill>
           <p:spPr>
             <a:xfrm rot="16200000">
-              <a:off x="8473271" y="0"/>
-              <a:ext cx="1719256" cy="1719256"/>
+              <a:off x="7779600" y="38520"/>
+              <a:ext cx="1719000" cy="1719000"/>
             </a:xfrm>
             <a:prstGeom prst="rect">
               <a:avLst/>
             </a:prstGeom>
-            <a:grpFill/>
+            <a:ln w="0">
+              <a:noFill/>
+            </a:ln>
           </p:spPr>
         </p:pic>
         <p:pic>
           <p:nvPicPr>
-            <p:cNvPr id="22" name="Image 21" descr="Une image contenant Rectangle, vert, tissu&#10;&#10;Description générée automatiquement">
-              <a:extLst>
-                <a:ext uri="{FF2B5EF4-FFF2-40B4-BE49-F238E27FC236}">
-                  <a16:creationId xmlns:a16="http://schemas.microsoft.com/office/drawing/2014/main" id="{0975E924-5B66-569A-7449-CBB7A20DD8E8}"/>
-                </a:ext>
-              </a:extLst>
-            </p:cNvPr>
-            <p:cNvPicPr>
-              <a:picLocks noChangeAspect="1"/>
-            </p:cNvPicPr>
+            <p:cNvPr id="417" name="Image 21" descr="Une image contenant Rectangle, vert, tissu&#10;&#10;Description générée automatiquement"/>
+            <p:cNvPicPr/>
             <p:nvPr/>
           </p:nvPicPr>
           <p:blipFill>
-            <a:blip r:embed="rId3">
-              <a:duotone>
-                <a:prstClr val="black"/>
-                <a:srgbClr val="FF7605">
-                  <a:tint val="45000"/>
-                  <a:satMod val="400000"/>
-                </a:srgbClr>
-              </a:duotone>
-              <a:extLst>
-                <a:ext uri="{28A0092B-C50C-407E-A947-70E740481C1C}">
-                  <a14:useLocalDpi xmlns:a14="http://schemas.microsoft.com/office/drawing/2010/main" val="0"/>
-                </a:ext>
-              </a:extLst>
-            </a:blip>
-            <a:stretch>
-              <a:fillRect/>
-            </a:stretch>
+            <a:blip r:embed="rId2"/>
+            <a:stretch/>
           </p:blipFill>
           <p:spPr>
             <a:xfrm rot="16200000">
-              <a:off x="6786958" y="-23680"/>
-              <a:ext cx="1719256" cy="1719256"/>
+              <a:off x="6093360" y="14760"/>
+              <a:ext cx="1719000" cy="1719000"/>
             </a:xfrm>
             <a:prstGeom prst="rect">
               <a:avLst/>
             </a:prstGeom>
-            <a:grpFill/>
+            <a:ln w="0">
+              <a:noFill/>
+            </a:ln>
           </p:spPr>
         </p:pic>
         <p:pic>
           <p:nvPicPr>
-            <p:cNvPr id="23" name="Image 22" descr="Une image contenant Rectangle, vert, tissu&#10;&#10;Description générée automatiquement">
-              <a:extLst>
-                <a:ext uri="{FF2B5EF4-FFF2-40B4-BE49-F238E27FC236}">
-                  <a16:creationId xmlns:a16="http://schemas.microsoft.com/office/drawing/2014/main" id="{F8176E19-1550-39D9-EEB8-E03E0AEB9C78}"/>
-                </a:ext>
-              </a:extLst>
-            </p:cNvPr>
-            <p:cNvPicPr>
-              <a:picLocks noChangeAspect="1"/>
-            </p:cNvPicPr>
+            <p:cNvPr id="418" name="Image 22" descr="Une image contenant Rectangle, vert, tissu&#10;&#10;Description générée automatiquement"/>
+            <p:cNvPicPr/>
             <p:nvPr/>
           </p:nvPicPr>
           <p:blipFill>
-            <a:blip r:embed="rId3">
-              <a:duotone>
-                <a:prstClr val="black"/>
-                <a:srgbClr val="FF7605">
-                  <a:tint val="45000"/>
-                  <a:satMod val="400000"/>
-                </a:srgbClr>
-              </a:duotone>
-              <a:extLst>
-                <a:ext uri="{28A0092B-C50C-407E-A947-70E740481C1C}">
-                  <a14:useLocalDpi xmlns:a14="http://schemas.microsoft.com/office/drawing/2010/main" val="0"/>
-                </a:ext>
-              </a:extLst>
-            </a:blip>
-            <a:stretch>
-              <a:fillRect/>
-            </a:stretch>
+            <a:blip r:embed="rId2"/>
+            <a:stretch/>
           </p:blipFill>
           <p:spPr>
             <a:xfrm rot="16200000">
-              <a:off x="5122073" y="-14284"/>
-              <a:ext cx="1719256" cy="1719256"/>
+              <a:off x="4428360" y="24120"/>
+              <a:ext cx="1719000" cy="1719000"/>
             </a:xfrm>
             <a:prstGeom prst="rect">
               <a:avLst/>
             </a:prstGeom>
-            <a:grpFill/>
+            <a:ln w="0">
+              <a:noFill/>
+            </a:ln>
           </p:spPr>
         </p:pic>
         <p:pic>
           <p:nvPicPr>
-            <p:cNvPr id="24" name="Image 23" descr="Une image contenant Rectangle, vert, tissu&#10;&#10;Description générée automatiquement">
-              <a:extLst>
-                <a:ext uri="{FF2B5EF4-FFF2-40B4-BE49-F238E27FC236}">
-                  <a16:creationId xmlns:a16="http://schemas.microsoft.com/office/drawing/2014/main" id="{B13C9934-DB0D-0DD4-4615-D9172CC35D8C}"/>
-                </a:ext>
-              </a:extLst>
-            </p:cNvPr>
-            <p:cNvPicPr>
-              <a:picLocks noChangeAspect="1"/>
-            </p:cNvPicPr>
+            <p:cNvPr id="419" name="Image 23" descr="Une image contenant Rectangle, vert, tissu&#10;&#10;Description générée automatiquement"/>
+            <p:cNvPicPr/>
             <p:nvPr/>
           </p:nvPicPr>
           <p:blipFill>
-            <a:blip r:embed="rId3">
-              <a:duotone>
-                <a:prstClr val="black"/>
-                <a:srgbClr val="FF7605">
-                  <a:tint val="45000"/>
-                  <a:satMod val="400000"/>
-                </a:srgbClr>
-              </a:duotone>
-              <a:extLst>
-                <a:ext uri="{28A0092B-C50C-407E-A947-70E740481C1C}">
-                  <a14:useLocalDpi xmlns:a14="http://schemas.microsoft.com/office/drawing/2010/main" val="0"/>
-                </a:ext>
-              </a:extLst>
-            </a:blip>
-            <a:stretch>
-              <a:fillRect/>
-            </a:stretch>
+            <a:blip r:embed="rId2"/>
+            <a:stretch/>
           </p:blipFill>
           <p:spPr>
             <a:xfrm rot="16200000">
-              <a:off x="3402817" y="-23680"/>
-              <a:ext cx="1719256" cy="1719256"/>
+              <a:off x="2709000" y="14760"/>
+              <a:ext cx="1719000" cy="1719000"/>
             </a:xfrm>
             <a:prstGeom prst="rect">
               <a:avLst/>
             </a:prstGeom>
-            <a:grpFill/>
+            <a:ln w="0">
+              <a:noFill/>
+            </a:ln>
           </p:spPr>
         </p:pic>
         <p:pic>
           <p:nvPicPr>
-            <p:cNvPr id="25" name="Image 24" descr="Une image contenant Rectangle, vert, tissu&#10;&#10;Description générée automatiquement">
-              <a:extLst>
-                <a:ext uri="{FF2B5EF4-FFF2-40B4-BE49-F238E27FC236}">
-                  <a16:creationId xmlns:a16="http://schemas.microsoft.com/office/drawing/2014/main" id="{289F8535-8A49-C73F-0526-105F5E7439E3}"/>
-                </a:ext>
-              </a:extLst>
-            </p:cNvPr>
-            <p:cNvPicPr>
-              <a:picLocks noChangeAspect="1"/>
-            </p:cNvPicPr>
+            <p:cNvPr id="420" name="Image 24" descr="Une image contenant Rectangle, vert, tissu&#10;&#10;Description générée automatiquement"/>
+            <p:cNvPicPr/>
             <p:nvPr/>
           </p:nvPicPr>
           <p:blipFill>
-            <a:blip r:embed="rId3">
-              <a:duotone>
-                <a:prstClr val="black"/>
-                <a:srgbClr val="FF7605">
-                  <a:tint val="45000"/>
-                  <a:satMod val="400000"/>
-                </a:srgbClr>
-              </a:duotone>
-              <a:extLst>
-                <a:ext uri="{28A0092B-C50C-407E-A947-70E740481C1C}">
-                  <a14:useLocalDpi xmlns:a14="http://schemas.microsoft.com/office/drawing/2010/main" val="0"/>
-                </a:ext>
-              </a:extLst>
-            </a:blip>
-            <a:stretch>
-              <a:fillRect/>
-            </a:stretch>
+            <a:blip r:embed="rId2"/>
+            <a:stretch/>
           </p:blipFill>
           <p:spPr>
             <a:xfrm rot="16200000">
-              <a:off x="1719256" y="0"/>
-              <a:ext cx="1719256" cy="1719256"/>
+              <a:off x="1025640" y="38520"/>
+              <a:ext cx="1719000" cy="1719000"/>
             </a:xfrm>
             <a:prstGeom prst="rect">
               <a:avLst/>
             </a:prstGeom>
-            <a:grpFill/>
+            <a:ln w="0">
+              <a:noFill/>
+            </a:ln>
           </p:spPr>
         </p:pic>
         <p:pic>
           <p:nvPicPr>
-            <p:cNvPr id="26" name="Image 25" descr="Une image contenant Rectangle, vert, tissu&#10;&#10;Description générée automatiquement">
-              <a:extLst>
-                <a:ext uri="{FF2B5EF4-FFF2-40B4-BE49-F238E27FC236}">
-                  <a16:creationId xmlns:a16="http://schemas.microsoft.com/office/drawing/2014/main" id="{4C645A71-7B28-743C-CF7F-D96E564FD12E}"/>
-                </a:ext>
-              </a:extLst>
-            </p:cNvPr>
-            <p:cNvPicPr>
-              <a:picLocks noChangeAspect="1"/>
-            </p:cNvPicPr>
+            <p:cNvPr id="421" name="Image 25" descr="Une image contenant Rectangle, vert, tissu&#10;&#10;Description générée automatiquement"/>
+            <p:cNvPicPr/>
             <p:nvPr/>
           </p:nvPicPr>
           <p:blipFill>
-            <a:blip r:embed="rId3">
-              <a:duotone>
-                <a:prstClr val="black"/>
-                <a:srgbClr val="FF7605">
-                  <a:tint val="45000"/>
-                  <a:satMod val="400000"/>
-                </a:srgbClr>
-              </a:duotone>
-              <a:extLst>
-                <a:ext uri="{28A0092B-C50C-407E-A947-70E740481C1C}">
-                  <a14:useLocalDpi xmlns:a14="http://schemas.microsoft.com/office/drawing/2010/main" val="0"/>
-                </a:ext>
-              </a:extLst>
-            </a:blip>
-            <a:stretch>
-              <a:fillRect/>
-            </a:stretch>
+            <a:blip r:embed="rId2"/>
+            <a:stretch/>
           </p:blipFill>
           <p:spPr>
             <a:xfrm rot="16200000">
-              <a:off x="11860046" y="-7638"/>
-              <a:ext cx="1719256" cy="1719256"/>
+              <a:off x="11166480" y="30960"/>
+              <a:ext cx="1719000" cy="1719000"/>
             </a:xfrm>
             <a:prstGeom prst="rect">
               <a:avLst/>
             </a:prstGeom>
-            <a:grpFill/>
+            <a:ln w="0">
+              <a:noFill/>
+            </a:ln>
           </p:spPr>
         </p:pic>
       </p:grpSp>
       <p:sp>
         <p:nvSpPr>
-          <p:cNvPr id="14" name="Titre 1">
-            <a:extLst>
-              <a:ext uri="{FF2B5EF4-FFF2-40B4-BE49-F238E27FC236}">
-                <a16:creationId xmlns:a16="http://schemas.microsoft.com/office/drawing/2014/main" id="{CF22965B-FF7F-5F54-FFE2-589CB41928D7}"/>
-              </a:ext>
-            </a:extLst>
-          </p:cNvPr>
-          <p:cNvSpPr txBox="1">
-            <a:spLocks/>
-          </p:cNvSpPr>
+          <p:cNvPr id="422" name="Titre 1"/>
+          <p:cNvSpPr/>
           <p:nvPr/>
         </p:nvSpPr>
         <p:spPr>
           <a:xfrm>
-            <a:off x="26527" y="220525"/>
-            <a:ext cx="12192000" cy="1325563"/>
+            <a:off x="26640" y="220680"/>
+            <a:ext cx="12191760" cy="1325160"/>
           </a:xfrm>
           <a:prstGeom prst="rect">
             <a:avLst/>
           </a:prstGeom>
+          <a:noFill/>
+          <a:ln w="0">
+            <a:noFill/>
+          </a:ln>
         </p:spPr>
+        <p:style>
+          <a:lnRef idx="0">
+            <a:scrgbClr r="0" g="0" b="0"/>
+          </a:lnRef>
+          <a:fillRef idx="0">
+            <a:scrgbClr r="0" g="0" b="0"/>
+          </a:fillRef>
+          <a:effectRef idx="0">
+            <a:scrgbClr r="0" g="0" b="0"/>
+          </a:effectRef>
+          <a:fontRef idx="minor"/>
+        </p:style>
         <p:txBody>
-          <a:bodyPr vert="horz" lIns="91440" tIns="45720" rIns="91440" bIns="45720" rtlCol="0" anchor="ctr">
+          <a:bodyPr anchor="ctr">
             <a:noAutofit/>
           </a:bodyPr>
-          <a:lstStyle>
-            <a:lvl1pPr algn="l" defTabSz="914400" rtl="0" eaLnBrk="1" latinLnBrk="0" hangingPunct="1">
+          <a:lstStyle/>
+          <a:p>
+            <a:pPr marL="0" marR="0" lvl="0" indent="0" algn="l" defTabSz="914400" rtl="0" eaLnBrk="1" fontAlgn="auto" latinLnBrk="0" hangingPunct="1">
               <a:lnSpc>
                 <a:spcPct val="90000"/>
               </a:lnSpc>
               <a:spcBef>
-                <a:spcPct val="0"/>
+                <a:spcPts val="0"/>
               </a:spcBef>
+              <a:spcAft>
+                <a:spcPts val="0"/>
+              </a:spcAft>
+              <a:buClrTx/>
+              <a:buSzTx/>
+              <a:buFontTx/>
               <a:buNone/>
-              <a:defRPr sz="4400" kern="1200">
+              <a:tabLst/>
+              <a:defRPr/>
+            </a:pPr>
+            <a:r>
+              <a:rPr kumimoji="0" lang="fr-FR" sz="8000" b="0" i="0" u="none" strike="noStrike" kern="1200" cap="none" spc="-1" normalizeH="0" baseline="0" noProof="0">
+                <a:ln>
+                  <a:noFill/>
+                </a:ln>
                 <a:solidFill>
-                  <a:schemeClr val="tx1"/>
+                  <a:srgbClr val="FFFFFF"/>
                 </a:solidFill>
-                <a:latin typeface="+mj-lt"/>
-                <a:ea typeface="+mj-ea"/>
-                <a:cs typeface="+mj-cs"/>
-              </a:defRPr>
-            </a:lvl1pPr>
-          </a:lstStyle>
-          <a:p>
-            <a:r>
-              <a:rPr lang="fr-FR" sz="8000" dirty="0">
-                <a:solidFill>
-                  <a:schemeClr val="bg1"/>
-                </a:solidFill>
-                <a:latin typeface="ADLaM Display" panose="020B0604020202020204" pitchFamily="2" charset="0"/>
-                <a:ea typeface="ADLaM Display" panose="020B0604020202020204" pitchFamily="2" charset="0"/>
-                <a:cs typeface="ADLaM Display" panose="020B0604020202020204" pitchFamily="2" charset="0"/>
+                <a:effectLst/>
+                <a:uLnTx/>
+                <a:uFillTx/>
+                <a:latin typeface="ADLaM Display"/>
+                <a:ea typeface="ADLaM Display"/>
+                <a:cs typeface="+mn-cs"/>
               </a:rPr>
               <a:t>DE LA MUSIC’</a:t>
             </a:r>
+            <a:endParaRPr kumimoji="0" lang="fr-FR" sz="8000" b="0" i="0" u="none" strike="noStrike" kern="1200" cap="none" spc="-1" normalizeH="0" baseline="0" noProof="0">
+              <a:ln>
+                <a:noFill/>
+              </a:ln>
+              <a:solidFill>
+                <a:srgbClr val="FFFFFF"/>
+              </a:solidFill>
+              <a:effectLst/>
+              <a:uLnTx/>
+              <a:uFillTx/>
+              <a:latin typeface="Arial"/>
+              <a:ea typeface="+mn-ea"/>
+              <a:cs typeface="+mn-cs"/>
+            </a:endParaRPr>
           </a:p>
         </p:txBody>
       </p:sp>
       <p:sp>
         <p:nvSpPr>
-          <p:cNvPr id="5" name="Espace réservé du contenu 4">
-            <a:extLst>
-              <a:ext uri="{FF2B5EF4-FFF2-40B4-BE49-F238E27FC236}">
-                <a16:creationId xmlns:a16="http://schemas.microsoft.com/office/drawing/2014/main" id="{C5F3370E-2328-7D16-28DD-0A04D27034F5}"/>
-              </a:ext>
-            </a:extLst>
-          </p:cNvPr>
+          <p:cNvPr id="423" name="PlaceHolder 1"/>
           <p:cNvSpPr>
             <a:spLocks noGrp="1"/>
           </p:cNvSpPr>
           <p:nvPr>
-            <p:ph idx="1"/>
+            <p:ph/>
           </p:nvPr>
         </p:nvSpPr>
-        <p:spPr/>
+        <p:spPr>
+          <a:xfrm>
+            <a:off x="824760" y="1949040"/>
+            <a:ext cx="10515240" cy="4350960"/>
+          </a:xfrm>
+          <a:prstGeom prst="rect">
+            <a:avLst/>
+          </a:prstGeom>
+          <a:noFill/>
+          <a:ln w="0">
+            <a:noFill/>
+          </a:ln>
+        </p:spPr>
         <p:txBody>
-          <a:bodyPr/>
+          <a:bodyPr lIns="91440" tIns="45720" rIns="91440" bIns="45720" anchor="t">
+            <a:noAutofit/>
+          </a:bodyPr>
           <a:lstStyle/>
           <a:p>
+            <a:pPr marL="228600" indent="-228600" defTabSz="914400">
+              <a:lnSpc>
+                <a:spcPct val="90000"/>
+              </a:lnSpc>
+              <a:spcBef>
+                <a:spcPts val="1001"/>
+              </a:spcBef>
+              <a:buClr>
+                <a:srgbClr val="FFFFFF"/>
+              </a:buClr>
+              <a:buFont typeface="Arial"/>
+              <a:buChar char="•"/>
+            </a:pPr>
             <a:r>
-              <a:rPr lang="fr-FR" dirty="0">
+              <a:rPr lang="fr-FR" sz="2800" b="0" strike="noStrike" spc="-1">
                 <a:solidFill>
-                  <a:schemeClr val="bg1"/>
+                  <a:schemeClr val="lt1"/>
                 </a:solidFill>
-                <a:latin typeface="ADLaM Display" panose="020B0604020202020204" pitchFamily="2" charset="0"/>
-                <a:ea typeface="ADLaM Display" panose="020B0604020202020204" pitchFamily="2" charset="0"/>
-                <a:cs typeface="ADLaM Display" panose="020B0604020202020204" pitchFamily="2" charset="0"/>
+                <a:latin typeface="ADLaM Display"/>
+                <a:ea typeface="ADLaM Display"/>
+              </a:rPr>
+              <a:t>LMMS (ET REAPER)</a:t>
+            </a:r>
+            <a:endParaRPr lang="fr-FR" sz="2800" b="0" strike="noStrike" spc="-1">
+              <a:solidFill>
+                <a:schemeClr val="dk1"/>
+              </a:solidFill>
+              <a:latin typeface="Calibri"/>
+            </a:endParaRPr>
+          </a:p>
+          <a:p>
+            <a:pPr marL="228600" indent="-228600" defTabSz="914400">
+              <a:lnSpc>
+                <a:spcPct val="90000"/>
+              </a:lnSpc>
+              <a:spcBef>
+                <a:spcPts val="1001"/>
+              </a:spcBef>
+              <a:buClr>
+                <a:srgbClr val="FFFFFF"/>
+              </a:buClr>
+              <a:buFont typeface="Arial"/>
+              <a:buChar char="•"/>
+            </a:pPr>
+            <a:r>
+              <a:rPr lang="fr-FR" sz="2800" b="0" strike="noStrike" spc="-1">
+                <a:solidFill>
+                  <a:schemeClr val="lt1"/>
+                </a:solidFill>
+                <a:latin typeface="ADLaM Display"/>
+                <a:ea typeface="ADLaM Display"/>
               </a:rPr>
               <a:t>UNE POUR LE MENU</a:t>
             </a:r>
+            <a:endParaRPr lang="fr-FR" sz="2800" b="0" strike="noStrike" spc="-1">
+              <a:solidFill>
+                <a:schemeClr val="dk1"/>
+              </a:solidFill>
+              <a:latin typeface="Calibri"/>
+            </a:endParaRPr>
           </a:p>
           <a:p>
+            <a:pPr marL="228600" indent="-228600" defTabSz="914400">
+              <a:lnSpc>
+                <a:spcPct val="90000"/>
+              </a:lnSpc>
+              <a:spcBef>
+                <a:spcPts val="1001"/>
+              </a:spcBef>
+              <a:buClr>
+                <a:srgbClr val="FFFFFF"/>
+              </a:buClr>
+              <a:buFont typeface="Arial"/>
+              <a:buChar char="•"/>
+            </a:pPr>
             <a:r>
-              <a:rPr lang="fr-FR" dirty="0">
+              <a:rPr lang="fr-FR" sz="2800" b="0" strike="noStrike" spc="-1">
                 <a:solidFill>
-                  <a:schemeClr val="bg1"/>
+                  <a:schemeClr val="lt1"/>
                 </a:solidFill>
-                <a:latin typeface="ADLaM Display" panose="020B0604020202020204" pitchFamily="2" charset="0"/>
-                <a:ea typeface="ADLaM Display" panose="020B0604020202020204" pitchFamily="2" charset="0"/>
-                <a:cs typeface="ADLaM Display" panose="020B0604020202020204" pitchFamily="2" charset="0"/>
+                <a:latin typeface="ADLaM Display"/>
+                <a:ea typeface="ADLaM Display"/>
               </a:rPr>
               <a:t>UNE POUR LE JEU</a:t>
             </a:r>
+            <a:endParaRPr lang="fr-FR" sz="2800" b="0" strike="noStrike" spc="-1">
+              <a:solidFill>
+                <a:schemeClr val="dk1"/>
+              </a:solidFill>
+              <a:latin typeface="Calibri"/>
+            </a:endParaRPr>
+          </a:p>
+          <a:p>
+            <a:pPr marL="228600" indent="-228600" defTabSz="914400">
+              <a:lnSpc>
+                <a:spcPct val="90000"/>
+              </a:lnSpc>
+              <a:spcBef>
+                <a:spcPts val="1001"/>
+              </a:spcBef>
+              <a:buClr>
+                <a:srgbClr val="FFFFFF"/>
+              </a:buClr>
+              <a:buFont typeface="Arial"/>
+              <a:buChar char="•"/>
+            </a:pPr>
+            <a:r>
+              <a:rPr lang="fr-FR" sz="2800" b="0" strike="noStrike" spc="-1">
+                <a:solidFill>
+                  <a:schemeClr val="lt1"/>
+                </a:solidFill>
+                <a:latin typeface="ADLaM Display"/>
+                <a:ea typeface="ADLaM Display"/>
+              </a:rPr>
+              <a:t>UTILISATION D’ÉMULATEURS  </a:t>
+            </a:r>
+            <a:endParaRPr lang="fr-FR" sz="2800" b="0" strike="noStrike" spc="-1">
+              <a:solidFill>
+                <a:schemeClr val="dk1"/>
+              </a:solidFill>
+              <a:latin typeface="Calibri"/>
+            </a:endParaRPr>
+          </a:p>
+          <a:p>
+            <a:pPr marL="228600" indent="-228600" defTabSz="914400">
+              <a:lnSpc>
+                <a:spcPct val="90000"/>
+              </a:lnSpc>
+              <a:spcBef>
+                <a:spcPts val="1001"/>
+              </a:spcBef>
+              <a:buClr>
+                <a:srgbClr val="FFFFFF"/>
+              </a:buClr>
+              <a:buFont typeface="Arial"/>
+              <a:buChar char="•"/>
+            </a:pPr>
+            <a:r>
+              <a:rPr lang="fr-FR" sz="2800" b="0" strike="noStrike" spc="-1">
+                <a:solidFill>
+                  <a:schemeClr val="lt1"/>
+                </a:solidFill>
+                <a:latin typeface="ADLaM Display"/>
+                <a:ea typeface="ADLaM Display"/>
+              </a:rPr>
+              <a:t>PARTITION SOUS FORME DE MUSIQUE 8 BITS</a:t>
+            </a:r>
+            <a:endParaRPr lang="fr-FR" sz="2800" b="0" strike="noStrike" spc="-1">
+              <a:solidFill>
+                <a:schemeClr val="dk1"/>
+              </a:solidFill>
+              <a:latin typeface="Calibri"/>
+            </a:endParaRPr>
+          </a:p>
+          <a:p>
+            <a:pPr marL="228600" indent="-228600" defTabSz="914400">
+              <a:lnSpc>
+                <a:spcPct val="90000"/>
+              </a:lnSpc>
+              <a:spcBef>
+                <a:spcPts val="1001"/>
+              </a:spcBef>
+              <a:buClr>
+                <a:srgbClr val="FFFFFF"/>
+              </a:buClr>
+              <a:buFont typeface="Arial"/>
+              <a:buChar char="•"/>
+            </a:pPr>
+            <a:r>
+              <a:rPr lang="fr-FR" sz="2800" b="0" strike="noStrike" spc="-1">
+                <a:solidFill>
+                  <a:schemeClr val="lt1"/>
+                </a:solidFill>
+                <a:latin typeface="ADLaM Display"/>
+                <a:ea typeface="ADLaM Display"/>
+              </a:rPr>
+              <a:t>...ET DE BLOCS ! </a:t>
+            </a:r>
+            <a:endParaRPr lang="fr-FR" sz="2800" b="0" strike="noStrike" spc="-1">
+              <a:solidFill>
+                <a:schemeClr val="dk1"/>
+              </a:solidFill>
+              <a:latin typeface="Calibri"/>
+            </a:endParaRPr>
           </a:p>
         </p:txBody>
       </p:sp>
       <p:pic>
         <p:nvPicPr>
-          <p:cNvPr id="6" name="Espace réservé du contenu 2" descr="Une image contenant Rectangle, symbole, conception&#10;&#10;Description générée automatiquement">
-            <a:extLst>
-              <a:ext uri="{FF2B5EF4-FFF2-40B4-BE49-F238E27FC236}">
-                <a16:creationId xmlns:a16="http://schemas.microsoft.com/office/drawing/2014/main" id="{8A8A14FB-E7FC-95DE-CFA4-59036BBAE272}"/>
-              </a:ext>
-            </a:extLst>
-          </p:cNvPr>
-          <p:cNvPicPr>
-            <a:picLocks noChangeAspect="1"/>
-          </p:cNvPicPr>
+          <p:cNvPr id="424" name="Espace réservé du contenu 2" descr="Une image contenant Rectangle, symbole, conception&#10;&#10;Description générée automatiquement"/>
+          <p:cNvPicPr/>
           <p:nvPr/>
         </p:nvPicPr>
         <p:blipFill>
-          <a:blip r:embed="rId4">
-            <a:extLst>
-              <a:ext uri="{BEBA8EAE-BF5A-486C-A8C5-ECC9F3942E4B}">
-                <a14:imgProps xmlns:a14="http://schemas.microsoft.com/office/drawing/2010/main">
-                  <a14:imgLayer r:embed="rId5">
-                    <a14:imgEffect>
-                      <a14:backgroundRemoval t="538" b="99462" l="0" r="96237">
-                        <a14:foregroundMark x1="7527" y1="13441" x2="59140" y2="38172"/>
-                        <a14:foregroundMark x1="59140" y1="38172" x2="30108" y2="60215"/>
-                        <a14:foregroundMark x1="30108" y1="60215" x2="71505" y2="80108"/>
-                        <a14:foregroundMark x1="71505" y1="80108" x2="72581" y2="36022"/>
-                        <a14:foregroundMark x1="72581" y1="36022" x2="66129" y2="22581"/>
-                        <a14:foregroundMark x1="70968" y1="10753" x2="11290" y2="11828"/>
-                        <a14:foregroundMark x1="11290" y1="11828" x2="9677" y2="87097"/>
-                        <a14:foregroundMark x1="9677" y1="87097" x2="83333" y2="91935"/>
-                        <a14:foregroundMark x1="83333" y1="91935" x2="80645" y2="37634"/>
-                        <a14:foregroundMark x1="80645" y1="37634" x2="89785" y2="10753"/>
-                        <a14:foregroundMark x1="89785" y1="10753" x2="91398" y2="51075"/>
-                        <a14:foregroundMark x1="91398" y1="51075" x2="91398" y2="51075"/>
-                        <a14:foregroundMark x1="1264" y1="3763" x2="6452" y2="33333"/>
-                        <a14:foregroundMark x1="1075" y1="2688" x2="1264" y2="3763"/>
-                        <a14:foregroundMark x1="6452" y1="40860" x2="8065" y2="72043"/>
-                        <a14:foregroundMark x1="8065" y1="72043" x2="11290" y2="36559"/>
-                        <a14:foregroundMark x1="11290" y1="36559" x2="23656" y2="7527"/>
-                        <a14:foregroundMark x1="23656" y1="7527" x2="74194" y2="6452"/>
-                        <a14:foregroundMark x1="74194" y1="6452" x2="95699" y2="39247"/>
-                        <a14:foregroundMark x1="95699" y1="39247" x2="96774" y2="67742"/>
-                        <a14:foregroundMark x1="96774" y1="67742" x2="83871" y2="94086"/>
-                        <a14:foregroundMark x1="83871" y1="94086" x2="38710" y2="98387"/>
-                        <a14:foregroundMark x1="38710" y1="98387" x2="4301" y2="92473"/>
-                        <a14:foregroundMark x1="4301" y1="92473" x2="4301" y2="36022"/>
-                        <a14:foregroundMark x1="47849" y1="40860" x2="27419" y2="50000"/>
-                        <a14:foregroundMark x1="1075" y1="8065" x2="0" y2="33333"/>
-                        <a14:foregroundMark x1="77957" y1="6452" x2="95161" y2="75806"/>
-                        <a14:foregroundMark x1="95161" y1="75806" x2="69892" y2="95699"/>
-                        <a14:foregroundMark x1="69892" y1="95699" x2="29570" y2="96774"/>
-                        <a14:foregroundMark x1="87634" y1="96237" x2="96237" y2="59140"/>
-                        <a14:foregroundMark x1="93011" y1="8602" x2="93011" y2="43011"/>
-                        <a14:foregroundMark x1="93011" y1="43011" x2="93011" y2="43011"/>
-                        <a14:foregroundMark x1="15591" y1="1075" x2="15591" y2="1075"/>
-                        <a14:foregroundMark x1="20430" y1="1613" x2="20430" y2="1613"/>
-                        <a14:foregroundMark x1="39785" y1="1075" x2="39785" y2="1075"/>
-                        <a14:foregroundMark x1="87634" y1="1075" x2="96774" y2="2151"/>
-                        <a14:foregroundMark x1="99462" y1="96774" x2="99462" y2="98387"/>
-                        <a14:foregroundMark x1="99462" y1="11290" x2="99462" y2="96774"/>
-                        <a14:foregroundMark x1="99462" y1="98387" x2="29570" y2="97312"/>
-                        <a14:foregroundMark x1="29570" y1="97312" x2="1075" y2="46237"/>
-                        <a14:foregroundMark x1="1075" y1="46237" x2="1075" y2="40860"/>
-                        <a14:foregroundMark x1="44624" y1="57527" x2="80108" y2="40323"/>
-                        <a14:foregroundMark x1="7527" y1="99462" x2="44086" y2="99462"/>
-                        <a14:backgroundMark x1="1075" y1="1075" x2="1075" y2="1075"/>
-                        <a14:backgroundMark x1="538" y1="2151" x2="538" y2="2151"/>
-                        <a14:backgroundMark x1="99462" y1="98387" x2="99462" y2="98387"/>
-                        <a14:backgroundMark x1="99462" y1="96774" x2="99462" y2="96774"/>
-                        <a14:backgroundMark x1="97312" y1="98925" x2="97312" y2="98925"/>
-                        <a14:backgroundMark x1="98387" y1="98387" x2="98387" y2="98387"/>
-                        <a14:backgroundMark x1="1075" y1="98925" x2="1075" y2="98925"/>
-                        <a14:backgroundMark x1="0" y1="3763" x2="0" y2="3763"/>
-                        <a14:backgroundMark x1="98925" y1="1075" x2="98925" y2="1075"/>
-                      </a14:backgroundRemoval>
-                    </a14:imgEffect>
-                  </a14:imgLayer>
-                </a14:imgProps>
-              </a:ext>
-              <a:ext uri="{28A0092B-C50C-407E-A947-70E740481C1C}">
-                <a14:useLocalDpi xmlns:a14="http://schemas.microsoft.com/office/drawing/2010/main" val="0"/>
-              </a:ext>
-            </a:extLst>
-          </a:blip>
-          <a:stretch>
-            <a:fillRect/>
-          </a:stretch>
+          <a:blip r:embed="rId3"/>
+          <a:stretch/>
         </p:blipFill>
         <p:spPr>
           <a:xfrm>
-            <a:off x="9561076" y="1932143"/>
-            <a:ext cx="1771650" cy="1771650"/>
+            <a:off x="9000000" y="2112120"/>
+            <a:ext cx="1487880" cy="1487880"/>
           </a:xfrm>
           <a:prstGeom prst="rect">
             <a:avLst/>
           </a:prstGeom>
+          <a:ln w="0">
+            <a:noFill/>
+          </a:ln>
+        </p:spPr>
+      </p:pic>
+      <p:pic>
+        <p:nvPicPr>
+          <p:cNvPr id="425" name="Image 424"/>
+          <p:cNvPicPr/>
+          <p:nvPr/>
+        </p:nvPicPr>
+        <p:blipFill rotWithShape="1">
+          <a:blip r:embed="rId4"/>
+          <a:srcRect l="20013" t="47446" r="34151" b="5172"/>
+          <a:stretch/>
+        </p:blipFill>
+        <p:spPr>
+          <a:xfrm>
+            <a:off x="7344562" y="4475527"/>
+            <a:ext cx="3947020" cy="2149718"/>
+          </a:xfrm>
+          <a:prstGeom prst="rect">
+            <a:avLst/>
+          </a:prstGeom>
+          <a:ln w="0">
+            <a:noFill/>
+          </a:ln>
+        </p:spPr>
+      </p:pic>
+      <p:pic>
+        <p:nvPicPr>
+          <p:cNvPr id="426" name="Image 425"/>
+          <p:cNvPicPr/>
+          <p:nvPr/>
+        </p:nvPicPr>
+        <p:blipFill>
+          <a:blip r:embed="rId5"/>
+          <a:stretch/>
+        </p:blipFill>
+        <p:spPr>
+          <a:xfrm>
+            <a:off x="10589400" y="2160000"/>
+            <a:ext cx="1440000" cy="1440000"/>
+          </a:xfrm>
+          <a:prstGeom prst="rect">
+            <a:avLst/>
+          </a:prstGeom>
+          <a:ln w="0">
+            <a:noFill/>
+          </a:ln>
         </p:spPr>
       </p:pic>
     </p:spTree>
-    <p:custDataLst>
-      <p:tags r:id="rId1"/>
-    </p:custDataLst>
-    <p:extLst>
-      <p:ext uri="{BB962C8B-B14F-4D97-AF65-F5344CB8AC3E}">
-        <p14:creationId xmlns:p14="http://schemas.microsoft.com/office/powerpoint/2010/main" val="3447729788"/>
-      </p:ext>
-    </p:extLst>
   </p:cSld>
   <p:clrMapOvr>
     <a:masterClrMapping/>
@@ -12939,16 +16451,13 @@
       <p:par>
         <p:cTn id="1" dur="indefinite" restart="never" nodeType="tmRoot">
           <p:childTnLst>
-            <p:seq concurrent="1" nextAc="seek">
+            <p:seq>
               <p:cTn id="2" dur="indefinite" nodeType="mainSeq">
                 <p:childTnLst>
                   <p:par>
                     <p:cTn id="3" fill="hold">
                       <p:stCondLst>
-                        <p:cond delay="indefinite"/>
-                        <p:cond evt="onBegin" delay="0">
-                          <p:tn val="2"/>
-                        </p:cond>
+                        <p:cond delay="0"/>
                       </p:stCondLst>
                       <p:childTnLst>
                         <p:par>
@@ -12958,7 +16467,7 @@
                             </p:stCondLst>
                             <p:childTnLst>
                               <p:par>
-                                <p:cTn id="5" presetID="10" presetClass="entr" presetSubtype="0" fill="hold" nodeType="withEffect">
+                                <p:cTn id="5" presetID="10" presetClass="entr" fill="hold" nodeType="withEffect">
                                   <p:stCondLst>
                                     <p:cond delay="0"/>
                                   </p:stCondLst>
@@ -12971,7 +16480,7 @@
                                           </p:stCondLst>
                                         </p:cTn>
                                         <p:tgtEl>
-                                          <p:spTgt spid="6"/>
+                                          <p:spTgt spid="424"/>
                                         </p:tgtEl>
                                         <p:attrNameLst>
                                           <p:attrName>style.visibility</p:attrName>
@@ -12982,10 +16491,80 @@
                                       </p:to>
                                     </p:set>
                                     <p:animEffect transition="in" filter="fade">
-                                      <p:cBhvr>
+                                      <p:cBhvr additive="repl">
                                         <p:cTn id="7" dur="500"/>
                                         <p:tgtEl>
-                                          <p:spTgt spid="6"/>
+                                          <p:spTgt spid="424"/>
+                                        </p:tgtEl>
+                                      </p:cBhvr>
+                                    </p:animEffect>
+                                  </p:childTnLst>
+                                </p:cTn>
+                              </p:par>
+                              <p:par>
+                                <p:cTn id="8" presetID="16" presetClass="entr" presetSubtype="21" fill="hold" nodeType="withEffect">
+                                  <p:stCondLst>
+                                    <p:cond delay="0"/>
+                                  </p:stCondLst>
+                                  <p:childTnLst>
+                                    <p:set>
+                                      <p:cBhvr>
+                                        <p:cTn id="9" dur="1" fill="hold">
+                                          <p:stCondLst>
+                                            <p:cond delay="0"/>
+                                          </p:stCondLst>
+                                        </p:cTn>
+                                        <p:tgtEl>
+                                          <p:spTgt spid="426"/>
+                                        </p:tgtEl>
+                                        <p:attrNameLst>
+                                          <p:attrName>style.visibility</p:attrName>
+                                        </p:attrNameLst>
+                                      </p:cBhvr>
+                                      <p:to>
+                                        <p:strVal val="visible"/>
+                                      </p:to>
+                                    </p:set>
+                                    <p:animEffect transition="in" filter="barn(inVertical)">
+                                      <p:cBhvr>
+                                        <p:cTn id="10" dur="500"/>
+                                        <p:tgtEl>
+                                          <p:spTgt spid="426"/>
+                                        </p:tgtEl>
+                                      </p:cBhvr>
+                                    </p:animEffect>
+                                  </p:childTnLst>
+                                </p:cTn>
+                              </p:par>
+                              <p:par>
+                                <p:cTn id="11" presetID="14" presetClass="entr" presetSubtype="5" fill="hold" nodeType="withEffect">
+                                  <p:stCondLst>
+                                    <p:cond delay="0"/>
+                                  </p:stCondLst>
+                                  <p:childTnLst>
+                                    <p:set>
+                                      <p:cBhvr>
+                                        <p:cTn id="12" dur="1" fill="hold">
+                                          <p:stCondLst>
+                                            <p:cond delay="0"/>
+                                          </p:stCondLst>
+                                        </p:cTn>
+                                        <p:tgtEl>
+                                          <p:spTgt spid="425"/>
+                                        </p:tgtEl>
+                                        <p:attrNameLst>
+                                          <p:attrName>style.visibility</p:attrName>
+                                        </p:attrNameLst>
+                                      </p:cBhvr>
+                                      <p:to>
+                                        <p:strVal val="visible"/>
+                                      </p:to>
+                                    </p:set>
+                                    <p:animEffect transition="in" filter="randombar(vertical)">
+                                      <p:cBhvr>
+                                        <p:cTn id="13" dur="500"/>
+                                        <p:tgtEl>
+                                          <p:spTgt spid="425"/>
                                         </p:tgtEl>
                                       </p:cBhvr>
                                     </p:animEffect>
@@ -14330,7 +17909,7 @@
         </p:blipFill>
         <p:spPr>
           <a:xfrm>
-            <a:off x="9804645" y="3505233"/>
+            <a:off x="9438284" y="3292576"/>
             <a:ext cx="2413882" cy="3314493"/>
           </a:xfrm>
           <a:prstGeom prst="rect">
@@ -14360,7 +17939,7 @@
         </p:blipFill>
         <p:spPr>
           <a:xfrm>
-            <a:off x="3367141" y="6040547"/>
+            <a:off x="3049207" y="5804211"/>
             <a:ext cx="3977794" cy="802858"/>
           </a:xfrm>
           <a:prstGeom prst="rect">
@@ -14389,8 +17968,44 @@
         </p:blipFill>
         <p:spPr>
           <a:xfrm>
-            <a:off x="26527" y="5493059"/>
+            <a:off x="339834" y="5280402"/>
             <a:ext cx="2211007" cy="1326667"/>
+          </a:xfrm>
+          <a:prstGeom prst="rect">
+            <a:avLst/>
+          </a:prstGeom>
+        </p:spPr>
+      </p:pic>
+      <p:pic>
+        <p:nvPicPr>
+          <p:cNvPr id="7" name="Image 6" descr="Une image contenant capture d’écran, Caractère coloré, carré, motif&#10;&#10;Description générée automatiquement">
+            <a:extLst>
+              <a:ext uri="{FF2B5EF4-FFF2-40B4-BE49-F238E27FC236}">
+                <a16:creationId xmlns:a16="http://schemas.microsoft.com/office/drawing/2014/main" id="{9DE13094-9225-27DE-C4B6-A2509962EF28}"/>
+              </a:ext>
+            </a:extLst>
+          </p:cNvPr>
+          <p:cNvPicPr>
+            <a:picLocks noChangeAspect="1"/>
+          </p:cNvPicPr>
+          <p:nvPr/>
+        </p:nvPicPr>
+        <p:blipFill>
+          <a:blip r:embed="rId8">
+            <a:extLst>
+              <a:ext uri="{28A0092B-C50C-407E-A947-70E740481C1C}">
+                <a14:useLocalDpi xmlns:a14="http://schemas.microsoft.com/office/drawing/2010/main" val="0"/>
+              </a:ext>
+            </a:extLst>
+          </a:blip>
+          <a:stretch>
+            <a:fillRect/>
+          </a:stretch>
+        </p:blipFill>
+        <p:spPr>
+          <a:xfrm>
+            <a:off x="7401140" y="4924962"/>
+            <a:ext cx="1682107" cy="1682107"/>
           </a:xfrm>
           <a:prstGeom prst="rect">
             <a:avLst/>
@@ -14541,6 +18156,111 @@
                                         </p:tav>
                                       </p:tavLst>
                                     </p:anim>
+                                  </p:childTnLst>
+                                </p:cTn>
+                              </p:par>
+                              <p:par>
+                                <p:cTn id="12" presetID="9" presetClass="entr" presetSubtype="0" fill="hold" nodeType="withEffect">
+                                  <p:stCondLst>
+                                    <p:cond delay="0"/>
+                                  </p:stCondLst>
+                                  <p:childTnLst>
+                                    <p:set>
+                                      <p:cBhvr>
+                                        <p:cTn id="13" dur="1" fill="hold">
+                                          <p:stCondLst>
+                                            <p:cond delay="0"/>
+                                          </p:stCondLst>
+                                        </p:cTn>
+                                        <p:tgtEl>
+                                          <p:spTgt spid="7"/>
+                                        </p:tgtEl>
+                                        <p:attrNameLst>
+                                          <p:attrName>style.visibility</p:attrName>
+                                        </p:attrNameLst>
+                                      </p:cBhvr>
+                                      <p:to>
+                                        <p:strVal val="visible"/>
+                                      </p:to>
+                                    </p:set>
+                                    <p:animEffect transition="in" filter="dissolve">
+                                      <p:cBhvr>
+                                        <p:cTn id="14" dur="1000"/>
+                                        <p:tgtEl>
+                                          <p:spTgt spid="7"/>
+                                        </p:tgtEl>
+                                      </p:cBhvr>
+                                    </p:animEffect>
+                                  </p:childTnLst>
+                                </p:cTn>
+                              </p:par>
+                              <p:par>
+                                <p:cTn id="15" presetID="9" presetClass="entr" presetSubtype="0" fill="hold" nodeType="withEffect">
+                                  <p:stCondLst>
+                                    <p:cond delay="0"/>
+                                  </p:stCondLst>
+                                  <p:childTnLst>
+                                    <p:set>
+                                      <p:cBhvr>
+                                        <p:cTn id="16" dur="1" fill="hold">
+                                          <p:stCondLst>
+                                            <p:cond delay="0"/>
+                                          </p:stCondLst>
+                                        </p:cTn>
+                                        <p:tgtEl>
+                                          <p:spTgt spid="9"/>
+                                        </p:tgtEl>
+                                        <p:attrNameLst>
+                                          <p:attrName>style.visibility</p:attrName>
+                                        </p:attrNameLst>
+                                      </p:cBhvr>
+                                      <p:to>
+                                        <p:strVal val="visible"/>
+                                      </p:to>
+                                    </p:set>
+                                    <p:animEffect transition="in" filter="dissolve">
+                                      <p:cBhvr>
+                                        <p:cTn id="17" dur="1000"/>
+                                        <p:tgtEl>
+                                          <p:spTgt spid="9"/>
+                                        </p:tgtEl>
+                                      </p:cBhvr>
+                                    </p:animEffect>
+                                  </p:childTnLst>
+                                </p:cTn>
+                              </p:par>
+                              <p:par>
+                                <p:cTn id="18" presetID="9" presetClass="entr" presetSubtype="0" fill="hold" nodeType="withEffect">
+                                  <p:stCondLst>
+                                    <p:cond delay="0"/>
+                                  </p:stCondLst>
+                                  <p:childTnLst>
+                                    <p:set>
+                                      <p:cBhvr>
+                                        <p:cTn id="19" dur="1" fill="hold">
+                                          <p:stCondLst>
+                                            <p:cond delay="0"/>
+                                          </p:stCondLst>
+                                        </p:cTn>
+                                        <p:tgtEl>
+                                          <p:spTgt spid="4"/>
+                                        </p:tgtEl>
+                                        <p:attrNameLst>
+                                          <p:attrName>style.visibility</p:attrName>
+                                        </p:attrNameLst>
+                                      </p:cBhvr>
+                                      <p:to>
+                                        <p:strVal val="visible"/>
+                                      </p:to>
+                                    </p:set>
+                                    <p:animEffect transition="in" filter="dissolve">
+                                      <p:cBhvr>
+                                        <p:cTn id="20" dur="1000"/>
+                                        <p:tgtEl>
+                                          <p:spTgt spid="4"/>
+                                        </p:tgtEl>
+                                      </p:cBhvr>
+                                    </p:animEffect>
                                   </p:childTnLst>
                                 </p:cTn>
                               </p:par>
@@ -15112,6 +18832,76 @@
           </a:prstGeom>
         </p:spPr>
       </p:pic>
+      <p:pic>
+        <p:nvPicPr>
+          <p:cNvPr id="32" name="Image 31" descr="Une image contenant texte, capture d’écran, logiciel, Logiciel multimédia&#10;&#10;Description générée automatiquement">
+            <a:extLst>
+              <a:ext uri="{FF2B5EF4-FFF2-40B4-BE49-F238E27FC236}">
+                <a16:creationId xmlns:a16="http://schemas.microsoft.com/office/drawing/2014/main" id="{62027B05-C0FB-5B81-91EA-942A07351F60}"/>
+              </a:ext>
+            </a:extLst>
+          </p:cNvPr>
+          <p:cNvPicPr>
+            <a:picLocks noChangeAspect="1"/>
+          </p:cNvPicPr>
+          <p:nvPr/>
+        </p:nvPicPr>
+        <p:blipFill rotWithShape="1">
+          <a:blip r:embed="rId5">
+            <a:extLst>
+              <a:ext uri="{28A0092B-C50C-407E-A947-70E740481C1C}">
+                <a14:useLocalDpi xmlns:a14="http://schemas.microsoft.com/office/drawing/2010/main" val="0"/>
+              </a:ext>
+            </a:extLst>
+          </a:blip>
+          <a:srcRect l="9230" b="48469"/>
+          <a:stretch/>
+        </p:blipFill>
+        <p:spPr>
+          <a:xfrm>
+            <a:off x="4419985" y="3999862"/>
+            <a:ext cx="7745488" cy="2858137"/>
+          </a:xfrm>
+          <a:prstGeom prst="rect">
+            <a:avLst/>
+          </a:prstGeom>
+        </p:spPr>
+      </p:pic>
+      <p:pic>
+        <p:nvPicPr>
+          <p:cNvPr id="36" name="Image 35" descr="Une image contenant Graphique, capture d’écran, graphisme, logo&#10;&#10;Description générée automatiquement">
+            <a:extLst>
+              <a:ext uri="{FF2B5EF4-FFF2-40B4-BE49-F238E27FC236}">
+                <a16:creationId xmlns:a16="http://schemas.microsoft.com/office/drawing/2014/main" id="{67142C1A-76DA-080E-AC4A-92EA5F7A67C4}"/>
+              </a:ext>
+            </a:extLst>
+          </p:cNvPr>
+          <p:cNvPicPr>
+            <a:picLocks noChangeAspect="1"/>
+          </p:cNvPicPr>
+          <p:nvPr/>
+        </p:nvPicPr>
+        <p:blipFill rotWithShape="1">
+          <a:blip r:embed="rId6">
+            <a:extLst>
+              <a:ext uri="{28A0092B-C50C-407E-A947-70E740481C1C}">
+                <a14:useLocalDpi xmlns:a14="http://schemas.microsoft.com/office/drawing/2010/main" val="0"/>
+              </a:ext>
+            </a:extLst>
+          </a:blip>
+          <a:srcRect l="12345" t="25170" r="11322" b="25570"/>
+          <a:stretch/>
+        </p:blipFill>
+        <p:spPr>
+          <a:xfrm>
+            <a:off x="26527" y="4546600"/>
+            <a:ext cx="3581785" cy="2311400"/>
+          </a:xfrm>
+          <a:prstGeom prst="rect">
+            <a:avLst/>
+          </a:prstGeom>
+        </p:spPr>
+      </p:pic>
     </p:spTree>
     <p:custDataLst>
       <p:tags r:id="rId1"/>
@@ -15128,6 +18918,276 @@
   <p:transition spd="slow">
     <p:cover dir="u"/>
   </p:transition>
+  <p:timing>
+    <p:tnLst>
+      <p:par>
+        <p:cTn id="1" dur="indefinite" restart="never" nodeType="tmRoot">
+          <p:childTnLst>
+            <p:seq concurrent="1" nextAc="seek">
+              <p:cTn id="2" dur="indefinite" nodeType="mainSeq">
+                <p:childTnLst>
+                  <p:par>
+                    <p:cTn id="3" fill="hold">
+                      <p:stCondLst>
+                        <p:cond delay="indefinite"/>
+                        <p:cond evt="onBegin" delay="0">
+                          <p:tn val="2"/>
+                        </p:cond>
+                      </p:stCondLst>
+                      <p:childTnLst>
+                        <p:par>
+                          <p:cTn id="4" fill="hold">
+                            <p:stCondLst>
+                              <p:cond delay="0"/>
+                            </p:stCondLst>
+                            <p:childTnLst>
+                              <p:par>
+                                <p:cTn id="5" presetID="2" presetClass="entr" presetSubtype="6" fill="hold" nodeType="withEffect">
+                                  <p:stCondLst>
+                                    <p:cond delay="0"/>
+                                  </p:stCondLst>
+                                  <p:childTnLst>
+                                    <p:set>
+                                      <p:cBhvr>
+                                        <p:cTn id="6" dur="1" fill="hold">
+                                          <p:stCondLst>
+                                            <p:cond delay="0"/>
+                                          </p:stCondLst>
+                                        </p:cTn>
+                                        <p:tgtEl>
+                                          <p:spTgt spid="32"/>
+                                        </p:tgtEl>
+                                        <p:attrNameLst>
+                                          <p:attrName>style.visibility</p:attrName>
+                                        </p:attrNameLst>
+                                      </p:cBhvr>
+                                      <p:to>
+                                        <p:strVal val="visible"/>
+                                      </p:to>
+                                    </p:set>
+                                    <p:anim calcmode="lin" valueType="num">
+                                      <p:cBhvr additive="base">
+                                        <p:cTn id="7" dur="750" fill="hold"/>
+                                        <p:tgtEl>
+                                          <p:spTgt spid="32"/>
+                                        </p:tgtEl>
+                                        <p:attrNameLst>
+                                          <p:attrName>ppt_x</p:attrName>
+                                        </p:attrNameLst>
+                                      </p:cBhvr>
+                                      <p:tavLst>
+                                        <p:tav tm="0">
+                                          <p:val>
+                                            <p:strVal val="1+#ppt_w/2"/>
+                                          </p:val>
+                                        </p:tav>
+                                        <p:tav tm="100000">
+                                          <p:val>
+                                            <p:strVal val="#ppt_x"/>
+                                          </p:val>
+                                        </p:tav>
+                                      </p:tavLst>
+                                    </p:anim>
+                                    <p:anim calcmode="lin" valueType="num">
+                                      <p:cBhvr additive="base">
+                                        <p:cTn id="8" dur="750" fill="hold"/>
+                                        <p:tgtEl>
+                                          <p:spTgt spid="32"/>
+                                        </p:tgtEl>
+                                        <p:attrNameLst>
+                                          <p:attrName>ppt_y</p:attrName>
+                                        </p:attrNameLst>
+                                      </p:cBhvr>
+                                      <p:tavLst>
+                                        <p:tav tm="0">
+                                          <p:val>
+                                            <p:strVal val="1+#ppt_h/2"/>
+                                          </p:val>
+                                        </p:tav>
+                                        <p:tav tm="100000">
+                                          <p:val>
+                                            <p:strVal val="#ppt_y"/>
+                                          </p:val>
+                                        </p:tav>
+                                      </p:tavLst>
+                                    </p:anim>
+                                  </p:childTnLst>
+                                </p:cTn>
+                              </p:par>
+                              <p:par>
+                                <p:cTn id="9" presetID="19" presetClass="entr" presetSubtype="10" fill="hold" nodeType="withEffect">
+                                  <p:stCondLst>
+                                    <p:cond delay="0"/>
+                                  </p:stCondLst>
+                                  <p:childTnLst>
+                                    <p:set>
+                                      <p:cBhvr>
+                                        <p:cTn id="10" dur="1" fill="hold">
+                                          <p:stCondLst>
+                                            <p:cond delay="0"/>
+                                          </p:stCondLst>
+                                        </p:cTn>
+                                        <p:tgtEl>
+                                          <p:spTgt spid="36"/>
+                                        </p:tgtEl>
+                                        <p:attrNameLst>
+                                          <p:attrName>style.visibility</p:attrName>
+                                        </p:attrNameLst>
+                                      </p:cBhvr>
+                                      <p:to>
+                                        <p:strVal val="visible"/>
+                                      </p:to>
+                                    </p:set>
+                                    <p:anim calcmode="lin" valueType="num">
+                                      <p:cBhvr>
+                                        <p:cTn id="11" dur="1000" fill="hold"/>
+                                        <p:tgtEl>
+                                          <p:spTgt spid="36"/>
+                                        </p:tgtEl>
+                                        <p:attrNameLst>
+                                          <p:attrName>ppt_w</p:attrName>
+                                        </p:attrNameLst>
+                                      </p:cBhvr>
+                                      <p:tavLst>
+                                        <p:tav tm="0" fmla="#ppt_w*sin(2.5*pi*$)">
+                                          <p:val>
+                                            <p:fltVal val="0"/>
+                                          </p:val>
+                                        </p:tav>
+                                        <p:tav tm="100000">
+                                          <p:val>
+                                            <p:fltVal val="1"/>
+                                          </p:val>
+                                        </p:tav>
+                                      </p:tavLst>
+                                    </p:anim>
+                                    <p:anim calcmode="lin" valueType="num">
+                                      <p:cBhvr>
+                                        <p:cTn id="12" dur="1000" fill="hold"/>
+                                        <p:tgtEl>
+                                          <p:spTgt spid="36"/>
+                                        </p:tgtEl>
+                                        <p:attrNameLst>
+                                          <p:attrName>ppt_h</p:attrName>
+                                        </p:attrNameLst>
+                                      </p:cBhvr>
+                                      <p:tavLst>
+                                        <p:tav tm="0">
+                                          <p:val>
+                                            <p:strVal val="#ppt_h"/>
+                                          </p:val>
+                                        </p:tav>
+                                        <p:tav tm="100000">
+                                          <p:val>
+                                            <p:strVal val="#ppt_h"/>
+                                          </p:val>
+                                        </p:tav>
+                                      </p:tavLst>
+                                    </p:anim>
+                                  </p:childTnLst>
+                                </p:cTn>
+                              </p:par>
+                              <p:par>
+                                <p:cTn id="13" presetID="2" presetClass="entr" presetSubtype="8" fill="hold" nodeType="withEffect">
+                                  <p:stCondLst>
+                                    <p:cond delay="0"/>
+                                  </p:stCondLst>
+                                  <p:childTnLst>
+                                    <p:set>
+                                      <p:cBhvr>
+                                        <p:cTn id="14" dur="1" fill="hold">
+                                          <p:stCondLst>
+                                            <p:cond delay="0"/>
+                                          </p:stCondLst>
+                                        </p:cTn>
+                                        <p:tgtEl>
+                                          <p:spTgt spid="30"/>
+                                        </p:tgtEl>
+                                        <p:attrNameLst>
+                                          <p:attrName>style.visibility</p:attrName>
+                                        </p:attrNameLst>
+                                      </p:cBhvr>
+                                      <p:to>
+                                        <p:strVal val="visible"/>
+                                      </p:to>
+                                    </p:set>
+                                    <p:anim calcmode="lin" valueType="num">
+                                      <p:cBhvr additive="base">
+                                        <p:cTn id="15" dur="750" fill="hold"/>
+                                        <p:tgtEl>
+                                          <p:spTgt spid="30"/>
+                                        </p:tgtEl>
+                                        <p:attrNameLst>
+                                          <p:attrName>ppt_x</p:attrName>
+                                        </p:attrNameLst>
+                                      </p:cBhvr>
+                                      <p:tavLst>
+                                        <p:tav tm="0">
+                                          <p:val>
+                                            <p:strVal val="0-#ppt_w/2"/>
+                                          </p:val>
+                                        </p:tav>
+                                        <p:tav tm="100000">
+                                          <p:val>
+                                            <p:strVal val="#ppt_x"/>
+                                          </p:val>
+                                        </p:tav>
+                                      </p:tavLst>
+                                    </p:anim>
+                                    <p:anim calcmode="lin" valueType="num">
+                                      <p:cBhvr additive="base">
+                                        <p:cTn id="16" dur="750" fill="hold"/>
+                                        <p:tgtEl>
+                                          <p:spTgt spid="30"/>
+                                        </p:tgtEl>
+                                        <p:attrNameLst>
+                                          <p:attrName>ppt_y</p:attrName>
+                                        </p:attrNameLst>
+                                      </p:cBhvr>
+                                      <p:tavLst>
+                                        <p:tav tm="0">
+                                          <p:val>
+                                            <p:strVal val="#ppt_y"/>
+                                          </p:val>
+                                        </p:tav>
+                                        <p:tav tm="100000">
+                                          <p:val>
+                                            <p:strVal val="#ppt_y"/>
+                                          </p:val>
+                                        </p:tav>
+                                      </p:tavLst>
+                                    </p:anim>
+                                  </p:childTnLst>
+                                </p:cTn>
+                              </p:par>
+                            </p:childTnLst>
+                          </p:cTn>
+                        </p:par>
+                      </p:childTnLst>
+                    </p:cTn>
+                  </p:par>
+                </p:childTnLst>
+              </p:cTn>
+              <p:prevCondLst>
+                <p:cond evt="onPrev" delay="0">
+                  <p:tgtEl>
+                    <p:sldTgt/>
+                  </p:tgtEl>
+                </p:cond>
+              </p:prevCondLst>
+              <p:nextCondLst>
+                <p:cond evt="onNext" delay="0">
+                  <p:tgtEl>
+                    <p:sldTgt/>
+                  </p:tgtEl>
+                </p:cond>
+              </p:nextCondLst>
+            </p:seq>
+          </p:childTnLst>
+        </p:cTn>
+      </p:par>
+    </p:tnLst>
+  </p:timing>
 </p:sld>
 </file>
 
@@ -18243,7 +22303,7 @@
                 <a:ea typeface="ADLaM Display" panose="020B0604020202020204" pitchFamily="2" charset="0"/>
                 <a:cs typeface="ADLaM Display" panose="020B0604020202020204" pitchFamily="2" charset="0"/>
               </a:rPr>
-              <a:t>… MAIS PAS SANS PROBLEMES !!!</a:t>
+              <a:t>… MAIS PAS SANS PROBLEME !!!</a:t>
             </a:r>
             <a:endParaRPr lang="fr-FR" sz="2800" dirty="0">
               <a:solidFill>
@@ -20055,6 +24115,64 @@
             </a:r>
           </a:p>
           <a:p>
+            <a:pPr marL="0" indent="0">
+              <a:buNone/>
+            </a:pPr>
+            <a:endParaRPr lang="fr-FR" dirty="0">
+              <a:solidFill>
+                <a:schemeClr val="bg1"/>
+              </a:solidFill>
+              <a:latin typeface="ADLaM Display" panose="020B0604020202020204" pitchFamily="2" charset="0"/>
+              <a:ea typeface="ADLaM Display" panose="020B0604020202020204" pitchFamily="2" charset="0"/>
+              <a:cs typeface="ADLaM Display" panose="020B0604020202020204" pitchFamily="2" charset="0"/>
+            </a:endParaRPr>
+          </a:p>
+          <a:p>
+            <a:r>
+              <a:rPr lang="fr-FR" dirty="0">
+                <a:solidFill>
+                  <a:schemeClr val="bg1"/>
+                </a:solidFill>
+                <a:latin typeface="ADLaM Display" panose="020B0604020202020204" pitchFamily="2" charset="0"/>
+                <a:ea typeface="ADLaM Display" panose="020B0604020202020204" pitchFamily="2" charset="0"/>
+                <a:cs typeface="ADLaM Display" panose="020B0604020202020204" pitchFamily="2" charset="0"/>
+              </a:rPr>
+              <a:t>L’IMPLANTATION DANS LE FICHIER</a:t>
+            </a:r>
+          </a:p>
+          <a:p>
+            <a:pPr marL="0" indent="0">
+              <a:buNone/>
+            </a:pPr>
+            <a:r>
+              <a:rPr lang="fr-FR" dirty="0">
+                <a:solidFill>
+                  <a:schemeClr val="bg1"/>
+                </a:solidFill>
+                <a:latin typeface="ADLaM Display" panose="020B0604020202020204" pitchFamily="2" charset="0"/>
+                <a:ea typeface="ADLaM Display" panose="020B0604020202020204" pitchFamily="2" charset="0"/>
+                <a:cs typeface="ADLaM Display" panose="020B0604020202020204" pitchFamily="2" charset="0"/>
+              </a:rPr>
+              <a:t>  MAIN D’ANCIENNES VERSIONS </a:t>
+            </a:r>
+          </a:p>
+          <a:p>
+            <a:pPr marL="0" indent="0">
+              <a:buNone/>
+            </a:pPr>
+            <a:r>
+              <a:rPr lang="fr-FR" dirty="0">
+                <a:solidFill>
+                  <a:schemeClr val="bg1"/>
+                </a:solidFill>
+                <a:latin typeface="ADLaM Display" panose="020B0604020202020204" pitchFamily="2" charset="0"/>
+                <a:ea typeface="ADLaM Display" panose="020B0604020202020204" pitchFamily="2" charset="0"/>
+                <a:cs typeface="ADLaM Display" panose="020B0604020202020204" pitchFamily="2" charset="0"/>
+              </a:rPr>
+              <a:t>  PAS A JOUR</a:t>
+            </a:r>
+          </a:p>
+          <a:p>
             <a:endParaRPr lang="fr-FR" dirty="0">
               <a:solidFill>
                 <a:schemeClr val="bg1"/>
@@ -20311,6 +24429,41 @@
                                         <p:cTn id="7" dur="500"/>
                                         <p:tgtEl>
                                           <p:spTgt spid="37"/>
+                                        </p:tgtEl>
+                                      </p:cBhvr>
+                                    </p:animEffect>
+                                  </p:childTnLst>
+                                </p:cTn>
+                              </p:par>
+                              <p:par>
+                                <p:cTn id="8" presetID="22" presetClass="entr" presetSubtype="8" fill="hold" nodeType="withEffect">
+                                  <p:stCondLst>
+                                    <p:cond delay="0"/>
+                                  </p:stCondLst>
+                                  <p:childTnLst>
+                                    <p:set>
+                                      <p:cBhvr>
+                                        <p:cTn id="9" dur="1" fill="hold">
+                                          <p:stCondLst>
+                                            <p:cond delay="0"/>
+                                          </p:stCondLst>
+                                        </p:cTn>
+                                        <p:tgtEl>
+                                          <p:spTgt spid="5"/>
+                                        </p:tgtEl>
+                                        <p:attrNameLst>
+                                          <p:attrName>style.visibility</p:attrName>
+                                        </p:attrNameLst>
+                                      </p:cBhvr>
+                                      <p:to>
+                                        <p:strVal val="visible"/>
+                                      </p:to>
+                                    </p:set>
+                                    <p:animEffect transition="in" filter="wipe(left)">
+                                      <p:cBhvr>
+                                        <p:cTn id="10" dur="500"/>
+                                        <p:tgtEl>
+                                          <p:spTgt spid="5"/>
                                         </p:tgtEl>
                                       </p:cBhvr>
                                     </p:animEffect>
@@ -26867,7 +31020,7 @@
                                     </p:set>
                                     <p:anim calcmode="lin" valueType="num">
                                       <p:cBhvr additive="base">
-                                        <p:cTn id="16" dur="250" fill="hold"/>
+                                        <p:cTn id="16" dur="100" fill="hold"/>
                                         <p:tgtEl>
                                           <p:spTgt spid="29"/>
                                         </p:tgtEl>
@@ -26890,7 +31043,7 @@
                                     </p:anim>
                                     <p:anim calcmode="lin" valueType="num">
                                       <p:cBhvr additive="base">
-                                        <p:cTn id="17" dur="250" fill="hold"/>
+                                        <p:cTn id="17" dur="100" fill="hold"/>
                                         <p:tgtEl>
                                           <p:spTgt spid="29"/>
                                         </p:tgtEl>
@@ -28298,7 +32451,7 @@
         </p:blipFill>
         <p:spPr>
           <a:xfrm>
-            <a:off x="8780636" y="5117787"/>
+            <a:off x="8749540" y="5087499"/>
             <a:ext cx="784680" cy="773628"/>
           </a:xfrm>
           <a:prstGeom prst="rect">
@@ -28370,7 +32523,7 @@
         </p:blipFill>
         <p:spPr>
           <a:xfrm>
-            <a:off x="8723093" y="5055687"/>
+            <a:off x="8753458" y="5081134"/>
             <a:ext cx="784680" cy="773628"/>
           </a:xfrm>
           <a:prstGeom prst="rect">
@@ -28442,7 +32595,7 @@
         </p:blipFill>
         <p:spPr>
           <a:xfrm>
-            <a:off x="8717290" y="3540482"/>
+            <a:off x="8754112" y="3540482"/>
             <a:ext cx="784680" cy="773628"/>
           </a:xfrm>
           <a:prstGeom prst="rect">
@@ -28478,7 +32631,7 @@
         </p:blipFill>
         <p:spPr>
           <a:xfrm>
-            <a:off x="8726611" y="4314753"/>
+            <a:off x="8751159" y="4314753"/>
             <a:ext cx="784680" cy="773628"/>
           </a:xfrm>
           <a:prstGeom prst="rect">
@@ -28514,6 +32667,9 @@
                     <p:cTn id="3" fill="hold">
                       <p:stCondLst>
                         <p:cond delay="indefinite"/>
+                        <p:cond evt="onBegin" delay="0">
+                          <p:tn val="2"/>
+                        </p:cond>
                       </p:stCondLst>
                       <p:childTnLst>
                         <p:par>
@@ -28523,7 +32679,7 @@
                             </p:stCondLst>
                             <p:childTnLst>
                               <p:par>
-                                <p:cTn id="5" presetID="16" presetClass="entr" presetSubtype="21" fill="hold" nodeType="clickEffect">
+                                <p:cTn id="5" presetID="16" presetClass="entr" presetSubtype="21" fill="hold" nodeType="withEffect">
                                   <p:stCondLst>
                                     <p:cond delay="0"/>
                                   </p:stCondLst>
@@ -29271,12 +33427,6 @@
 </p:tagLst>
 </file>
 
-<file path=ppt/tags/tag15.xml><?xml version="1.0" encoding="utf-8"?>
-<p:tagLst xmlns:a="http://schemas.openxmlformats.org/drawingml/2006/main" xmlns:r="http://schemas.openxmlformats.org/officeDocument/2006/relationships" xmlns:p="http://schemas.openxmlformats.org/presentationml/2006/main">
-  <p:tag name="TIMING" val="|1.3|2.9|2.7|2.1"/>
-</p:tagLst>
-</file>
-
 <file path=ppt/tags/tag2.xml><?xml version="1.0" encoding="utf-8"?>
 <p:tagLst xmlns:a="http://schemas.openxmlformats.org/drawingml/2006/main" xmlns:r="http://schemas.openxmlformats.org/officeDocument/2006/relationships" xmlns:p="http://schemas.openxmlformats.org/presentationml/2006/main">
   <p:tag name="TIMING" val="|2.3"/>
@@ -29618,4 +33768,178 @@
     </a:ext>
   </a:extLst>
 </a:theme>
+</file>
+
+<file path=ppt/theme/theme2.xml><?xml version="1.0" encoding="utf-8"?>
+<a:theme xmlns:a="http://schemas.openxmlformats.org/drawingml/2006/main" name="1_Thème Office">
+  <a:themeElements>
+    <a:clrScheme name="Office">
+      <a:dk1>
+        <a:srgbClr val="000000"/>
+      </a:dk1>
+      <a:lt1>
+        <a:srgbClr val="FFFFFF"/>
+      </a:lt1>
+      <a:dk2>
+        <a:srgbClr val="44546A"/>
+      </a:dk2>
+      <a:lt2>
+        <a:srgbClr val="E7E6E6"/>
+      </a:lt2>
+      <a:accent1>
+        <a:srgbClr val="4472C4"/>
+      </a:accent1>
+      <a:accent2>
+        <a:srgbClr val="ED7D31"/>
+      </a:accent2>
+      <a:accent3>
+        <a:srgbClr val="A5A5A5"/>
+      </a:accent3>
+      <a:accent4>
+        <a:srgbClr val="FFC000"/>
+      </a:accent4>
+      <a:accent5>
+        <a:srgbClr val="5B9BD5"/>
+      </a:accent5>
+      <a:accent6>
+        <a:srgbClr val="70AD47"/>
+      </a:accent6>
+      <a:hlink>
+        <a:srgbClr val="0563C1"/>
+      </a:hlink>
+      <a:folHlink>
+        <a:srgbClr val="954F72"/>
+      </a:folHlink>
+    </a:clrScheme>
+    <a:fontScheme name="Office">
+      <a:majorFont>
+        <a:latin typeface="Calibri Light" panose="020F0302020204030204"/>
+        <a:ea typeface=""/>
+        <a:cs typeface=""/>
+      </a:majorFont>
+      <a:minorFont>
+        <a:latin typeface="Calibri" panose="020F0502020204030204"/>
+        <a:ea typeface=""/>
+        <a:cs typeface=""/>
+      </a:minorFont>
+    </a:fontScheme>
+    <a:fmtScheme>
+      <a:fillStyleLst>
+        <a:solidFill>
+          <a:schemeClr val="phClr"/>
+        </a:solidFill>
+        <a:gradFill>
+          <a:gsLst>
+            <a:gs pos="0">
+              <a:schemeClr val="phClr">
+                <a:lumMod val="110000"/>
+                <a:tint val="67000"/>
+              </a:schemeClr>
+            </a:gs>
+            <a:gs pos="50000">
+              <a:schemeClr val="phClr">
+                <a:lumMod val="105000"/>
+                <a:tint val="73000"/>
+              </a:schemeClr>
+            </a:gs>
+            <a:gs pos="100000">
+              <a:schemeClr val="phClr">
+                <a:lumMod val="105000"/>
+                <a:tint val="81000"/>
+              </a:schemeClr>
+            </a:gs>
+          </a:gsLst>
+          <a:lin ang="5400000" scaled="0"/>
+          <a:tileRect/>
+        </a:gradFill>
+        <a:gradFill>
+          <a:gsLst>
+            <a:gs pos="0">
+              <a:schemeClr val="phClr">
+                <a:lumMod val="102000"/>
+                <a:tint val="94000"/>
+              </a:schemeClr>
+            </a:gs>
+            <a:gs pos="50000">
+              <a:schemeClr val="phClr">
+                <a:lumMod val="100000"/>
+                <a:shade val="100000"/>
+              </a:schemeClr>
+            </a:gs>
+            <a:gs pos="100000">
+              <a:schemeClr val="phClr">
+                <a:lumMod val="99000"/>
+                <a:shade val="78000"/>
+              </a:schemeClr>
+            </a:gs>
+          </a:gsLst>
+          <a:lin ang="5400000" scaled="0"/>
+          <a:tileRect/>
+        </a:gradFill>
+      </a:fillStyleLst>
+      <a:lnStyleLst>
+        <a:ln w="6350" cap="flat" cmpd="sng" algn="ctr">
+          <a:prstDash val="solid"/>
+          <a:miter lim="800000"/>
+        </a:ln>
+        <a:ln w="12700" cap="flat" cmpd="sng" algn="ctr">
+          <a:prstDash val="solid"/>
+          <a:miter lim="800000"/>
+        </a:ln>
+        <a:ln w="19050" cap="flat" cmpd="sng" algn="ctr">
+          <a:prstDash val="solid"/>
+          <a:miter lim="800000"/>
+        </a:ln>
+      </a:lnStyleLst>
+      <a:effectStyleLst>
+        <a:effectStyle>
+          <a:effectLst/>
+        </a:effectStyle>
+        <a:effectStyle>
+          <a:effectLst/>
+        </a:effectStyle>
+        <a:effectStyle>
+          <a:effectLst/>
+        </a:effectStyle>
+      </a:effectStyleLst>
+      <a:bgFillStyleLst>
+        <a:solidFill>
+          <a:schemeClr val="phClr"/>
+        </a:solidFill>
+        <a:solidFill>
+          <a:schemeClr val="phClr">
+            <a:tint val="95000"/>
+          </a:schemeClr>
+        </a:solidFill>
+        <a:gradFill>
+          <a:gsLst>
+            <a:gs pos="0">
+              <a:schemeClr val="phClr">
+                <a:tint val="93000"/>
+                <a:shade val="98000"/>
+                <a:lumMod val="102000"/>
+              </a:schemeClr>
+            </a:gs>
+            <a:gs pos="50000">
+              <a:schemeClr val="phClr">
+                <a:tint val="98000"/>
+                <a:shade val="90000"/>
+                <a:lumMod val="103000"/>
+              </a:schemeClr>
+            </a:gs>
+            <a:gs pos="100000">
+              <a:schemeClr val="phClr">
+                <a:shade val="63000"/>
+              </a:schemeClr>
+            </a:gs>
+          </a:gsLst>
+          <a:lin ang="5400000" scaled="0"/>
+          <a:tileRect/>
+        </a:gradFill>
+      </a:bgFillStyleLst>
+    </a:fmtScheme>
+  </a:themeElements>
+  <a:objectDefaults/>
+  <a:extraClrSchemeLst/>
+</a:theme>
 </file>